--- a/Courses/Software-Sciences/Module-4-Information-Systems-New/12-Implementation-of-Information-System/12-Implementation-of-Information-System.pptx
+++ b/Courses/Software-Sciences/Module-4-Information-Systems-New/12-Implementation-of-Information-System/12-Implementation-of-Information-System.pptx
@@ -329,7 +329,7 @@
           <a:p>
             <a:fld id="{4E087215-0C8F-4762-A664-737A353EC9A4}" type="datetimeFigureOut">
               <a:rPr lang="bg-BG" smtClean="0"/>
-              <a:t>26.07.24 г.</a:t>
+              <a:t>6.08.24 г.</a:t>
             </a:fld>
             <a:endParaRPr lang="bg-BG"/>
           </a:p>
@@ -525,7 +525,7 @@
           <a:p>
             <a:fld id="{72D84649-876A-46C9-8472-14CB09C070D8}" type="datetimeFigureOut">
               <a:rPr lang="en-US" smtClean="0"/>
-              <a:t>7/26/24</a:t>
+              <a:t>8/6/24</a:t>
             </a:fld>
             <a:endParaRPr lang="en-US"/>
           </a:p>
@@ -9473,7 +9473,7 @@
                 <a:latin typeface="Consolas" panose="020B0609020204030204" pitchFamily="49" charset="0"/>
                 <a:cs typeface="Consolas" panose="020B0609020204030204" pitchFamily="49" charset="0"/>
               </a:rPr>
-              <a:t>    public string </a:t>
+              <a:t>    public DateOnly </a:t>
             </a:r>
             <a:r>
               <a:rPr lang="en-GB" sz="2400" b="1" dirty="0">

--- a/Courses/Software-Sciences/Module-4-Information-Systems-New/12-Implementation-of-Information-System/12-Implementation-of-Information-System.pptx
+++ b/Courses/Software-Sciences/Module-4-Information-Systems-New/12-Implementation-of-Information-System/12-Implementation-of-Information-System.pptx
@@ -329,7 +329,7 @@
           <a:p>
             <a:fld id="{4E087215-0C8F-4762-A664-737A353EC9A4}" type="datetimeFigureOut">
               <a:rPr lang="bg-BG" smtClean="0"/>
-              <a:t>6.08.24 г.</a:t>
+              <a:t>10.09.24 г.</a:t>
             </a:fld>
             <a:endParaRPr lang="bg-BG"/>
           </a:p>
@@ -525,7 +525,7 @@
           <a:p>
             <a:fld id="{72D84649-876A-46C9-8472-14CB09C070D8}" type="datetimeFigureOut">
               <a:rPr lang="en-US" smtClean="0"/>
-              <a:t>8/6/24</a:t>
+              <a:t>9/10/24</a:t>
             </a:fld>
             <a:endParaRPr lang="en-US"/>
           </a:p>
@@ -9586,9 +9586,6 @@
                     <p:cTn id="3" fill="hold">
                       <p:stCondLst>
                         <p:cond delay="indefinite"/>
-                        <p:cond evt="onBegin" delay="0">
-                          <p:tn val="2"/>
-                        </p:cond>
                       </p:stCondLst>
                       <p:childTnLst>
                         <p:par>
@@ -9598,7 +9595,7 @@
                             </p:stCondLst>
                             <p:childTnLst>
                               <p:par>
-                                <p:cTn id="5" presetID="1" presetClass="entr" presetSubtype="0" fill="hold" grpId="0" nodeType="withEffect">
+                                <p:cTn id="5" presetID="1" presetClass="entr" presetSubtype="0" fill="hold" nodeType="clickEffect">
                                   <p:stCondLst>
                                     <p:cond delay="0"/>
                                   </p:stCondLst>
@@ -9611,36 +9608,9 @@
                                           </p:stCondLst>
                                         </p:cTn>
                                         <p:tgtEl>
-                                          <p:spTgt spid="5"/>
-                                        </p:tgtEl>
-                                        <p:attrNameLst>
-                                          <p:attrName>style.visibility</p:attrName>
-                                        </p:attrNameLst>
-                                      </p:cBhvr>
-                                      <p:to>
-                                        <p:strVal val="visible"/>
-                                      </p:to>
-                                    </p:set>
-                                  </p:childTnLst>
-                                </p:cTn>
-                              </p:par>
-                              <p:par>
-                                <p:cTn id="7" presetID="1" presetClass="entr" presetSubtype="0" fill="hold" nodeType="withEffect">
-                                  <p:stCondLst>
-                                    <p:cond delay="0"/>
-                                  </p:stCondLst>
-                                  <p:childTnLst>
-                                    <p:set>
-                                      <p:cBhvr>
-                                        <p:cTn id="8" dur="1" fill="hold">
-                                          <p:stCondLst>
-                                            <p:cond delay="0"/>
-                                          </p:stCondLst>
-                                        </p:cTn>
-                                        <p:tgtEl>
                                           <p:spTgt spid="3">
                                             <p:txEl>
-                                              <p:pRg st="0" end="0"/>
+                                              <p:pRg st="1" end="1"/>
                                             </p:txEl>
                                           </p:spTgt>
                                         </p:tgtEl>
@@ -9662,36 +9632,32 @@
                     </p:cTn>
                   </p:par>
                   <p:par>
-                    <p:cTn id="9" fill="hold">
+                    <p:cTn id="7" fill="hold">
                       <p:stCondLst>
                         <p:cond delay="indefinite"/>
                       </p:stCondLst>
                       <p:childTnLst>
                         <p:par>
-                          <p:cTn id="10" fill="hold">
+                          <p:cTn id="8" fill="hold">
                             <p:stCondLst>
                               <p:cond delay="0"/>
                             </p:stCondLst>
                             <p:childTnLst>
                               <p:par>
-                                <p:cTn id="11" presetID="1" presetClass="entr" presetSubtype="0" fill="hold" nodeType="clickEffect">
+                                <p:cTn id="9" presetID="1" presetClass="entr" presetSubtype="0" fill="hold" grpId="0" nodeType="clickEffect">
                                   <p:stCondLst>
                                     <p:cond delay="0"/>
                                   </p:stCondLst>
                                   <p:childTnLst>
                                     <p:set>
                                       <p:cBhvr>
-                                        <p:cTn id="12" dur="1" fill="hold">
+                                        <p:cTn id="10" dur="1" fill="hold">
                                           <p:stCondLst>
                                             <p:cond delay="0"/>
                                           </p:stCondLst>
                                         </p:cTn>
                                         <p:tgtEl>
-                                          <p:spTgt spid="3">
-                                            <p:txEl>
-                                              <p:pRg st="1" end="1"/>
-                                            </p:txEl>
-                                          </p:spTgt>
+                                          <p:spTgt spid="5"/>
                                         </p:tgtEl>
                                         <p:attrNameLst>
                                           <p:attrName>style.visibility</p:attrName>
@@ -10232,87 +10198,6 @@
       <p:transition spd="slow" advClick="0" advTm="5000"/>
     </mc:Fallback>
   </mc:AlternateContent>
-  <p:timing>
-    <p:tnLst>
-      <p:par>
-        <p:cTn id="1" dur="indefinite" restart="never" nodeType="tmRoot">
-          <p:childTnLst>
-            <p:seq concurrent="1" nextAc="seek">
-              <p:cTn id="2" dur="indefinite" nodeType="mainSeq">
-                <p:childTnLst>
-                  <p:par>
-                    <p:cTn id="3" fill="hold">
-                      <p:stCondLst>
-                        <p:cond delay="indefinite"/>
-                        <p:cond evt="onBegin" delay="0">
-                          <p:tn val="2"/>
-                        </p:cond>
-                      </p:stCondLst>
-                      <p:childTnLst>
-                        <p:par>
-                          <p:cTn id="4" fill="hold">
-                            <p:stCondLst>
-                              <p:cond delay="0"/>
-                            </p:stCondLst>
-                            <p:childTnLst>
-                              <p:par>
-                                <p:cTn id="5" presetID="1" presetClass="entr" presetSubtype="0" fill="hold" grpId="0" nodeType="withEffect">
-                                  <p:stCondLst>
-                                    <p:cond delay="0"/>
-                                  </p:stCondLst>
-                                  <p:childTnLst>
-                                    <p:set>
-                                      <p:cBhvr>
-                                        <p:cTn id="6" dur="1" fill="hold">
-                                          <p:stCondLst>
-                                            <p:cond delay="0"/>
-                                          </p:stCondLst>
-                                        </p:cTn>
-                                        <p:tgtEl>
-                                          <p:spTgt spid="5"/>
-                                        </p:tgtEl>
-                                        <p:attrNameLst>
-                                          <p:attrName>style.visibility</p:attrName>
-                                        </p:attrNameLst>
-                                      </p:cBhvr>
-                                      <p:to>
-                                        <p:strVal val="visible"/>
-                                      </p:to>
-                                    </p:set>
-                                  </p:childTnLst>
-                                </p:cTn>
-                              </p:par>
-                            </p:childTnLst>
-                          </p:cTn>
-                        </p:par>
-                      </p:childTnLst>
-                    </p:cTn>
-                  </p:par>
-                </p:childTnLst>
-              </p:cTn>
-              <p:prevCondLst>
-                <p:cond evt="onPrev" delay="0">
-                  <p:tgtEl>
-                    <p:sldTgt/>
-                  </p:tgtEl>
-                </p:cond>
-              </p:prevCondLst>
-              <p:nextCondLst>
-                <p:cond evt="onNext" delay="0">
-                  <p:tgtEl>
-                    <p:sldTgt/>
-                  </p:tgtEl>
-                </p:cond>
-              </p:nextCondLst>
-            </p:seq>
-          </p:childTnLst>
-        </p:cTn>
-      </p:par>
-    </p:tnLst>
-    <p:bldLst>
-      <p:bldP spid="5" grpId="0" animBg="1"/>
-    </p:bldLst>
-  </p:timing>
 </p:sld>
 </file>
 
@@ -10602,9 +10487,6 @@
                     <p:cTn id="3" fill="hold">
                       <p:stCondLst>
                         <p:cond delay="indefinite"/>
-                        <p:cond evt="onBegin" delay="0">
-                          <p:tn val="2"/>
-                        </p:cond>
                       </p:stCondLst>
                       <p:childTnLst>
                         <p:par>
@@ -10614,7 +10496,7 @@
                             </p:stCondLst>
                             <p:childTnLst>
                               <p:par>
-                                <p:cTn id="5" presetID="1" presetClass="entr" presetSubtype="0" fill="hold" nodeType="withEffect">
+                                <p:cTn id="5" presetID="1" presetClass="entr" presetSubtype="0" fill="hold" nodeType="clickEffect">
                                   <p:stCondLst>
                                     <p:cond delay="0"/>
                                   </p:stCondLst>
@@ -10622,109 +10504,6 @@
                                     <p:set>
                                       <p:cBhvr>
                                         <p:cTn id="6" dur="1" fill="hold">
-                                          <p:stCondLst>
-                                            <p:cond delay="0"/>
-                                          </p:stCondLst>
-                                        </p:cTn>
-                                        <p:tgtEl>
-                                          <p:spTgt spid="3">
-                                            <p:txEl>
-                                              <p:pRg st="0" end="0"/>
-                                            </p:txEl>
-                                          </p:spTgt>
-                                        </p:tgtEl>
-                                        <p:attrNameLst>
-                                          <p:attrName>style.visibility</p:attrName>
-                                        </p:attrNameLst>
-                                      </p:cBhvr>
-                                      <p:to>
-                                        <p:strVal val="visible"/>
-                                      </p:to>
-                                    </p:set>
-                                  </p:childTnLst>
-                                </p:cTn>
-                              </p:par>
-                              <p:par>
-                                <p:cTn id="7" presetID="1" presetClass="entr" presetSubtype="0" fill="hold" nodeType="withEffect">
-                                  <p:stCondLst>
-                                    <p:cond delay="0"/>
-                                  </p:stCondLst>
-                                  <p:childTnLst>
-                                    <p:set>
-                                      <p:cBhvr>
-                                        <p:cTn id="8" dur="1" fill="hold">
-                                          <p:stCondLst>
-                                            <p:cond delay="0"/>
-                                          </p:stCondLst>
-                                        </p:cTn>
-                                        <p:tgtEl>
-                                          <p:spTgt spid="6"/>
-                                        </p:tgtEl>
-                                        <p:attrNameLst>
-                                          <p:attrName>style.visibility</p:attrName>
-                                        </p:attrNameLst>
-                                      </p:cBhvr>
-                                      <p:to>
-                                        <p:strVal val="visible"/>
-                                      </p:to>
-                                    </p:set>
-                                  </p:childTnLst>
-                                </p:cTn>
-                              </p:par>
-                              <p:par>
-                                <p:cTn id="9" presetID="1" presetClass="entr" presetSubtype="0" fill="hold" nodeType="withEffect">
-                                  <p:stCondLst>
-                                    <p:cond delay="0"/>
-                                  </p:stCondLst>
-                                  <p:childTnLst>
-                                    <p:set>
-                                      <p:cBhvr>
-                                        <p:cTn id="10" dur="1" fill="hold">
-                                          <p:stCondLst>
-                                            <p:cond delay="0"/>
-                                          </p:stCondLst>
-                                        </p:cTn>
-                                        <p:tgtEl>
-                                          <p:spTgt spid="8"/>
-                                        </p:tgtEl>
-                                        <p:attrNameLst>
-                                          <p:attrName>style.visibility</p:attrName>
-                                        </p:attrNameLst>
-                                      </p:cBhvr>
-                                      <p:to>
-                                        <p:strVal val="visible"/>
-                                      </p:to>
-                                    </p:set>
-                                  </p:childTnLst>
-                                </p:cTn>
-                              </p:par>
-                            </p:childTnLst>
-                          </p:cTn>
-                        </p:par>
-                      </p:childTnLst>
-                    </p:cTn>
-                  </p:par>
-                  <p:par>
-                    <p:cTn id="11" fill="hold">
-                      <p:stCondLst>
-                        <p:cond delay="indefinite"/>
-                      </p:stCondLst>
-                      <p:childTnLst>
-                        <p:par>
-                          <p:cTn id="12" fill="hold">
-                            <p:stCondLst>
-                              <p:cond delay="0"/>
-                            </p:stCondLst>
-                            <p:childTnLst>
-                              <p:par>
-                                <p:cTn id="13" presetID="1" presetClass="entr" presetSubtype="0" fill="hold" nodeType="clickEffect">
-                                  <p:stCondLst>
-                                    <p:cond delay="0"/>
-                                  </p:stCondLst>
-                                  <p:childTnLst>
-                                    <p:set>
-                                      <p:cBhvr>
-                                        <p:cTn id="14" dur="1" fill="hold">
                                           <p:stCondLst>
                                             <p:cond delay="0"/>
                                           </p:stCondLst>
@@ -11357,118 +11136,6 @@
       <p:transition spd="slow" advClick="0" advTm="5000"/>
     </mc:Fallback>
   </mc:AlternateContent>
-  <p:timing>
-    <p:tnLst>
-      <p:par>
-        <p:cTn id="1" dur="indefinite" restart="never" nodeType="tmRoot">
-          <p:childTnLst>
-            <p:seq concurrent="1" nextAc="seek">
-              <p:cTn id="2" dur="indefinite" nodeType="mainSeq">
-                <p:childTnLst>
-                  <p:par>
-                    <p:cTn id="3" fill="hold">
-                      <p:stCondLst>
-                        <p:cond delay="indefinite"/>
-                        <p:cond evt="onBegin" delay="0">
-                          <p:tn val="2"/>
-                        </p:cond>
-                      </p:stCondLst>
-                      <p:childTnLst>
-                        <p:par>
-                          <p:cTn id="4" fill="hold">
-                            <p:stCondLst>
-                              <p:cond delay="0"/>
-                            </p:stCondLst>
-                            <p:childTnLst>
-                              <p:par>
-                                <p:cTn id="5" presetID="1" presetClass="entr" presetSubtype="0" fill="hold" grpId="0" nodeType="withEffect">
-                                  <p:stCondLst>
-                                    <p:cond delay="0"/>
-                                  </p:stCondLst>
-                                  <p:childTnLst>
-                                    <p:set>
-                                      <p:cBhvr>
-                                        <p:cTn id="6" dur="1" fill="hold">
-                                          <p:stCondLst>
-                                            <p:cond delay="0"/>
-                                          </p:stCondLst>
-                                        </p:cTn>
-                                        <p:tgtEl>
-                                          <p:spTgt spid="5"/>
-                                        </p:tgtEl>
-                                        <p:attrNameLst>
-                                          <p:attrName>style.visibility</p:attrName>
-                                        </p:attrNameLst>
-                                      </p:cBhvr>
-                                      <p:to>
-                                        <p:strVal val="visible"/>
-                                      </p:to>
-                                    </p:set>
-                                  </p:childTnLst>
-                                </p:cTn>
-                              </p:par>
-                              <p:par>
-                                <p:cTn id="7" presetID="1" presetClass="entr" presetSubtype="0" fill="hold" nodeType="withEffect">
-                                  <p:stCondLst>
-                                    <p:cond delay="0"/>
-                                  </p:stCondLst>
-                                  <p:childTnLst>
-                                    <p:set>
-                                      <p:cBhvr>
-                                        <p:cTn id="8" dur="1" fill="hold">
-                                          <p:stCondLst>
-                                            <p:cond delay="0"/>
-                                          </p:stCondLst>
-                                        </p:cTn>
-                                        <p:tgtEl>
-                                          <p:spTgt spid="3">
-                                            <p:txEl>
-                                              <p:pRg st="0" end="0"/>
-                                            </p:txEl>
-                                          </p:spTgt>
-                                        </p:tgtEl>
-                                        <p:attrNameLst>
-                                          <p:attrName>style.visibility</p:attrName>
-                                        </p:attrNameLst>
-                                      </p:cBhvr>
-                                      <p:to>
-                                        <p:strVal val="visible"/>
-                                      </p:to>
-                                    </p:set>
-                                  </p:childTnLst>
-                                </p:cTn>
-                              </p:par>
-                            </p:childTnLst>
-                          </p:cTn>
-                        </p:par>
-                      </p:childTnLst>
-                    </p:cTn>
-                  </p:par>
-                </p:childTnLst>
-              </p:cTn>
-              <p:prevCondLst>
-                <p:cond evt="onPrev" delay="0">
-                  <p:tgtEl>
-                    <p:sldTgt/>
-                  </p:tgtEl>
-                </p:cond>
-              </p:prevCondLst>
-              <p:nextCondLst>
-                <p:cond evt="onNext" delay="0">
-                  <p:tgtEl>
-                    <p:sldTgt/>
-                  </p:tgtEl>
-                </p:cond>
-              </p:nextCondLst>
-            </p:seq>
-          </p:childTnLst>
-        </p:cTn>
-      </p:par>
-    </p:tnLst>
-    <p:bldLst>
-      <p:bldP spid="5" grpId="0" animBg="1"/>
-    </p:bldLst>
-  </p:timing>
 </p:sld>
 </file>
 
@@ -11995,9 +11662,6 @@
                     <p:cTn id="3" fill="hold">
                       <p:stCondLst>
                         <p:cond delay="indefinite"/>
-                        <p:cond evt="onBegin" delay="0">
-                          <p:tn val="2"/>
-                        </p:cond>
                       </p:stCondLst>
                       <p:childTnLst>
                         <p:par>
@@ -12007,7 +11671,7 @@
                             </p:stCondLst>
                             <p:childTnLst>
                               <p:par>
-                                <p:cTn id="5" presetID="1" presetClass="entr" presetSubtype="0" fill="hold" nodeType="withEffect">
+                                <p:cTn id="5" presetID="1" presetClass="entr" presetSubtype="0" fill="hold" grpId="0" nodeType="clickEffect">
                                   <p:stCondLst>
                                     <p:cond delay="0"/>
                                   </p:stCondLst>
@@ -12015,82 +11679,6 @@
                                     <p:set>
                                       <p:cBhvr>
                                         <p:cTn id="6" dur="1" fill="hold">
-                                          <p:stCondLst>
-                                            <p:cond delay="0"/>
-                                          </p:stCondLst>
-                                        </p:cTn>
-                                        <p:tgtEl>
-                                          <p:spTgt spid="3">
-                                            <p:txEl>
-                                              <p:pRg st="0" end="0"/>
-                                            </p:txEl>
-                                          </p:spTgt>
-                                        </p:tgtEl>
-                                        <p:attrNameLst>
-                                          <p:attrName>style.visibility</p:attrName>
-                                        </p:attrNameLst>
-                                      </p:cBhvr>
-                                      <p:to>
-                                        <p:strVal val="visible"/>
-                                      </p:to>
-                                    </p:set>
-                                  </p:childTnLst>
-                                </p:cTn>
-                              </p:par>
-                              <p:par>
-                                <p:cTn id="7" presetID="1" presetClass="entr" presetSubtype="0" fill="hold" nodeType="withEffect">
-                                  <p:stCondLst>
-                                    <p:cond delay="0"/>
-                                  </p:stCondLst>
-                                  <p:childTnLst>
-                                    <p:set>
-                                      <p:cBhvr>
-                                        <p:cTn id="8" dur="1" fill="hold">
-                                          <p:stCondLst>
-                                            <p:cond delay="0"/>
-                                          </p:stCondLst>
-                                        </p:cTn>
-                                        <p:tgtEl>
-                                          <p:spTgt spid="6"/>
-                                        </p:tgtEl>
-                                        <p:attrNameLst>
-                                          <p:attrName>style.visibility</p:attrName>
-                                        </p:attrNameLst>
-                                      </p:cBhvr>
-                                      <p:to>
-                                        <p:strVal val="visible"/>
-                                      </p:to>
-                                    </p:set>
-                                  </p:childTnLst>
-                                </p:cTn>
-                              </p:par>
-                            </p:childTnLst>
-                          </p:cTn>
-                        </p:par>
-                      </p:childTnLst>
-                    </p:cTn>
-                  </p:par>
-                  <p:par>
-                    <p:cTn id="9" fill="hold">
-                      <p:stCondLst>
-                        <p:cond delay="indefinite"/>
-                      </p:stCondLst>
-                      <p:childTnLst>
-                        <p:par>
-                          <p:cTn id="10" fill="hold">
-                            <p:stCondLst>
-                              <p:cond delay="0"/>
-                            </p:stCondLst>
-                            <p:childTnLst>
-                              <p:par>
-                                <p:cTn id="11" presetID="1" presetClass="entr" presetSubtype="0" fill="hold" grpId="0" nodeType="clickEffect">
-                                  <p:stCondLst>
-                                    <p:cond delay="0"/>
-                                  </p:stCondLst>
-                                  <p:childTnLst>
-                                    <p:set>
-                                      <p:cBhvr>
-                                        <p:cTn id="12" dur="1" fill="hold">
                                           <p:stCondLst>
                                             <p:cond delay="0"/>
                                           </p:stCondLst>
@@ -12116,26 +11704,26 @@
                     </p:cTn>
                   </p:par>
                   <p:par>
-                    <p:cTn id="13" fill="hold">
+                    <p:cTn id="7" fill="hold">
                       <p:stCondLst>
                         <p:cond delay="indefinite"/>
                       </p:stCondLst>
                       <p:childTnLst>
                         <p:par>
-                          <p:cTn id="14" fill="hold">
+                          <p:cTn id="8" fill="hold">
                             <p:stCondLst>
                               <p:cond delay="0"/>
                             </p:stCondLst>
                             <p:childTnLst>
                               <p:par>
-                                <p:cTn id="15" presetID="1" presetClass="entr" presetSubtype="0" fill="hold" grpId="0" nodeType="clickEffect">
+                                <p:cTn id="9" presetID="1" presetClass="entr" presetSubtype="0" fill="hold" grpId="0" nodeType="clickEffect">
                                   <p:stCondLst>
                                     <p:cond delay="0"/>
                                   </p:stCondLst>
                                   <p:childTnLst>
                                     <p:set>
                                       <p:cBhvr>
-                                        <p:cTn id="16" dur="1" fill="hold">
+                                        <p:cTn id="10" dur="1" fill="hold">
                                           <p:stCondLst>
                                             <p:cond delay="0"/>
                                           </p:stCondLst>
@@ -12161,26 +11749,26 @@
                     </p:cTn>
                   </p:par>
                   <p:par>
-                    <p:cTn id="17" fill="hold">
+                    <p:cTn id="11" fill="hold">
                       <p:stCondLst>
                         <p:cond delay="indefinite"/>
                       </p:stCondLst>
                       <p:childTnLst>
                         <p:par>
-                          <p:cTn id="18" fill="hold">
+                          <p:cTn id="12" fill="hold">
                             <p:stCondLst>
                               <p:cond delay="0"/>
                             </p:stCondLst>
                             <p:childTnLst>
                               <p:par>
-                                <p:cTn id="19" presetID="1" presetClass="entr" presetSubtype="0" fill="hold" grpId="0" nodeType="clickEffect">
+                                <p:cTn id="13" presetID="1" presetClass="entr" presetSubtype="0" fill="hold" grpId="0" nodeType="clickEffect">
                                   <p:stCondLst>
                                     <p:cond delay="0"/>
                                   </p:stCondLst>
                                   <p:childTnLst>
                                     <p:set>
                                       <p:cBhvr>
-                                        <p:cTn id="20" dur="1" fill="hold">
+                                        <p:cTn id="14" dur="1" fill="hold">
                                           <p:stCondLst>
                                             <p:cond delay="0"/>
                                           </p:stCondLst>
@@ -12540,9 +12128,6 @@
                     <p:cTn id="3" fill="hold">
                       <p:stCondLst>
                         <p:cond delay="indefinite"/>
-                        <p:cond evt="onBegin" delay="0">
-                          <p:tn val="2"/>
-                        </p:cond>
                       </p:stCondLst>
                       <p:childTnLst>
                         <p:par>
@@ -12552,7 +12137,7 @@
                             </p:stCondLst>
                             <p:childTnLst>
                               <p:par>
-                                <p:cTn id="5" presetID="1" presetClass="entr" presetSubtype="0" fill="hold" nodeType="withEffect">
+                                <p:cTn id="5" presetID="1" presetClass="entr" presetSubtype="0" fill="hold" nodeType="clickEffect">
                                   <p:stCondLst>
                                     <p:cond delay="0"/>
                                   </p:stCondLst>
@@ -12560,37 +12145,6 @@
                                     <p:set>
                                       <p:cBhvr>
                                         <p:cTn id="6" dur="1" fill="hold">
-                                          <p:stCondLst>
-                                            <p:cond delay="0"/>
-                                          </p:stCondLst>
-                                        </p:cTn>
-                                        <p:tgtEl>
-                                          <p:spTgt spid="3">
-                                            <p:txEl>
-                                              <p:pRg st="0" end="0"/>
-                                            </p:txEl>
-                                          </p:spTgt>
-                                        </p:tgtEl>
-                                        <p:attrNameLst>
-                                          <p:attrName>style.visibility</p:attrName>
-                                        </p:attrNameLst>
-                                      </p:cBhvr>
-                                      <p:to>
-                                        <p:strVal val="visible"/>
-                                      </p:to>
-                                    </p:set>
-                                  </p:childTnLst>
-                                </p:cTn>
-                              </p:par>
-                              <p:par>
-                                <p:cTn id="7" presetID="1" presetClass="entr" presetSubtype="0" fill="hold" nodeType="withEffect">
-                                  <p:stCondLst>
-                                    <p:cond delay="0"/>
-                                  </p:stCondLst>
-                                  <p:childTnLst>
-                                    <p:set>
-                                      <p:cBhvr>
-                                        <p:cTn id="8" dur="1" fill="hold">
                                           <p:stCondLst>
                                             <p:cond delay="0"/>
                                           </p:stCondLst>
@@ -12616,26 +12170,26 @@
                     </p:cTn>
                   </p:par>
                   <p:par>
-                    <p:cTn id="9" fill="hold">
+                    <p:cTn id="7" fill="hold">
                       <p:stCondLst>
                         <p:cond delay="indefinite"/>
                       </p:stCondLst>
                       <p:childTnLst>
                         <p:par>
-                          <p:cTn id="10" fill="hold">
+                          <p:cTn id="8" fill="hold">
                             <p:stCondLst>
                               <p:cond delay="0"/>
                             </p:stCondLst>
                             <p:childTnLst>
                               <p:par>
-                                <p:cTn id="11" presetID="1" presetClass="entr" presetSubtype="0" fill="hold" nodeType="clickEffect">
+                                <p:cTn id="9" presetID="1" presetClass="entr" presetSubtype="0" fill="hold" nodeType="clickEffect">
                                   <p:stCondLst>
                                     <p:cond delay="0"/>
                                   </p:stCondLst>
                                   <p:childTnLst>
                                     <p:set>
                                       <p:cBhvr>
-                                        <p:cTn id="12" dur="1" fill="hold">
+                                        <p:cTn id="10" dur="1" fill="hold">
                                           <p:stCondLst>
                                             <p:cond delay="0"/>
                                           </p:stCondLst>
@@ -12658,8 +12212,26 @@
                                   </p:childTnLst>
                                 </p:cTn>
                               </p:par>
+                            </p:childTnLst>
+                          </p:cTn>
+                        </p:par>
+                      </p:childTnLst>
+                    </p:cTn>
+                  </p:par>
+                  <p:par>
+                    <p:cTn id="11" fill="hold">
+                      <p:stCondLst>
+                        <p:cond delay="indefinite"/>
+                      </p:stCondLst>
+                      <p:childTnLst>
+                        <p:par>
+                          <p:cTn id="12" fill="hold">
+                            <p:stCondLst>
+                              <p:cond delay="0"/>
+                            </p:stCondLst>
+                            <p:childTnLst>
                               <p:par>
-                                <p:cTn id="13" presetID="1" presetClass="entr" presetSubtype="0" fill="hold" nodeType="withEffect">
+                                <p:cTn id="13" presetID="1" presetClass="entr" presetSubtype="0" fill="hold" nodeType="clickEffect">
                                   <p:stCondLst>
                                     <p:cond delay="0"/>
                                   </p:stCondLst>
@@ -13020,9 +12592,6 @@
                     <p:cTn id="3" fill="hold">
                       <p:stCondLst>
                         <p:cond delay="indefinite"/>
-                        <p:cond evt="onBegin" delay="0">
-                          <p:tn val="2"/>
-                        </p:cond>
                       </p:stCondLst>
                       <p:childTnLst>
                         <p:par>
@@ -13032,7 +12601,7 @@
                             </p:stCondLst>
                             <p:childTnLst>
                               <p:par>
-                                <p:cTn id="5" presetID="1" presetClass="entr" presetSubtype="0" fill="hold" nodeType="withEffect">
+                                <p:cTn id="5" presetID="1" presetClass="entr" presetSubtype="0" fill="hold" nodeType="clickEffect">
                                   <p:stCondLst>
                                     <p:cond delay="0"/>
                                   </p:stCondLst>
@@ -13040,37 +12609,6 @@
                                     <p:set>
                                       <p:cBhvr>
                                         <p:cTn id="6" dur="1" fill="hold">
-                                          <p:stCondLst>
-                                            <p:cond delay="0"/>
-                                          </p:stCondLst>
-                                        </p:cTn>
-                                        <p:tgtEl>
-                                          <p:spTgt spid="3">
-                                            <p:txEl>
-                                              <p:pRg st="0" end="0"/>
-                                            </p:txEl>
-                                          </p:spTgt>
-                                        </p:tgtEl>
-                                        <p:attrNameLst>
-                                          <p:attrName>style.visibility</p:attrName>
-                                        </p:attrNameLst>
-                                      </p:cBhvr>
-                                      <p:to>
-                                        <p:strVal val="visible"/>
-                                      </p:to>
-                                    </p:set>
-                                  </p:childTnLst>
-                                </p:cTn>
-                              </p:par>
-                              <p:par>
-                                <p:cTn id="7" presetID="1" presetClass="entr" presetSubtype="0" fill="hold" nodeType="withEffect">
-                                  <p:stCondLst>
-                                    <p:cond delay="0"/>
-                                  </p:stCondLst>
-                                  <p:childTnLst>
-                                    <p:set>
-                                      <p:cBhvr>
-                                        <p:cTn id="8" dur="1" fill="hold">
                                           <p:stCondLst>
                                             <p:cond delay="0"/>
                                           </p:stCondLst>
@@ -13096,26 +12634,26 @@
                     </p:cTn>
                   </p:par>
                   <p:par>
-                    <p:cTn id="9" fill="hold">
+                    <p:cTn id="7" fill="hold">
                       <p:stCondLst>
                         <p:cond delay="indefinite"/>
                       </p:stCondLst>
                       <p:childTnLst>
                         <p:par>
-                          <p:cTn id="10" fill="hold">
+                          <p:cTn id="8" fill="hold">
                             <p:stCondLst>
                               <p:cond delay="0"/>
                             </p:stCondLst>
                             <p:childTnLst>
                               <p:par>
-                                <p:cTn id="11" presetID="1" presetClass="entr" presetSubtype="0" fill="hold" nodeType="clickEffect">
+                                <p:cTn id="9" presetID="1" presetClass="entr" presetSubtype="0" fill="hold" nodeType="clickEffect">
                                   <p:stCondLst>
                                     <p:cond delay="0"/>
                                   </p:stCondLst>
                                   <p:childTnLst>
                                     <p:set>
                                       <p:cBhvr>
-                                        <p:cTn id="12" dur="1" fill="hold">
+                                        <p:cTn id="10" dur="1" fill="hold">
                                           <p:stCondLst>
                                             <p:cond delay="0"/>
                                           </p:stCondLst>
@@ -13138,8 +12676,26 @@
                                   </p:childTnLst>
                                 </p:cTn>
                               </p:par>
+                            </p:childTnLst>
+                          </p:cTn>
+                        </p:par>
+                      </p:childTnLst>
+                    </p:cTn>
+                  </p:par>
+                  <p:par>
+                    <p:cTn id="11" fill="hold">
+                      <p:stCondLst>
+                        <p:cond delay="indefinite"/>
+                      </p:stCondLst>
+                      <p:childTnLst>
+                        <p:par>
+                          <p:cTn id="12" fill="hold">
+                            <p:stCondLst>
+                              <p:cond delay="0"/>
+                            </p:stCondLst>
+                            <p:childTnLst>
                               <p:par>
-                                <p:cTn id="13" presetID="1" presetClass="entr" presetSubtype="0" fill="hold" nodeType="withEffect">
+                                <p:cTn id="13" presetID="1" presetClass="entr" presetSubtype="0" fill="hold" nodeType="clickEffect">
                                   <p:stCondLst>
                                     <p:cond delay="0"/>
                                   </p:stCondLst>
@@ -13417,9 +12973,6 @@
                     <p:cTn id="3" fill="hold">
                       <p:stCondLst>
                         <p:cond delay="indefinite"/>
-                        <p:cond evt="onBegin" delay="0">
-                          <p:tn val="2"/>
-                        </p:cond>
                       </p:stCondLst>
                       <p:childTnLst>
                         <p:par>
@@ -13429,7 +12982,7 @@
                             </p:stCondLst>
                             <p:childTnLst>
                               <p:par>
-                                <p:cTn id="5" presetID="1" presetClass="entr" presetSubtype="0" fill="hold" nodeType="withEffect">
+                                <p:cTn id="5" presetID="1" presetClass="entr" presetSubtype="0" fill="hold" nodeType="clickEffect">
                                   <p:stCondLst>
                                     <p:cond delay="0"/>
                                   </p:stCondLst>
@@ -13437,37 +12990,6 @@
                                     <p:set>
                                       <p:cBhvr>
                                         <p:cTn id="6" dur="1" fill="hold">
-                                          <p:stCondLst>
-                                            <p:cond delay="0"/>
-                                          </p:stCondLst>
-                                        </p:cTn>
-                                        <p:tgtEl>
-                                          <p:spTgt spid="3">
-                                            <p:txEl>
-                                              <p:pRg st="0" end="0"/>
-                                            </p:txEl>
-                                          </p:spTgt>
-                                        </p:tgtEl>
-                                        <p:attrNameLst>
-                                          <p:attrName>style.visibility</p:attrName>
-                                        </p:attrNameLst>
-                                      </p:cBhvr>
-                                      <p:to>
-                                        <p:strVal val="visible"/>
-                                      </p:to>
-                                    </p:set>
-                                  </p:childTnLst>
-                                </p:cTn>
-                              </p:par>
-                              <p:par>
-                                <p:cTn id="7" presetID="1" presetClass="entr" presetSubtype="0" fill="hold" nodeType="withEffect">
-                                  <p:stCondLst>
-                                    <p:cond delay="0"/>
-                                  </p:stCondLst>
-                                  <p:childTnLst>
-                                    <p:set>
-                                      <p:cBhvr>
-                                        <p:cTn id="8" dur="1" fill="hold">
                                           <p:stCondLst>
                                             <p:cond delay="0"/>
                                           </p:stCondLst>
@@ -13497,26 +13019,26 @@
                     </p:cTn>
                   </p:par>
                   <p:par>
-                    <p:cTn id="9" fill="hold">
+                    <p:cTn id="7" fill="hold">
                       <p:stCondLst>
                         <p:cond delay="indefinite"/>
                       </p:stCondLst>
                       <p:childTnLst>
                         <p:par>
-                          <p:cTn id="10" fill="hold">
+                          <p:cTn id="8" fill="hold">
                             <p:stCondLst>
                               <p:cond delay="0"/>
                             </p:stCondLst>
                             <p:childTnLst>
                               <p:par>
-                                <p:cTn id="11" presetID="1" presetClass="entr" presetSubtype="0" fill="hold" nodeType="clickEffect">
+                                <p:cTn id="9" presetID="1" presetClass="entr" presetSubtype="0" fill="hold" nodeType="clickEffect">
                                   <p:stCondLst>
                                     <p:cond delay="0"/>
                                   </p:stCondLst>
                                   <p:childTnLst>
                                     <p:set>
                                       <p:cBhvr>
-                                        <p:cTn id="12" dur="1" fill="hold">
+                                        <p:cTn id="10" dur="1" fill="hold">
                                           <p:stCondLst>
                                             <p:cond delay="0"/>
                                           </p:stCondLst>
@@ -13546,26 +13068,26 @@
                     </p:cTn>
                   </p:par>
                   <p:par>
-                    <p:cTn id="13" fill="hold">
+                    <p:cTn id="11" fill="hold">
                       <p:stCondLst>
                         <p:cond delay="indefinite"/>
                       </p:stCondLst>
                       <p:childTnLst>
                         <p:par>
-                          <p:cTn id="14" fill="hold">
+                          <p:cTn id="12" fill="hold">
                             <p:stCondLst>
                               <p:cond delay="0"/>
                             </p:stCondLst>
                             <p:childTnLst>
                               <p:par>
-                                <p:cTn id="15" presetID="1" presetClass="entr" presetSubtype="0" fill="hold" nodeType="clickEffect">
+                                <p:cTn id="13" presetID="1" presetClass="entr" presetSubtype="0" fill="hold" nodeType="clickEffect">
                                   <p:stCondLst>
                                     <p:cond delay="0"/>
                                   </p:stCondLst>
                                   <p:childTnLst>
                                     <p:set>
                                       <p:cBhvr>
-                                        <p:cTn id="16" dur="1" fill="hold">
+                                        <p:cTn id="14" dur="1" fill="hold">
                                           <p:stCondLst>
                                             <p:cond delay="0"/>
                                           </p:stCondLst>
@@ -13595,26 +13117,26 @@
                     </p:cTn>
                   </p:par>
                   <p:par>
-                    <p:cTn id="17" fill="hold">
+                    <p:cTn id="15" fill="hold">
                       <p:stCondLst>
                         <p:cond delay="indefinite"/>
                       </p:stCondLst>
                       <p:childTnLst>
                         <p:par>
-                          <p:cTn id="18" fill="hold">
+                          <p:cTn id="16" fill="hold">
                             <p:stCondLst>
                               <p:cond delay="0"/>
                             </p:stCondLst>
                             <p:childTnLst>
                               <p:par>
-                                <p:cTn id="19" presetID="1" presetClass="entr" presetSubtype="0" fill="hold" nodeType="clickEffect">
+                                <p:cTn id="17" presetID="1" presetClass="entr" presetSubtype="0" fill="hold" nodeType="clickEffect">
                                   <p:stCondLst>
                                     <p:cond delay="0"/>
                                   </p:stCondLst>
                                   <p:childTnLst>
                                     <p:set>
                                       <p:cBhvr>
-                                        <p:cTn id="20" dur="1" fill="hold">
+                                        <p:cTn id="18" dur="1" fill="hold">
                                           <p:stCondLst>
                                             <p:cond delay="0"/>
                                           </p:stCondLst>
@@ -13644,26 +13166,26 @@
                     </p:cTn>
                   </p:par>
                   <p:par>
-                    <p:cTn id="21" fill="hold">
+                    <p:cTn id="19" fill="hold">
                       <p:stCondLst>
                         <p:cond delay="indefinite"/>
                       </p:stCondLst>
                       <p:childTnLst>
                         <p:par>
-                          <p:cTn id="22" fill="hold">
+                          <p:cTn id="20" fill="hold">
                             <p:stCondLst>
                               <p:cond delay="0"/>
                             </p:stCondLst>
                             <p:childTnLst>
                               <p:par>
-                                <p:cTn id="23" presetID="1" presetClass="entr" presetSubtype="0" fill="hold" nodeType="clickEffect">
+                                <p:cTn id="21" presetID="1" presetClass="entr" presetSubtype="0" fill="hold" nodeType="clickEffect">
                                   <p:stCondLst>
                                     <p:cond delay="0"/>
                                   </p:stCondLst>
                                   <p:childTnLst>
                                     <p:set>
                                       <p:cBhvr>
-                                        <p:cTn id="24" dur="1" fill="hold">
+                                        <p:cTn id="22" dur="1" fill="hold">
                                           <p:stCondLst>
                                             <p:cond delay="0"/>
                                           </p:stCondLst>
@@ -13693,26 +13215,26 @@
                     </p:cTn>
                   </p:par>
                   <p:par>
-                    <p:cTn id="25" fill="hold">
+                    <p:cTn id="23" fill="hold">
                       <p:stCondLst>
                         <p:cond delay="indefinite"/>
                       </p:stCondLst>
                       <p:childTnLst>
                         <p:par>
-                          <p:cTn id="26" fill="hold">
+                          <p:cTn id="24" fill="hold">
                             <p:stCondLst>
                               <p:cond delay="0"/>
                             </p:stCondLst>
                             <p:childTnLst>
                               <p:par>
-                                <p:cTn id="27" presetID="1" presetClass="entr" presetSubtype="0" fill="hold" nodeType="clickEffect">
+                                <p:cTn id="25" presetID="1" presetClass="entr" presetSubtype="0" fill="hold" nodeType="clickEffect">
                                   <p:stCondLst>
                                     <p:cond delay="0"/>
                                   </p:stCondLst>
                                   <p:childTnLst>
                                     <p:set>
                                       <p:cBhvr>
-                                        <p:cTn id="28" dur="1" fill="hold">
+                                        <p:cTn id="26" dur="1" fill="hold">
                                           <p:stCondLst>
                                             <p:cond delay="0"/>
                                           </p:stCondLst>
@@ -13742,26 +13264,26 @@
                     </p:cTn>
                   </p:par>
                   <p:par>
-                    <p:cTn id="29" fill="hold">
+                    <p:cTn id="27" fill="hold">
                       <p:stCondLst>
                         <p:cond delay="indefinite"/>
                       </p:stCondLst>
                       <p:childTnLst>
                         <p:par>
-                          <p:cTn id="30" fill="hold">
+                          <p:cTn id="28" fill="hold">
                             <p:stCondLst>
                               <p:cond delay="0"/>
                             </p:stCondLst>
                             <p:childTnLst>
                               <p:par>
-                                <p:cTn id="31" presetID="1" presetClass="entr" presetSubtype="0" fill="hold" nodeType="clickEffect">
+                                <p:cTn id="29" presetID="1" presetClass="entr" presetSubtype="0" fill="hold" nodeType="clickEffect">
                                   <p:stCondLst>
                                     <p:cond delay="0"/>
                                   </p:stCondLst>
                                   <p:childTnLst>
                                     <p:set>
                                       <p:cBhvr>
-                                        <p:cTn id="32" dur="1" fill="hold">
+                                        <p:cTn id="30" dur="1" fill="hold">
                                           <p:stCondLst>
                                             <p:cond delay="0"/>
                                           </p:stCondLst>
@@ -13791,26 +13313,26 @@
                     </p:cTn>
                   </p:par>
                   <p:par>
-                    <p:cTn id="33" fill="hold">
+                    <p:cTn id="31" fill="hold">
                       <p:stCondLst>
                         <p:cond delay="indefinite"/>
                       </p:stCondLst>
                       <p:childTnLst>
                         <p:par>
-                          <p:cTn id="34" fill="hold">
+                          <p:cTn id="32" fill="hold">
                             <p:stCondLst>
                               <p:cond delay="0"/>
                             </p:stCondLst>
                             <p:childTnLst>
                               <p:par>
-                                <p:cTn id="35" presetID="1" presetClass="entr" presetSubtype="0" fill="hold" nodeType="clickEffect">
+                                <p:cTn id="33" presetID="1" presetClass="entr" presetSubtype="0" fill="hold" nodeType="clickEffect">
                                   <p:stCondLst>
                                     <p:cond delay="0"/>
                                   </p:stCondLst>
                                   <p:childTnLst>
                                     <p:set>
                                       <p:cBhvr>
-                                        <p:cTn id="36" dur="1" fill="hold">
+                                        <p:cTn id="34" dur="1" fill="hold">
                                           <p:stCondLst>
                                             <p:cond delay="0"/>
                                           </p:stCondLst>
@@ -13840,26 +13362,26 @@
                     </p:cTn>
                   </p:par>
                   <p:par>
-                    <p:cTn id="37" fill="hold">
+                    <p:cTn id="35" fill="hold">
                       <p:stCondLst>
                         <p:cond delay="indefinite"/>
                       </p:stCondLst>
                       <p:childTnLst>
                         <p:par>
-                          <p:cTn id="38" fill="hold">
+                          <p:cTn id="36" fill="hold">
                             <p:stCondLst>
                               <p:cond delay="0"/>
                             </p:stCondLst>
                             <p:childTnLst>
                               <p:par>
-                                <p:cTn id="39" presetID="1" presetClass="entr" presetSubtype="0" fill="hold" nodeType="clickEffect">
+                                <p:cTn id="37" presetID="1" presetClass="entr" presetSubtype="0" fill="hold" nodeType="clickEffect">
                                   <p:stCondLst>
                                     <p:cond delay="0"/>
                                   </p:stCondLst>
                                   <p:childTnLst>
                                     <p:set>
                                       <p:cBhvr>
-                                        <p:cTn id="40" dur="1" fill="hold">
+                                        <p:cTn id="38" dur="1" fill="hold">
                                           <p:stCondLst>
                                             <p:cond delay="0"/>
                                           </p:stCondLst>
@@ -14635,118 +14157,6 @@
       <p:transition spd="slow" advClick="0" advTm="5000"/>
     </mc:Fallback>
   </mc:AlternateContent>
-  <p:timing>
-    <p:tnLst>
-      <p:par>
-        <p:cTn id="1" dur="indefinite" restart="never" nodeType="tmRoot">
-          <p:childTnLst>
-            <p:seq concurrent="1" nextAc="seek">
-              <p:cTn id="2" dur="indefinite" nodeType="mainSeq">
-                <p:childTnLst>
-                  <p:par>
-                    <p:cTn id="3" fill="hold">
-                      <p:stCondLst>
-                        <p:cond delay="indefinite"/>
-                        <p:cond evt="onBegin" delay="0">
-                          <p:tn val="2"/>
-                        </p:cond>
-                      </p:stCondLst>
-                      <p:childTnLst>
-                        <p:par>
-                          <p:cTn id="4" fill="hold">
-                            <p:stCondLst>
-                              <p:cond delay="0"/>
-                            </p:stCondLst>
-                            <p:childTnLst>
-                              <p:par>
-                                <p:cTn id="5" presetID="1" presetClass="entr" presetSubtype="0" fill="hold" grpId="0" nodeType="withEffect">
-                                  <p:stCondLst>
-                                    <p:cond delay="0"/>
-                                  </p:stCondLst>
-                                  <p:childTnLst>
-                                    <p:set>
-                                      <p:cBhvr>
-                                        <p:cTn id="6" dur="1" fill="hold">
-                                          <p:stCondLst>
-                                            <p:cond delay="0"/>
-                                          </p:stCondLst>
-                                        </p:cTn>
-                                        <p:tgtEl>
-                                          <p:spTgt spid="6"/>
-                                        </p:tgtEl>
-                                        <p:attrNameLst>
-                                          <p:attrName>style.visibility</p:attrName>
-                                        </p:attrNameLst>
-                                      </p:cBhvr>
-                                      <p:to>
-                                        <p:strVal val="visible"/>
-                                      </p:to>
-                                    </p:set>
-                                  </p:childTnLst>
-                                </p:cTn>
-                              </p:par>
-                              <p:par>
-                                <p:cTn id="7" presetID="1" presetClass="entr" presetSubtype="0" fill="hold" nodeType="withEffect">
-                                  <p:stCondLst>
-                                    <p:cond delay="0"/>
-                                  </p:stCondLst>
-                                  <p:childTnLst>
-                                    <p:set>
-                                      <p:cBhvr>
-                                        <p:cTn id="8" dur="1" fill="hold">
-                                          <p:stCondLst>
-                                            <p:cond delay="0"/>
-                                          </p:stCondLst>
-                                        </p:cTn>
-                                        <p:tgtEl>
-                                          <p:spTgt spid="3">
-                                            <p:txEl>
-                                              <p:pRg st="0" end="0"/>
-                                            </p:txEl>
-                                          </p:spTgt>
-                                        </p:tgtEl>
-                                        <p:attrNameLst>
-                                          <p:attrName>style.visibility</p:attrName>
-                                        </p:attrNameLst>
-                                      </p:cBhvr>
-                                      <p:to>
-                                        <p:strVal val="visible"/>
-                                      </p:to>
-                                    </p:set>
-                                  </p:childTnLst>
-                                </p:cTn>
-                              </p:par>
-                            </p:childTnLst>
-                          </p:cTn>
-                        </p:par>
-                      </p:childTnLst>
-                    </p:cTn>
-                  </p:par>
-                </p:childTnLst>
-              </p:cTn>
-              <p:prevCondLst>
-                <p:cond evt="onPrev" delay="0">
-                  <p:tgtEl>
-                    <p:sldTgt/>
-                  </p:tgtEl>
-                </p:cond>
-              </p:prevCondLst>
-              <p:nextCondLst>
-                <p:cond evt="onNext" delay="0">
-                  <p:tgtEl>
-                    <p:sldTgt/>
-                  </p:tgtEl>
-                </p:cond>
-              </p:nextCondLst>
-            </p:seq>
-          </p:childTnLst>
-        </p:cTn>
-      </p:par>
-    </p:tnLst>
-    <p:bldLst>
-      <p:bldP spid="6" grpId="0" animBg="1"/>
-    </p:bldLst>
-  </p:timing>
 </p:sld>
 </file>
 
@@ -14994,9 +14404,6 @@
                     <p:cTn id="3" fill="hold">
                       <p:stCondLst>
                         <p:cond delay="indefinite"/>
-                        <p:cond evt="onBegin" delay="0">
-                          <p:tn val="2"/>
-                        </p:cond>
                       </p:stCondLst>
                       <p:childTnLst>
                         <p:par>
@@ -15006,7 +14413,7 @@
                             </p:stCondLst>
                             <p:childTnLst>
                               <p:par>
-                                <p:cTn id="5" presetID="1" presetClass="entr" presetSubtype="0" fill="hold" nodeType="withEffect">
+                                <p:cTn id="5" presetID="1" presetClass="entr" presetSubtype="0" fill="hold" grpId="0" nodeType="clickEffect">
                                   <p:stCondLst>
                                     <p:cond delay="0"/>
                                   </p:stCondLst>
@@ -15019,7 +14426,7 @@
                                           </p:stCondLst>
                                         </p:cTn>
                                         <p:tgtEl>
-                                          <p:spTgt spid="7"/>
+                                          <p:spTgt spid="8"/>
                                         </p:tgtEl>
                                         <p:attrNameLst>
                                           <p:attrName>style.visibility</p:attrName>
@@ -15051,7 +14458,7 @@
                             </p:stCondLst>
                             <p:childTnLst>
                               <p:par>
-                                <p:cTn id="9" presetID="1" presetClass="entr" presetSubtype="0" fill="hold" grpId="0" nodeType="clickEffect">
+                                <p:cTn id="9" presetID="1" presetClass="entr" presetSubtype="0" fill="hold" nodeType="clickEffect">
                                   <p:stCondLst>
                                     <p:cond delay="0"/>
                                   </p:stCondLst>
@@ -15059,33 +14466,6 @@
                                     <p:set>
                                       <p:cBhvr>
                                         <p:cTn id="10" dur="1" fill="hold">
-                                          <p:stCondLst>
-                                            <p:cond delay="0"/>
-                                          </p:stCondLst>
-                                        </p:cTn>
-                                        <p:tgtEl>
-                                          <p:spTgt spid="8"/>
-                                        </p:tgtEl>
-                                        <p:attrNameLst>
-                                          <p:attrName>style.visibility</p:attrName>
-                                        </p:attrNameLst>
-                                      </p:cBhvr>
-                                      <p:to>
-                                        <p:strVal val="visible"/>
-                                      </p:to>
-                                    </p:set>
-                                  </p:childTnLst>
-                                </p:cTn>
-                              </p:par>
-                              <p:par>
-                                <p:cTn id="11" presetID="1" presetClass="entr" presetSubtype="0" fill="hold" nodeType="withEffect">
-                                  <p:stCondLst>
-                                    <p:cond delay="0"/>
-                                  </p:stCondLst>
-                                  <p:childTnLst>
-                                    <p:set>
-                                      <p:cBhvr>
-                                        <p:cTn id="12" dur="1" fill="hold">
                                           <p:stCondLst>
                                             <p:cond delay="0"/>
                                           </p:stCondLst>
@@ -15639,9 +15019,6 @@
                     <p:cTn id="3" fill="hold">
                       <p:stCondLst>
                         <p:cond delay="indefinite"/>
-                        <p:cond evt="onBegin" delay="0">
-                          <p:tn val="2"/>
-                        </p:cond>
                       </p:stCondLst>
                       <p:childTnLst>
                         <p:par>
@@ -15651,7 +15028,7 @@
                             </p:stCondLst>
                             <p:childTnLst>
                               <p:par>
-                                <p:cTn id="5" presetID="1" presetClass="entr" presetSubtype="0" fill="hold" nodeType="withEffect">
+                                <p:cTn id="5" presetID="1" presetClass="entr" presetSubtype="0" fill="hold" nodeType="clickEffect">
                                   <p:stCondLst>
                                     <p:cond delay="0"/>
                                   </p:stCondLst>
@@ -15659,37 +15036,6 @@
                                     <p:set>
                                       <p:cBhvr>
                                         <p:cTn id="6" dur="1" fill="hold">
-                                          <p:stCondLst>
-                                            <p:cond delay="0"/>
-                                          </p:stCondLst>
-                                        </p:cTn>
-                                        <p:tgtEl>
-                                          <p:spTgt spid="444419">
-                                            <p:txEl>
-                                              <p:pRg st="0" end="0"/>
-                                            </p:txEl>
-                                          </p:spTgt>
-                                        </p:tgtEl>
-                                        <p:attrNameLst>
-                                          <p:attrName>style.visibility</p:attrName>
-                                        </p:attrNameLst>
-                                      </p:cBhvr>
-                                      <p:to>
-                                        <p:strVal val="visible"/>
-                                      </p:to>
-                                    </p:set>
-                                  </p:childTnLst>
-                                </p:cTn>
-                              </p:par>
-                              <p:par>
-                                <p:cTn id="7" presetID="1" presetClass="entr" presetSubtype="0" fill="hold" nodeType="withEffect">
-                                  <p:stCondLst>
-                                    <p:cond delay="0"/>
-                                  </p:stCondLst>
-                                  <p:childTnLst>
-                                    <p:set>
-                                      <p:cBhvr>
-                                        <p:cTn id="8" dur="1" fill="hold">
                                           <p:stCondLst>
                                             <p:cond delay="0"/>
                                           </p:stCondLst>
@@ -15719,26 +15065,26 @@
                     </p:cTn>
                   </p:par>
                   <p:par>
-                    <p:cTn id="9" fill="hold">
+                    <p:cTn id="7" fill="hold">
                       <p:stCondLst>
                         <p:cond delay="indefinite"/>
                       </p:stCondLst>
                       <p:childTnLst>
                         <p:par>
-                          <p:cTn id="10" fill="hold">
+                          <p:cTn id="8" fill="hold">
                             <p:stCondLst>
                               <p:cond delay="0"/>
                             </p:stCondLst>
                             <p:childTnLst>
                               <p:par>
-                                <p:cTn id="11" presetID="1" presetClass="entr" presetSubtype="0" fill="hold" nodeType="clickEffect">
+                                <p:cTn id="9" presetID="1" presetClass="entr" presetSubtype="0" fill="hold" nodeType="clickEffect">
                                   <p:stCondLst>
                                     <p:cond delay="0"/>
                                   </p:stCondLst>
                                   <p:childTnLst>
                                     <p:set>
                                       <p:cBhvr>
-                                        <p:cTn id="12" dur="1" fill="hold">
+                                        <p:cTn id="10" dur="1" fill="hold">
                                           <p:stCondLst>
                                             <p:cond delay="0"/>
                                           </p:stCondLst>
@@ -15761,8 +15107,26 @@
                                   </p:childTnLst>
                                 </p:cTn>
                               </p:par>
+                            </p:childTnLst>
+                          </p:cTn>
+                        </p:par>
+                      </p:childTnLst>
+                    </p:cTn>
+                  </p:par>
+                  <p:par>
+                    <p:cTn id="11" fill="hold">
+                      <p:stCondLst>
+                        <p:cond delay="indefinite"/>
+                      </p:stCondLst>
+                      <p:childTnLst>
+                        <p:par>
+                          <p:cTn id="12" fill="hold">
+                            <p:stCondLst>
+                              <p:cond delay="0"/>
+                            </p:stCondLst>
+                            <p:childTnLst>
                               <p:par>
-                                <p:cTn id="13" presetID="1" presetClass="entr" presetSubtype="0" fill="hold" nodeType="withEffect">
+                                <p:cTn id="13" presetID="1" presetClass="entr" presetSubtype="0" fill="hold" nodeType="clickEffect">
                                   <p:stCondLst>
                                     <p:cond delay="0"/>
                                   </p:stCondLst>
@@ -15939,15 +15303,33 @@
                                   </p:childTnLst>
                                 </p:cTn>
                               </p:par>
+                            </p:childTnLst>
+                          </p:cTn>
+                        </p:par>
+                      </p:childTnLst>
+                    </p:cTn>
+                  </p:par>
+                  <p:par>
+                    <p:cTn id="27" fill="hold">
+                      <p:stCondLst>
+                        <p:cond delay="indefinite"/>
+                      </p:stCondLst>
+                      <p:childTnLst>
+                        <p:par>
+                          <p:cTn id="28" fill="hold">
+                            <p:stCondLst>
+                              <p:cond delay="0"/>
+                            </p:stCondLst>
+                            <p:childTnLst>
                               <p:par>
-                                <p:cTn id="27" presetID="1" presetClass="entr" presetSubtype="0" fill="hold" nodeType="withEffect">
+                                <p:cTn id="29" presetID="1" presetClass="entr" presetSubtype="0" fill="hold" nodeType="clickEffect">
                                   <p:stCondLst>
                                     <p:cond delay="0"/>
                                   </p:stCondLst>
                                   <p:childTnLst>
                                     <p:set>
                                       <p:cBhvr>
-                                        <p:cTn id="28" dur="1" fill="hold">
+                                        <p:cTn id="30" dur="1" fill="hold">
                                           <p:stCondLst>
                                             <p:cond delay="0"/>
                                           </p:stCondLst>
@@ -15977,26 +15359,26 @@
                     </p:cTn>
                   </p:par>
                   <p:par>
-                    <p:cTn id="29" fill="hold">
+                    <p:cTn id="31" fill="hold">
                       <p:stCondLst>
                         <p:cond delay="indefinite"/>
                       </p:stCondLst>
                       <p:childTnLst>
                         <p:par>
-                          <p:cTn id="30" fill="hold">
+                          <p:cTn id="32" fill="hold">
                             <p:stCondLst>
                               <p:cond delay="0"/>
                             </p:stCondLst>
                             <p:childTnLst>
                               <p:par>
-                                <p:cTn id="31" presetID="1" presetClass="entr" presetSubtype="0" fill="hold" nodeType="clickEffect">
+                                <p:cTn id="33" presetID="1" presetClass="entr" presetSubtype="0" fill="hold" nodeType="clickEffect">
                                   <p:stCondLst>
                                     <p:cond delay="0"/>
                                   </p:stCondLst>
                                   <p:childTnLst>
                                     <p:set>
                                       <p:cBhvr>
-                                        <p:cTn id="32" dur="1" fill="hold">
+                                        <p:cTn id="34" dur="1" fill="hold">
                                           <p:stCondLst>
                                             <p:cond delay="0"/>
                                           </p:stCondLst>
@@ -16026,26 +15408,26 @@
                     </p:cTn>
                   </p:par>
                   <p:par>
-                    <p:cTn id="33" fill="hold">
+                    <p:cTn id="35" fill="hold">
                       <p:stCondLst>
                         <p:cond delay="indefinite"/>
                       </p:stCondLst>
                       <p:childTnLst>
                         <p:par>
-                          <p:cTn id="34" fill="hold">
+                          <p:cTn id="36" fill="hold">
                             <p:stCondLst>
                               <p:cond delay="0"/>
                             </p:stCondLst>
                             <p:childTnLst>
                               <p:par>
-                                <p:cTn id="35" presetID="1" presetClass="entr" presetSubtype="0" fill="hold" nodeType="clickEffect">
+                                <p:cTn id="37" presetID="1" presetClass="entr" presetSubtype="0" fill="hold" nodeType="clickEffect">
                                   <p:stCondLst>
                                     <p:cond delay="0"/>
                                   </p:stCondLst>
                                   <p:childTnLst>
                                     <p:set>
                                       <p:cBhvr>
-                                        <p:cTn id="36" dur="1" fill="hold">
+                                        <p:cTn id="38" dur="1" fill="hold">
                                           <p:stCondLst>
                                             <p:cond delay="0"/>
                                           </p:stCondLst>
@@ -16075,26 +15457,26 @@
                     </p:cTn>
                   </p:par>
                   <p:par>
-                    <p:cTn id="37" fill="hold">
+                    <p:cTn id="39" fill="hold">
                       <p:stCondLst>
                         <p:cond delay="indefinite"/>
                       </p:stCondLst>
                       <p:childTnLst>
                         <p:par>
-                          <p:cTn id="38" fill="hold">
+                          <p:cTn id="40" fill="hold">
                             <p:stCondLst>
                               <p:cond delay="0"/>
                             </p:stCondLst>
                             <p:childTnLst>
                               <p:par>
-                                <p:cTn id="39" presetID="1" presetClass="entr" presetSubtype="0" fill="hold" nodeType="clickEffect">
+                                <p:cTn id="41" presetID="1" presetClass="entr" presetSubtype="0" fill="hold" nodeType="clickEffect">
                                   <p:stCondLst>
                                     <p:cond delay="0"/>
                                   </p:stCondLst>
                                   <p:childTnLst>
                                     <p:set>
                                       <p:cBhvr>
-                                        <p:cTn id="40" dur="1" fill="hold">
+                                        <p:cTn id="42" dur="1" fill="hold">
                                           <p:stCondLst>
                                             <p:cond delay="0"/>
                                           </p:stCondLst>
@@ -16392,9 +15774,6 @@
                     <p:cTn id="3" fill="hold">
                       <p:stCondLst>
                         <p:cond delay="indefinite"/>
-                        <p:cond evt="onBegin" delay="0">
-                          <p:tn val="2"/>
-                        </p:cond>
                       </p:stCondLst>
                       <p:childTnLst>
                         <p:par>
@@ -16404,7 +15783,7 @@
                             </p:stCondLst>
                             <p:childTnLst>
                               <p:par>
-                                <p:cTn id="5" presetID="1" presetClass="entr" presetSubtype="0" fill="hold" nodeType="withEffect">
+                                <p:cTn id="5" presetID="1" presetClass="entr" presetSubtype="0" fill="hold" grpId="0" nodeType="clickEffect">
                                   <p:stCondLst>
                                     <p:cond delay="0"/>
                                   </p:stCondLst>
@@ -16417,34 +15796,7 @@
                                           </p:stCondLst>
                                         </p:cTn>
                                         <p:tgtEl>
-                                          <p:spTgt spid="7"/>
-                                        </p:tgtEl>
-                                        <p:attrNameLst>
-                                          <p:attrName>style.visibility</p:attrName>
-                                        </p:attrNameLst>
-                                      </p:cBhvr>
-                                      <p:to>
-                                        <p:strVal val="visible"/>
-                                      </p:to>
-                                    </p:set>
-                                  </p:childTnLst>
-                                </p:cTn>
-                              </p:par>
-                              <p:par>
-                                <p:cTn id="7" presetID="1" presetClass="entr" presetSubtype="0" fill="hold" nodeType="withEffect">
-                                  <p:stCondLst>
-                                    <p:cond delay="0"/>
-                                  </p:stCondLst>
-                                  <p:childTnLst>
-                                    <p:set>
-                                      <p:cBhvr>
-                                        <p:cTn id="8" dur="1" fill="hold">
-                                          <p:stCondLst>
-                                            <p:cond delay="0"/>
-                                          </p:stCondLst>
-                                        </p:cTn>
-                                        <p:tgtEl>
-                                          <p:spTgt spid="9"/>
+                                          <p:spTgt spid="5"/>
                                         </p:tgtEl>
                                         <p:attrNameLst>
                                           <p:attrName>style.visibility</p:attrName>
@@ -16464,32 +15816,32 @@
                     </p:cTn>
                   </p:par>
                   <p:par>
-                    <p:cTn id="9" fill="hold">
+                    <p:cTn id="7" fill="hold">
                       <p:stCondLst>
                         <p:cond delay="indefinite"/>
                       </p:stCondLst>
                       <p:childTnLst>
                         <p:par>
-                          <p:cTn id="10" fill="hold">
+                          <p:cTn id="8" fill="hold">
                             <p:stCondLst>
                               <p:cond delay="0"/>
                             </p:stCondLst>
                             <p:childTnLst>
                               <p:par>
-                                <p:cTn id="11" presetID="1" presetClass="entr" presetSubtype="0" fill="hold" grpId="0" nodeType="clickEffect">
+                                <p:cTn id="9" presetID="1" presetClass="entr" presetSubtype="0" fill="hold" nodeType="clickEffect">
                                   <p:stCondLst>
                                     <p:cond delay="0"/>
                                   </p:stCondLst>
                                   <p:childTnLst>
                                     <p:set>
                                       <p:cBhvr>
-                                        <p:cTn id="12" dur="1" fill="hold">
+                                        <p:cTn id="10" dur="1" fill="hold">
                                           <p:stCondLst>
                                             <p:cond delay="0"/>
                                           </p:stCondLst>
                                         </p:cTn>
                                         <p:tgtEl>
-                                          <p:spTgt spid="5"/>
+                                          <p:spTgt spid="9"/>
                                         </p:tgtEl>
                                         <p:attrNameLst>
                                           <p:attrName>style.visibility</p:attrName>
@@ -16677,84 +16029,6 @@
       <p:transition spd="slow" advClick="0" advTm="5000"/>
     </mc:Fallback>
   </mc:AlternateContent>
-  <p:timing>
-    <p:tnLst>
-      <p:par>
-        <p:cTn id="1" dur="indefinite" restart="never" nodeType="tmRoot">
-          <p:childTnLst>
-            <p:seq concurrent="1" nextAc="seek">
-              <p:cTn id="2" dur="indefinite" nodeType="mainSeq">
-                <p:childTnLst>
-                  <p:par>
-                    <p:cTn id="3" fill="hold">
-                      <p:stCondLst>
-                        <p:cond delay="indefinite"/>
-                        <p:cond evt="onBegin" delay="0">
-                          <p:tn val="2"/>
-                        </p:cond>
-                      </p:stCondLst>
-                      <p:childTnLst>
-                        <p:par>
-                          <p:cTn id="4" fill="hold">
-                            <p:stCondLst>
-                              <p:cond delay="0"/>
-                            </p:stCondLst>
-                            <p:childTnLst>
-                              <p:par>
-                                <p:cTn id="5" presetID="1" presetClass="entr" presetSubtype="0" fill="hold" nodeType="withEffect">
-                                  <p:stCondLst>
-                                    <p:cond delay="0"/>
-                                  </p:stCondLst>
-                                  <p:childTnLst>
-                                    <p:set>
-                                      <p:cBhvr>
-                                        <p:cTn id="6" dur="1" fill="hold">
-                                          <p:stCondLst>
-                                            <p:cond delay="0"/>
-                                          </p:stCondLst>
-                                        </p:cTn>
-                                        <p:tgtEl>
-                                          <p:spTgt spid="2"/>
-                                        </p:tgtEl>
-                                        <p:attrNameLst>
-                                          <p:attrName>style.visibility</p:attrName>
-                                        </p:attrNameLst>
-                                      </p:cBhvr>
-                                      <p:to>
-                                        <p:strVal val="visible"/>
-                                      </p:to>
-                                    </p:set>
-                                  </p:childTnLst>
-                                </p:cTn>
-                              </p:par>
-                            </p:childTnLst>
-                          </p:cTn>
-                        </p:par>
-                      </p:childTnLst>
-                    </p:cTn>
-                  </p:par>
-                </p:childTnLst>
-              </p:cTn>
-              <p:prevCondLst>
-                <p:cond evt="onPrev" delay="0">
-                  <p:tgtEl>
-                    <p:sldTgt/>
-                  </p:tgtEl>
-                </p:cond>
-              </p:prevCondLst>
-              <p:nextCondLst>
-                <p:cond evt="onNext" delay="0">
-                  <p:tgtEl>
-                    <p:sldTgt/>
-                  </p:tgtEl>
-                </p:cond>
-              </p:nextCondLst>
-            </p:seq>
-          </p:childTnLst>
-        </p:cTn>
-      </p:par>
-    </p:tnLst>
-  </p:timing>
 </p:sld>
 </file>
 
@@ -17258,9 +16532,6 @@
                     <p:cTn id="3" fill="hold">
                       <p:stCondLst>
                         <p:cond delay="indefinite"/>
-                        <p:cond evt="onBegin" delay="0">
-                          <p:tn val="2"/>
-                        </p:cond>
                       </p:stCondLst>
                       <p:childTnLst>
                         <p:par>
@@ -17270,7 +16541,7 @@
                             </p:stCondLst>
                             <p:childTnLst>
                               <p:par>
-                                <p:cTn id="5" presetID="1" presetClass="entr" presetSubtype="0" fill="hold" nodeType="withEffect">
+                                <p:cTn id="5" presetID="1" presetClass="entr" presetSubtype="0" fill="hold" nodeType="clickEffect">
                                   <p:stCondLst>
                                     <p:cond delay="0"/>
                                   </p:stCondLst>
@@ -17278,37 +16549,6 @@
                                     <p:set>
                                       <p:cBhvr>
                                         <p:cTn id="6" dur="1" fill="hold">
-                                          <p:stCondLst>
-                                            <p:cond delay="0"/>
-                                          </p:stCondLst>
-                                        </p:cTn>
-                                        <p:tgtEl>
-                                          <p:spTgt spid="3">
-                                            <p:txEl>
-                                              <p:pRg st="0" end="0"/>
-                                            </p:txEl>
-                                          </p:spTgt>
-                                        </p:tgtEl>
-                                        <p:attrNameLst>
-                                          <p:attrName>style.visibility</p:attrName>
-                                        </p:attrNameLst>
-                                      </p:cBhvr>
-                                      <p:to>
-                                        <p:strVal val="visible"/>
-                                      </p:to>
-                                    </p:set>
-                                  </p:childTnLst>
-                                </p:cTn>
-                              </p:par>
-                              <p:par>
-                                <p:cTn id="7" presetID="1" presetClass="entr" presetSubtype="0" fill="hold" nodeType="withEffect">
-                                  <p:stCondLst>
-                                    <p:cond delay="0"/>
-                                  </p:stCondLst>
-                                  <p:childTnLst>
-                                    <p:set>
-                                      <p:cBhvr>
-                                        <p:cTn id="8" dur="1" fill="hold">
                                           <p:stCondLst>
                                             <p:cond delay="0"/>
                                           </p:stCondLst>
@@ -17338,26 +16578,26 @@
                     </p:cTn>
                   </p:par>
                   <p:par>
-                    <p:cTn id="9" fill="hold">
+                    <p:cTn id="7" fill="hold">
                       <p:stCondLst>
                         <p:cond delay="indefinite"/>
                       </p:stCondLst>
                       <p:childTnLst>
                         <p:par>
-                          <p:cTn id="10" fill="hold">
+                          <p:cTn id="8" fill="hold">
                             <p:stCondLst>
                               <p:cond delay="0"/>
                             </p:stCondLst>
                             <p:childTnLst>
                               <p:par>
-                                <p:cTn id="11" presetID="1" presetClass="entr" presetSubtype="0" fill="hold" nodeType="clickEffect">
+                                <p:cTn id="9" presetID="1" presetClass="entr" presetSubtype="0" fill="hold" nodeType="clickEffect">
                                   <p:stCondLst>
                                     <p:cond delay="0"/>
                                   </p:stCondLst>
                                   <p:childTnLst>
                                     <p:set>
                                       <p:cBhvr>
-                                        <p:cTn id="12" dur="1" fill="hold">
+                                        <p:cTn id="10" dur="1" fill="hold">
                                           <p:stCondLst>
                                             <p:cond delay="0"/>
                                           </p:stCondLst>
@@ -17380,8 +16620,26 @@
                                   </p:childTnLst>
                                 </p:cTn>
                               </p:par>
+                            </p:childTnLst>
+                          </p:cTn>
+                        </p:par>
+                      </p:childTnLst>
+                    </p:cTn>
+                  </p:par>
+                  <p:par>
+                    <p:cTn id="11" fill="hold">
+                      <p:stCondLst>
+                        <p:cond delay="indefinite"/>
+                      </p:stCondLst>
+                      <p:childTnLst>
+                        <p:par>
+                          <p:cTn id="12" fill="hold">
+                            <p:stCondLst>
+                              <p:cond delay="0"/>
+                            </p:stCondLst>
+                            <p:childTnLst>
                               <p:par>
-                                <p:cTn id="13" presetID="1" presetClass="entr" presetSubtype="0" fill="hold" nodeType="withEffect">
+                                <p:cTn id="13" presetID="1" presetClass="entr" presetSubtype="0" fill="hold" nodeType="clickEffect">
                                   <p:stCondLst>
                                     <p:cond delay="0"/>
                                   </p:stCondLst>
@@ -17509,15 +16767,33 @@
                                   </p:childTnLst>
                                 </p:cTn>
                               </p:par>
+                            </p:childTnLst>
+                          </p:cTn>
+                        </p:par>
+                      </p:childTnLst>
+                    </p:cTn>
+                  </p:par>
+                  <p:par>
+                    <p:cTn id="23" fill="hold">
+                      <p:stCondLst>
+                        <p:cond delay="indefinite"/>
+                      </p:stCondLst>
+                      <p:childTnLst>
+                        <p:par>
+                          <p:cTn id="24" fill="hold">
+                            <p:stCondLst>
+                              <p:cond delay="0"/>
+                            </p:stCondLst>
+                            <p:childTnLst>
                               <p:par>
-                                <p:cTn id="23" presetID="1" presetClass="entr" presetSubtype="0" fill="hold" nodeType="withEffect">
+                                <p:cTn id="25" presetID="1" presetClass="entr" presetSubtype="0" fill="hold" nodeType="clickEffect">
                                   <p:stCondLst>
                                     <p:cond delay="0"/>
                                   </p:stCondLst>
                                   <p:childTnLst>
                                     <p:set>
                                       <p:cBhvr>
-                                        <p:cTn id="24" dur="1" fill="hold">
+                                        <p:cTn id="26" dur="1" fill="hold">
                                           <p:stCondLst>
                                             <p:cond delay="0"/>
                                           </p:stCondLst>
@@ -17547,50 +16823,19 @@
                     </p:cTn>
                   </p:par>
                   <p:par>
-                    <p:cTn id="25" fill="hold">
+                    <p:cTn id="27" fill="hold">
                       <p:stCondLst>
                         <p:cond delay="indefinite"/>
                       </p:stCondLst>
                       <p:childTnLst>
                         <p:par>
-                          <p:cTn id="26" fill="hold">
+                          <p:cTn id="28" fill="hold">
                             <p:stCondLst>
                               <p:cond delay="0"/>
                             </p:stCondLst>
                             <p:childTnLst>
                               <p:par>
-                                <p:cTn id="27" presetID="1" presetClass="entr" presetSubtype="0" fill="hold" nodeType="clickEffect">
-                                  <p:stCondLst>
-                                    <p:cond delay="0"/>
-                                  </p:stCondLst>
-                                  <p:childTnLst>
-                                    <p:set>
-                                      <p:cBhvr>
-                                        <p:cTn id="28" dur="1" fill="hold">
-                                          <p:stCondLst>
-                                            <p:cond delay="0"/>
-                                          </p:stCondLst>
-                                        </p:cTn>
-                                        <p:tgtEl>
-                                          <p:spTgt spid="3">
-                                            <p:txEl>
-                                              <p:pRg st="7" end="7"/>
-                                            </p:txEl>
-                                          </p:spTgt>
-                                        </p:tgtEl>
-                                        <p:attrNameLst>
-                                          <p:attrName>style.visibility</p:attrName>
-                                        </p:attrNameLst>
-                                      </p:cBhvr>
-                                      <p:to>
-                                        <p:strVal val="visible"/>
-                                      </p:to>
-                                    </p:set>
-                                  </p:childTnLst>
-                                </p:cTn>
-                              </p:par>
-                              <p:par>
-                                <p:cTn id="29" presetID="1" presetClass="entr" presetSubtype="0" fill="hold" nodeType="withEffect">
+                                <p:cTn id="29" presetID="1" presetClass="entr" presetSubtype="0" fill="hold" nodeType="clickEffect">
                                   <p:stCondLst>
                                     <p:cond delay="0"/>
                                   </p:stCondLst>
@@ -17605,7 +16850,7 @@
                                         <p:tgtEl>
                                           <p:spTgt spid="3">
                                             <p:txEl>
-                                              <p:pRg st="8" end="8"/>
+                                              <p:pRg st="7" end="7"/>
                                             </p:txEl>
                                           </p:spTgt>
                                         </p:tgtEl>
@@ -17654,7 +16899,7 @@
                                         <p:tgtEl>
                                           <p:spTgt spid="3">
                                             <p:txEl>
-                                              <p:pRg st="9" end="9"/>
+                                              <p:pRg st="8" end="8"/>
                                             </p:txEl>
                                           </p:spTgt>
                                         </p:tgtEl>
@@ -17703,7 +16948,7 @@
                                         <p:tgtEl>
                                           <p:spTgt spid="3">
                                             <p:txEl>
-                                              <p:pRg st="10" end="10"/>
+                                              <p:pRg st="9" end="9"/>
                                             </p:txEl>
                                           </p:spTgt>
                                         </p:tgtEl>
@@ -17745,6 +16990,55 @@
                                     <p:set>
                                       <p:cBhvr>
                                         <p:cTn id="42" dur="1" fill="hold">
+                                          <p:stCondLst>
+                                            <p:cond delay="0"/>
+                                          </p:stCondLst>
+                                        </p:cTn>
+                                        <p:tgtEl>
+                                          <p:spTgt spid="3">
+                                            <p:txEl>
+                                              <p:pRg st="10" end="10"/>
+                                            </p:txEl>
+                                          </p:spTgt>
+                                        </p:tgtEl>
+                                        <p:attrNameLst>
+                                          <p:attrName>style.visibility</p:attrName>
+                                        </p:attrNameLst>
+                                      </p:cBhvr>
+                                      <p:to>
+                                        <p:strVal val="visible"/>
+                                      </p:to>
+                                    </p:set>
+                                  </p:childTnLst>
+                                </p:cTn>
+                              </p:par>
+                            </p:childTnLst>
+                          </p:cTn>
+                        </p:par>
+                      </p:childTnLst>
+                    </p:cTn>
+                  </p:par>
+                  <p:par>
+                    <p:cTn id="43" fill="hold">
+                      <p:stCondLst>
+                        <p:cond delay="indefinite"/>
+                      </p:stCondLst>
+                      <p:childTnLst>
+                        <p:par>
+                          <p:cTn id="44" fill="hold">
+                            <p:stCondLst>
+                              <p:cond delay="0"/>
+                            </p:stCondLst>
+                            <p:childTnLst>
+                              <p:par>
+                                <p:cTn id="45" presetID="1" presetClass="entr" presetSubtype="0" fill="hold" nodeType="clickEffect">
+                                  <p:stCondLst>
+                                    <p:cond delay="0"/>
+                                  </p:stCondLst>
+                                  <p:childTnLst>
+                                    <p:set>
+                                      <p:cBhvr>
+                                        <p:cTn id="46" dur="1" fill="hold">
                                           <p:stCondLst>
                                             <p:cond delay="0"/>
                                           </p:stCondLst>
@@ -18367,114 +17661,6 @@
       <p:transition spd="slow" advClick="0" advTm="5000"/>
     </mc:Fallback>
   </mc:AlternateContent>
-  <p:timing>
-    <p:tnLst>
-      <p:par>
-        <p:cTn id="1" dur="indefinite" restart="never" nodeType="tmRoot">
-          <p:childTnLst>
-            <p:seq concurrent="1" nextAc="seek">
-              <p:cTn id="2" dur="indefinite" nodeType="mainSeq">
-                <p:childTnLst>
-                  <p:par>
-                    <p:cTn id="3" fill="hold">
-                      <p:stCondLst>
-                        <p:cond delay="indefinite"/>
-                        <p:cond evt="onBegin" delay="0">
-                          <p:tn val="2"/>
-                        </p:cond>
-                      </p:stCondLst>
-                      <p:childTnLst>
-                        <p:par>
-                          <p:cTn id="4" fill="hold">
-                            <p:stCondLst>
-                              <p:cond delay="0"/>
-                            </p:stCondLst>
-                            <p:childTnLst>
-                              <p:par>
-                                <p:cTn id="5" presetID="1" presetClass="entr" presetSubtype="0" fill="hold" grpId="0" nodeType="withEffect">
-                                  <p:stCondLst>
-                                    <p:cond delay="0"/>
-                                  </p:stCondLst>
-                                  <p:childTnLst>
-                                    <p:set>
-                                      <p:cBhvr>
-                                        <p:cTn id="6" dur="1" fill="hold">
-                                          <p:stCondLst>
-                                            <p:cond delay="0"/>
-                                          </p:stCondLst>
-                                        </p:cTn>
-                                        <p:tgtEl>
-                                          <p:spTgt spid="7"/>
-                                        </p:tgtEl>
-                                        <p:attrNameLst>
-                                          <p:attrName>style.visibility</p:attrName>
-                                        </p:attrNameLst>
-                                      </p:cBhvr>
-                                      <p:to>
-                                        <p:strVal val="visible"/>
-                                      </p:to>
-                                    </p:set>
-                                  </p:childTnLst>
-                                </p:cTn>
-                              </p:par>
-                              <p:par>
-                                <p:cTn id="7" presetID="1" presetClass="entr" presetSubtype="0" fill="hold" nodeType="withEffect">
-                                  <p:stCondLst>
-                                    <p:cond delay="0"/>
-                                  </p:stCondLst>
-                                  <p:childTnLst>
-                                    <p:set>
-                                      <p:cBhvr>
-                                        <p:cTn id="8" dur="1" fill="hold">
-                                          <p:stCondLst>
-                                            <p:cond delay="0"/>
-                                          </p:stCondLst>
-                                        </p:cTn>
-                                        <p:tgtEl>
-                                          <p:spTgt spid="9"/>
-                                        </p:tgtEl>
-                                        <p:attrNameLst>
-                                          <p:attrName>style.visibility</p:attrName>
-                                        </p:attrNameLst>
-                                      </p:cBhvr>
-                                      <p:to>
-                                        <p:strVal val="visible"/>
-                                      </p:to>
-                                    </p:set>
-                                  </p:childTnLst>
-                                </p:cTn>
-                              </p:par>
-                            </p:childTnLst>
-                          </p:cTn>
-                        </p:par>
-                      </p:childTnLst>
-                    </p:cTn>
-                  </p:par>
-                </p:childTnLst>
-              </p:cTn>
-              <p:prevCondLst>
-                <p:cond evt="onPrev" delay="0">
-                  <p:tgtEl>
-                    <p:sldTgt/>
-                  </p:tgtEl>
-                </p:cond>
-              </p:prevCondLst>
-              <p:nextCondLst>
-                <p:cond evt="onNext" delay="0">
-                  <p:tgtEl>
-                    <p:sldTgt/>
-                  </p:tgtEl>
-                </p:cond>
-              </p:nextCondLst>
-            </p:seq>
-          </p:childTnLst>
-        </p:cTn>
-      </p:par>
-    </p:tnLst>
-    <p:bldLst>
-      <p:bldP spid="7" grpId="0" animBg="1"/>
-    </p:bldLst>
-  </p:timing>
 </p:sld>
 </file>
 
@@ -19064,114 +18250,6 @@
       <p:transition spd="slow" advClick="0" advTm="5000"/>
     </mc:Fallback>
   </mc:AlternateContent>
-  <p:timing>
-    <p:tnLst>
-      <p:par>
-        <p:cTn id="1" dur="indefinite" restart="never" nodeType="tmRoot">
-          <p:childTnLst>
-            <p:seq concurrent="1" nextAc="seek">
-              <p:cTn id="2" dur="indefinite" nodeType="mainSeq">
-                <p:childTnLst>
-                  <p:par>
-                    <p:cTn id="3" fill="hold">
-                      <p:stCondLst>
-                        <p:cond delay="indefinite"/>
-                        <p:cond evt="onBegin" delay="0">
-                          <p:tn val="2"/>
-                        </p:cond>
-                      </p:stCondLst>
-                      <p:childTnLst>
-                        <p:par>
-                          <p:cTn id="4" fill="hold">
-                            <p:stCondLst>
-                              <p:cond delay="0"/>
-                            </p:stCondLst>
-                            <p:childTnLst>
-                              <p:par>
-                                <p:cTn id="5" presetID="1" presetClass="entr" presetSubtype="0" fill="hold" grpId="0" nodeType="withEffect">
-                                  <p:stCondLst>
-                                    <p:cond delay="0"/>
-                                  </p:stCondLst>
-                                  <p:childTnLst>
-                                    <p:set>
-                                      <p:cBhvr>
-                                        <p:cTn id="6" dur="1" fill="hold">
-                                          <p:stCondLst>
-                                            <p:cond delay="0"/>
-                                          </p:stCondLst>
-                                        </p:cTn>
-                                        <p:tgtEl>
-                                          <p:spTgt spid="7"/>
-                                        </p:tgtEl>
-                                        <p:attrNameLst>
-                                          <p:attrName>style.visibility</p:attrName>
-                                        </p:attrNameLst>
-                                      </p:cBhvr>
-                                      <p:to>
-                                        <p:strVal val="visible"/>
-                                      </p:to>
-                                    </p:set>
-                                  </p:childTnLst>
-                                </p:cTn>
-                              </p:par>
-                              <p:par>
-                                <p:cTn id="7" presetID="1" presetClass="entr" presetSubtype="0" fill="hold" nodeType="withEffect">
-                                  <p:stCondLst>
-                                    <p:cond delay="0"/>
-                                  </p:stCondLst>
-                                  <p:childTnLst>
-                                    <p:set>
-                                      <p:cBhvr>
-                                        <p:cTn id="8" dur="1" fill="hold">
-                                          <p:stCondLst>
-                                            <p:cond delay="0"/>
-                                          </p:stCondLst>
-                                        </p:cTn>
-                                        <p:tgtEl>
-                                          <p:spTgt spid="8"/>
-                                        </p:tgtEl>
-                                        <p:attrNameLst>
-                                          <p:attrName>style.visibility</p:attrName>
-                                        </p:attrNameLst>
-                                      </p:cBhvr>
-                                      <p:to>
-                                        <p:strVal val="visible"/>
-                                      </p:to>
-                                    </p:set>
-                                  </p:childTnLst>
-                                </p:cTn>
-                              </p:par>
-                            </p:childTnLst>
-                          </p:cTn>
-                        </p:par>
-                      </p:childTnLst>
-                    </p:cTn>
-                  </p:par>
-                </p:childTnLst>
-              </p:cTn>
-              <p:prevCondLst>
-                <p:cond evt="onPrev" delay="0">
-                  <p:tgtEl>
-                    <p:sldTgt/>
-                  </p:tgtEl>
-                </p:cond>
-              </p:prevCondLst>
-              <p:nextCondLst>
-                <p:cond evt="onNext" delay="0">
-                  <p:tgtEl>
-                    <p:sldTgt/>
-                  </p:tgtEl>
-                </p:cond>
-              </p:nextCondLst>
-            </p:seq>
-          </p:childTnLst>
-        </p:cTn>
-      </p:par>
-    </p:tnLst>
-    <p:bldLst>
-      <p:bldP spid="7" grpId="0" animBg="1"/>
-    </p:bldLst>
-  </p:timing>
 </p:sld>
 </file>
 
@@ -19773,114 +18851,6 @@
       <p:transition spd="slow" advClick="0" advTm="5000"/>
     </mc:Fallback>
   </mc:AlternateContent>
-  <p:timing>
-    <p:tnLst>
-      <p:par>
-        <p:cTn id="1" dur="indefinite" restart="never" nodeType="tmRoot">
-          <p:childTnLst>
-            <p:seq concurrent="1" nextAc="seek">
-              <p:cTn id="2" dur="indefinite" nodeType="mainSeq">
-                <p:childTnLst>
-                  <p:par>
-                    <p:cTn id="3" fill="hold">
-                      <p:stCondLst>
-                        <p:cond delay="indefinite"/>
-                        <p:cond evt="onBegin" delay="0">
-                          <p:tn val="2"/>
-                        </p:cond>
-                      </p:stCondLst>
-                      <p:childTnLst>
-                        <p:par>
-                          <p:cTn id="4" fill="hold">
-                            <p:stCondLst>
-                              <p:cond delay="0"/>
-                            </p:stCondLst>
-                            <p:childTnLst>
-                              <p:par>
-                                <p:cTn id="5" presetID="1" presetClass="entr" presetSubtype="0" fill="hold" grpId="0" nodeType="withEffect">
-                                  <p:stCondLst>
-                                    <p:cond delay="0"/>
-                                  </p:stCondLst>
-                                  <p:childTnLst>
-                                    <p:set>
-                                      <p:cBhvr>
-                                        <p:cTn id="6" dur="1" fill="hold">
-                                          <p:stCondLst>
-                                            <p:cond delay="0"/>
-                                          </p:stCondLst>
-                                        </p:cTn>
-                                        <p:tgtEl>
-                                          <p:spTgt spid="5"/>
-                                        </p:tgtEl>
-                                        <p:attrNameLst>
-                                          <p:attrName>style.visibility</p:attrName>
-                                        </p:attrNameLst>
-                                      </p:cBhvr>
-                                      <p:to>
-                                        <p:strVal val="visible"/>
-                                      </p:to>
-                                    </p:set>
-                                  </p:childTnLst>
-                                </p:cTn>
-                              </p:par>
-                              <p:par>
-                                <p:cTn id="7" presetID="1" presetClass="entr" presetSubtype="0" fill="hold" nodeType="withEffect">
-                                  <p:stCondLst>
-                                    <p:cond delay="0"/>
-                                  </p:stCondLst>
-                                  <p:childTnLst>
-                                    <p:set>
-                                      <p:cBhvr>
-                                        <p:cTn id="8" dur="1" fill="hold">
-                                          <p:stCondLst>
-                                            <p:cond delay="0"/>
-                                          </p:stCondLst>
-                                        </p:cTn>
-                                        <p:tgtEl>
-                                          <p:spTgt spid="6"/>
-                                        </p:tgtEl>
-                                        <p:attrNameLst>
-                                          <p:attrName>style.visibility</p:attrName>
-                                        </p:attrNameLst>
-                                      </p:cBhvr>
-                                      <p:to>
-                                        <p:strVal val="visible"/>
-                                      </p:to>
-                                    </p:set>
-                                  </p:childTnLst>
-                                </p:cTn>
-                              </p:par>
-                            </p:childTnLst>
-                          </p:cTn>
-                        </p:par>
-                      </p:childTnLst>
-                    </p:cTn>
-                  </p:par>
-                </p:childTnLst>
-              </p:cTn>
-              <p:prevCondLst>
-                <p:cond evt="onPrev" delay="0">
-                  <p:tgtEl>
-                    <p:sldTgt/>
-                  </p:tgtEl>
-                </p:cond>
-              </p:prevCondLst>
-              <p:nextCondLst>
-                <p:cond evt="onNext" delay="0">
-                  <p:tgtEl>
-                    <p:sldTgt/>
-                  </p:tgtEl>
-                </p:cond>
-              </p:nextCondLst>
-            </p:seq>
-          </p:childTnLst>
-        </p:cTn>
-      </p:par>
-    </p:tnLst>
-    <p:bldLst>
-      <p:bldP spid="5" grpId="0" animBg="1"/>
-    </p:bldLst>
-  </p:timing>
 </p:sld>
 </file>
 
@@ -20477,9 +19447,6 @@
                     <p:cTn id="3" fill="hold">
                       <p:stCondLst>
                         <p:cond delay="indefinite"/>
-                        <p:cond evt="onBegin" delay="0">
-                          <p:tn val="2"/>
-                        </p:cond>
                       </p:stCondLst>
                       <p:childTnLst>
                         <p:par>
@@ -20489,7 +19456,7 @@
                             </p:stCondLst>
                             <p:childTnLst>
                               <p:par>
-                                <p:cTn id="5" presetID="1" presetClass="entr" presetSubtype="0" fill="hold" nodeType="withEffect">
+                                <p:cTn id="5" presetID="1" presetClass="entr" presetSubtype="0" fill="hold" nodeType="clickEffect">
                                   <p:stCondLst>
                                     <p:cond delay="0"/>
                                   </p:stCondLst>
@@ -20497,37 +19464,6 @@
                                     <p:set>
                                       <p:cBhvr>
                                         <p:cTn id="6" dur="1" fill="hold">
-                                          <p:stCondLst>
-                                            <p:cond delay="0"/>
-                                          </p:stCondLst>
-                                        </p:cTn>
-                                        <p:tgtEl>
-                                          <p:spTgt spid="3">
-                                            <p:txEl>
-                                              <p:pRg st="0" end="0"/>
-                                            </p:txEl>
-                                          </p:spTgt>
-                                        </p:tgtEl>
-                                        <p:attrNameLst>
-                                          <p:attrName>style.visibility</p:attrName>
-                                        </p:attrNameLst>
-                                      </p:cBhvr>
-                                      <p:to>
-                                        <p:strVal val="visible"/>
-                                      </p:to>
-                                    </p:set>
-                                  </p:childTnLst>
-                                </p:cTn>
-                              </p:par>
-                              <p:par>
-                                <p:cTn id="7" presetID="1" presetClass="entr" presetSubtype="0" fill="hold" nodeType="withEffect">
-                                  <p:stCondLst>
-                                    <p:cond delay="0"/>
-                                  </p:stCondLst>
-                                  <p:childTnLst>
-                                    <p:set>
-                                      <p:cBhvr>
-                                        <p:cTn id="8" dur="1" fill="hold">
                                           <p:stCondLst>
                                             <p:cond delay="0"/>
                                           </p:stCondLst>
@@ -20557,26 +19493,26 @@
                     </p:cTn>
                   </p:par>
                   <p:par>
-                    <p:cTn id="9" fill="hold">
+                    <p:cTn id="7" fill="hold">
                       <p:stCondLst>
                         <p:cond delay="indefinite"/>
                       </p:stCondLst>
                       <p:childTnLst>
                         <p:par>
-                          <p:cTn id="10" fill="hold">
+                          <p:cTn id="8" fill="hold">
                             <p:stCondLst>
                               <p:cond delay="0"/>
                             </p:stCondLst>
                             <p:childTnLst>
                               <p:par>
-                                <p:cTn id="11" presetID="1" presetClass="entr" presetSubtype="0" fill="hold" nodeType="clickEffect">
+                                <p:cTn id="9" presetID="1" presetClass="entr" presetSubtype="0" fill="hold" nodeType="clickEffect">
                                   <p:stCondLst>
                                     <p:cond delay="0"/>
                                   </p:stCondLst>
                                   <p:childTnLst>
                                     <p:set>
                                       <p:cBhvr>
-                                        <p:cTn id="12" dur="1" fill="hold">
+                                        <p:cTn id="10" dur="1" fill="hold">
                                           <p:stCondLst>
                                             <p:cond delay="0"/>
                                           </p:stCondLst>
@@ -20599,8 +19535,26 @@
                                   </p:childTnLst>
                                 </p:cTn>
                               </p:par>
+                            </p:childTnLst>
+                          </p:cTn>
+                        </p:par>
+                      </p:childTnLst>
+                    </p:cTn>
+                  </p:par>
+                  <p:par>
+                    <p:cTn id="11" fill="hold">
+                      <p:stCondLst>
+                        <p:cond delay="indefinite"/>
+                      </p:stCondLst>
+                      <p:childTnLst>
+                        <p:par>
+                          <p:cTn id="12" fill="hold">
+                            <p:stCondLst>
+                              <p:cond delay="0"/>
+                            </p:stCondLst>
+                            <p:childTnLst>
                               <p:par>
-                                <p:cTn id="13" presetID="1" presetClass="entr" presetSubtype="0" fill="hold" nodeType="withEffect">
+                                <p:cTn id="13" presetID="1" presetClass="entr" presetSubtype="0" fill="hold" nodeType="clickEffect">
                                   <p:stCondLst>
                                     <p:cond delay="0"/>
                                   </p:stCondLst>
@@ -20728,15 +19682,33 @@
                                   </p:childTnLst>
                                 </p:cTn>
                               </p:par>
+                            </p:childTnLst>
+                          </p:cTn>
+                        </p:par>
+                      </p:childTnLst>
+                    </p:cTn>
+                  </p:par>
+                  <p:par>
+                    <p:cTn id="23" fill="hold">
+                      <p:stCondLst>
+                        <p:cond delay="indefinite"/>
+                      </p:stCondLst>
+                      <p:childTnLst>
+                        <p:par>
+                          <p:cTn id="24" fill="hold">
+                            <p:stCondLst>
+                              <p:cond delay="0"/>
+                            </p:stCondLst>
+                            <p:childTnLst>
                               <p:par>
-                                <p:cTn id="23" presetID="1" presetClass="entr" presetSubtype="0" fill="hold" nodeType="withEffect">
+                                <p:cTn id="25" presetID="1" presetClass="entr" presetSubtype="0" fill="hold" nodeType="clickEffect">
                                   <p:stCondLst>
                                     <p:cond delay="0"/>
                                   </p:stCondLst>
                                   <p:childTnLst>
                                     <p:set>
                                       <p:cBhvr>
-                                        <p:cTn id="24" dur="1" fill="hold">
+                                        <p:cTn id="26" dur="1" fill="hold">
                                           <p:stCondLst>
                                             <p:cond delay="0"/>
                                           </p:stCondLst>
@@ -20766,50 +19738,19 @@
                     </p:cTn>
                   </p:par>
                   <p:par>
-                    <p:cTn id="25" fill="hold">
+                    <p:cTn id="27" fill="hold">
                       <p:stCondLst>
                         <p:cond delay="indefinite"/>
                       </p:stCondLst>
                       <p:childTnLst>
                         <p:par>
-                          <p:cTn id="26" fill="hold">
+                          <p:cTn id="28" fill="hold">
                             <p:stCondLst>
                               <p:cond delay="0"/>
                             </p:stCondLst>
                             <p:childTnLst>
                               <p:par>
-                                <p:cTn id="27" presetID="1" presetClass="entr" presetSubtype="0" fill="hold" nodeType="clickEffect">
-                                  <p:stCondLst>
-                                    <p:cond delay="0"/>
-                                  </p:stCondLst>
-                                  <p:childTnLst>
-                                    <p:set>
-                                      <p:cBhvr>
-                                        <p:cTn id="28" dur="1" fill="hold">
-                                          <p:stCondLst>
-                                            <p:cond delay="0"/>
-                                          </p:stCondLst>
-                                        </p:cTn>
-                                        <p:tgtEl>
-                                          <p:spTgt spid="3">
-                                            <p:txEl>
-                                              <p:pRg st="7" end="7"/>
-                                            </p:txEl>
-                                          </p:spTgt>
-                                        </p:tgtEl>
-                                        <p:attrNameLst>
-                                          <p:attrName>style.visibility</p:attrName>
-                                        </p:attrNameLst>
-                                      </p:cBhvr>
-                                      <p:to>
-                                        <p:strVal val="visible"/>
-                                      </p:to>
-                                    </p:set>
-                                  </p:childTnLst>
-                                </p:cTn>
-                              </p:par>
-                              <p:par>
-                                <p:cTn id="29" presetID="1" presetClass="entr" presetSubtype="0" fill="hold" nodeType="withEffect">
+                                <p:cTn id="29" presetID="1" presetClass="entr" presetSubtype="0" fill="hold" nodeType="clickEffect">
                                   <p:stCondLst>
                                     <p:cond delay="0"/>
                                   </p:stCondLst>
@@ -20824,7 +19765,7 @@
                                         <p:tgtEl>
                                           <p:spTgt spid="3">
                                             <p:txEl>
-                                              <p:pRg st="8" end="8"/>
+                                              <p:pRg st="7" end="7"/>
                                             </p:txEl>
                                           </p:spTgt>
                                         </p:tgtEl>
@@ -20873,7 +19814,7 @@
                                         <p:tgtEl>
                                           <p:spTgt spid="3">
                                             <p:txEl>
-                                              <p:pRg st="9" end="9"/>
+                                              <p:pRg st="8" end="8"/>
                                             </p:txEl>
                                           </p:spTgt>
                                         </p:tgtEl>
@@ -20922,7 +19863,7 @@
                                         <p:tgtEl>
                                           <p:spTgt spid="3">
                                             <p:txEl>
-                                              <p:pRg st="10" end="10"/>
+                                              <p:pRg st="9" end="9"/>
                                             </p:txEl>
                                           </p:spTgt>
                                         </p:tgtEl>
@@ -20971,7 +19912,7 @@
                                         <p:tgtEl>
                                           <p:spTgt spid="3">
                                             <p:txEl>
-                                              <p:pRg st="11" end="11"/>
+                                              <p:pRg st="10" end="10"/>
                                             </p:txEl>
                                           </p:spTgt>
                                         </p:tgtEl>
@@ -21013,6 +19954,55 @@
                                     <p:set>
                                       <p:cBhvr>
                                         <p:cTn id="46" dur="1" fill="hold">
+                                          <p:stCondLst>
+                                            <p:cond delay="0"/>
+                                          </p:stCondLst>
+                                        </p:cTn>
+                                        <p:tgtEl>
+                                          <p:spTgt spid="3">
+                                            <p:txEl>
+                                              <p:pRg st="11" end="11"/>
+                                            </p:txEl>
+                                          </p:spTgt>
+                                        </p:tgtEl>
+                                        <p:attrNameLst>
+                                          <p:attrName>style.visibility</p:attrName>
+                                        </p:attrNameLst>
+                                      </p:cBhvr>
+                                      <p:to>
+                                        <p:strVal val="visible"/>
+                                      </p:to>
+                                    </p:set>
+                                  </p:childTnLst>
+                                </p:cTn>
+                              </p:par>
+                            </p:childTnLst>
+                          </p:cTn>
+                        </p:par>
+                      </p:childTnLst>
+                    </p:cTn>
+                  </p:par>
+                  <p:par>
+                    <p:cTn id="47" fill="hold">
+                      <p:stCondLst>
+                        <p:cond delay="indefinite"/>
+                      </p:stCondLst>
+                      <p:childTnLst>
+                        <p:par>
+                          <p:cTn id="48" fill="hold">
+                            <p:stCondLst>
+                              <p:cond delay="0"/>
+                            </p:stCondLst>
+                            <p:childTnLst>
+                              <p:par>
+                                <p:cTn id="49" presetID="1" presetClass="entr" presetSubtype="0" fill="hold" nodeType="clickEffect">
+                                  <p:stCondLst>
+                                    <p:cond delay="0"/>
+                                  </p:stCondLst>
+                                  <p:childTnLst>
+                                    <p:set>
+                                      <p:cBhvr>
+                                        <p:cTn id="50" dur="1" fill="hold">
                                           <p:stCondLst>
                                             <p:cond delay="0"/>
                                           </p:stCondLst>
@@ -21438,115 +20428,6 @@
       <p:transition spd="slow" advClick="0" advTm="5000"/>
     </mc:Fallback>
   </mc:AlternateContent>
-  <p:timing>
-    <p:tnLst>
-      <p:par>
-        <p:cTn id="1" dur="indefinite" restart="never" nodeType="tmRoot">
-          <p:childTnLst>
-            <p:seq concurrent="1" nextAc="seek">
-              <p:cTn id="2" dur="indefinite" nodeType="mainSeq">
-                <p:childTnLst>
-                  <p:par>
-                    <p:cTn id="3" fill="hold">
-                      <p:stCondLst>
-                        <p:cond delay="indefinite"/>
-                        <p:cond evt="onBegin" delay="0">
-                          <p:tn val="2"/>
-                        </p:cond>
-                      </p:stCondLst>
-                      <p:childTnLst>
-                        <p:par>
-                          <p:cTn id="4" fill="hold">
-                            <p:stCondLst>
-                              <p:cond delay="0"/>
-                            </p:stCondLst>
-                            <p:childTnLst>
-                              <p:par>
-                                <p:cTn id="5" presetID="1" presetClass="entr" presetSubtype="0" fill="hold" grpId="0" nodeType="withEffect">
-                                  <p:stCondLst>
-                                    <p:cond delay="0"/>
-                                  </p:stCondLst>
-                                  <p:childTnLst>
-                                    <p:set>
-                                      <p:cBhvr>
-                                        <p:cTn id="6" dur="1" fill="hold">
-                                          <p:stCondLst>
-                                            <p:cond delay="0"/>
-                                          </p:stCondLst>
-                                        </p:cTn>
-                                        <p:tgtEl>
-                                          <p:spTgt spid="5"/>
-                                        </p:tgtEl>
-                                        <p:attrNameLst>
-                                          <p:attrName>style.visibility</p:attrName>
-                                        </p:attrNameLst>
-                                      </p:cBhvr>
-                                      <p:to>
-                                        <p:strVal val="visible"/>
-                                      </p:to>
-                                    </p:set>
-                                  </p:childTnLst>
-                                </p:cTn>
-                              </p:par>
-                              <p:par>
-                                <p:cTn id="7" presetID="1" presetClass="entr" presetSubtype="0" fill="hold" grpId="0" nodeType="withEffect">
-                                  <p:stCondLst>
-                                    <p:cond delay="0"/>
-                                  </p:stCondLst>
-                                  <p:childTnLst>
-                                    <p:set>
-                                      <p:cBhvr>
-                                        <p:cTn id="8" dur="1" fill="hold">
-                                          <p:stCondLst>
-                                            <p:cond delay="0"/>
-                                          </p:stCondLst>
-                                        </p:cTn>
-                                        <p:tgtEl>
-                                          <p:spTgt spid="6"/>
-                                        </p:tgtEl>
-                                        <p:attrNameLst>
-                                          <p:attrName>style.visibility</p:attrName>
-                                        </p:attrNameLst>
-                                      </p:cBhvr>
-                                      <p:to>
-                                        <p:strVal val="visible"/>
-                                      </p:to>
-                                    </p:set>
-                                  </p:childTnLst>
-                                </p:cTn>
-                              </p:par>
-                            </p:childTnLst>
-                          </p:cTn>
-                        </p:par>
-                      </p:childTnLst>
-                    </p:cTn>
-                  </p:par>
-                </p:childTnLst>
-              </p:cTn>
-              <p:prevCondLst>
-                <p:cond evt="onPrev" delay="0">
-                  <p:tgtEl>
-                    <p:sldTgt/>
-                  </p:tgtEl>
-                </p:cond>
-              </p:prevCondLst>
-              <p:nextCondLst>
-                <p:cond evt="onNext" delay="0">
-                  <p:tgtEl>
-                    <p:sldTgt/>
-                  </p:tgtEl>
-                </p:cond>
-              </p:nextCondLst>
-            </p:seq>
-          </p:childTnLst>
-        </p:cTn>
-      </p:par>
-    </p:tnLst>
-    <p:bldLst>
-      <p:bldP spid="5" grpId="0" animBg="1"/>
-      <p:bldP spid="6" grpId="0" animBg="1"/>
-    </p:bldLst>
-  </p:timing>
 </p:sld>
 </file>
 
@@ -21938,87 +20819,6 @@
       <p:transition spd="slow" advClick="0" advTm="5000"/>
     </mc:Fallback>
   </mc:AlternateContent>
-  <p:timing>
-    <p:tnLst>
-      <p:par>
-        <p:cTn id="1" dur="indefinite" restart="never" nodeType="tmRoot">
-          <p:childTnLst>
-            <p:seq concurrent="1" nextAc="seek">
-              <p:cTn id="2" dur="indefinite" nodeType="mainSeq">
-                <p:childTnLst>
-                  <p:par>
-                    <p:cTn id="3" fill="hold">
-                      <p:stCondLst>
-                        <p:cond delay="indefinite"/>
-                        <p:cond evt="onBegin" delay="0">
-                          <p:tn val="2"/>
-                        </p:cond>
-                      </p:stCondLst>
-                      <p:childTnLst>
-                        <p:par>
-                          <p:cTn id="4" fill="hold">
-                            <p:stCondLst>
-                              <p:cond delay="0"/>
-                            </p:stCondLst>
-                            <p:childTnLst>
-                              <p:par>
-                                <p:cTn id="5" presetID="1" presetClass="entr" presetSubtype="0" fill="hold" grpId="0" nodeType="withEffect">
-                                  <p:stCondLst>
-                                    <p:cond delay="0"/>
-                                  </p:stCondLst>
-                                  <p:childTnLst>
-                                    <p:set>
-                                      <p:cBhvr>
-                                        <p:cTn id="6" dur="1" fill="hold">
-                                          <p:stCondLst>
-                                            <p:cond delay="0"/>
-                                          </p:stCondLst>
-                                        </p:cTn>
-                                        <p:tgtEl>
-                                          <p:spTgt spid="5"/>
-                                        </p:tgtEl>
-                                        <p:attrNameLst>
-                                          <p:attrName>style.visibility</p:attrName>
-                                        </p:attrNameLst>
-                                      </p:cBhvr>
-                                      <p:to>
-                                        <p:strVal val="visible"/>
-                                      </p:to>
-                                    </p:set>
-                                  </p:childTnLst>
-                                </p:cTn>
-                              </p:par>
-                            </p:childTnLst>
-                          </p:cTn>
-                        </p:par>
-                      </p:childTnLst>
-                    </p:cTn>
-                  </p:par>
-                </p:childTnLst>
-              </p:cTn>
-              <p:prevCondLst>
-                <p:cond evt="onPrev" delay="0">
-                  <p:tgtEl>
-                    <p:sldTgt/>
-                  </p:tgtEl>
-                </p:cond>
-              </p:prevCondLst>
-              <p:nextCondLst>
-                <p:cond evt="onNext" delay="0">
-                  <p:tgtEl>
-                    <p:sldTgt/>
-                  </p:tgtEl>
-                </p:cond>
-              </p:nextCondLst>
-            </p:seq>
-          </p:childTnLst>
-        </p:cTn>
-      </p:par>
-    </p:tnLst>
-    <p:bldLst>
-      <p:bldP spid="5" grpId="0" animBg="1"/>
-    </p:bldLst>
-  </p:timing>
 </p:sld>
 </file>
 
@@ -22733,87 +21533,6 @@
       <p:transition spd="slow" advClick="0" advTm="5000"/>
     </mc:Fallback>
   </mc:AlternateContent>
-  <p:timing>
-    <p:tnLst>
-      <p:par>
-        <p:cTn id="1" dur="indefinite" restart="never" nodeType="tmRoot">
-          <p:childTnLst>
-            <p:seq concurrent="1" nextAc="seek">
-              <p:cTn id="2" dur="indefinite" nodeType="mainSeq">
-                <p:childTnLst>
-                  <p:par>
-                    <p:cTn id="3" fill="hold">
-                      <p:stCondLst>
-                        <p:cond delay="indefinite"/>
-                        <p:cond evt="onBegin" delay="0">
-                          <p:tn val="2"/>
-                        </p:cond>
-                      </p:stCondLst>
-                      <p:childTnLst>
-                        <p:par>
-                          <p:cTn id="4" fill="hold">
-                            <p:stCondLst>
-                              <p:cond delay="0"/>
-                            </p:stCondLst>
-                            <p:childTnLst>
-                              <p:par>
-                                <p:cTn id="5" presetID="1" presetClass="entr" presetSubtype="0" fill="hold" grpId="0" nodeType="withEffect">
-                                  <p:stCondLst>
-                                    <p:cond delay="0"/>
-                                  </p:stCondLst>
-                                  <p:childTnLst>
-                                    <p:set>
-                                      <p:cBhvr>
-                                        <p:cTn id="6" dur="1" fill="hold">
-                                          <p:stCondLst>
-                                            <p:cond delay="0"/>
-                                          </p:stCondLst>
-                                        </p:cTn>
-                                        <p:tgtEl>
-                                          <p:spTgt spid="5"/>
-                                        </p:tgtEl>
-                                        <p:attrNameLst>
-                                          <p:attrName>style.visibility</p:attrName>
-                                        </p:attrNameLst>
-                                      </p:cBhvr>
-                                      <p:to>
-                                        <p:strVal val="visible"/>
-                                      </p:to>
-                                    </p:set>
-                                  </p:childTnLst>
-                                </p:cTn>
-                              </p:par>
-                            </p:childTnLst>
-                          </p:cTn>
-                        </p:par>
-                      </p:childTnLst>
-                    </p:cTn>
-                  </p:par>
-                </p:childTnLst>
-              </p:cTn>
-              <p:prevCondLst>
-                <p:cond evt="onPrev" delay="0">
-                  <p:tgtEl>
-                    <p:sldTgt/>
-                  </p:tgtEl>
-                </p:cond>
-              </p:prevCondLst>
-              <p:nextCondLst>
-                <p:cond evt="onNext" delay="0">
-                  <p:tgtEl>
-                    <p:sldTgt/>
-                  </p:tgtEl>
-                </p:cond>
-              </p:nextCondLst>
-            </p:seq>
-          </p:childTnLst>
-        </p:cTn>
-      </p:par>
-    </p:tnLst>
-    <p:bldLst>
-      <p:bldP spid="5" grpId="0" animBg="1"/>
-    </p:bldLst>
-  </p:timing>
 </p:sld>
 </file>
 
@@ -23591,114 +22310,6 @@
       <p:transition spd="slow" advClick="0" advTm="5000"/>
     </mc:Fallback>
   </mc:AlternateContent>
-  <p:timing>
-    <p:tnLst>
-      <p:par>
-        <p:cTn id="1" dur="indefinite" restart="never" nodeType="tmRoot">
-          <p:childTnLst>
-            <p:seq concurrent="1" nextAc="seek">
-              <p:cTn id="2" dur="indefinite" nodeType="mainSeq">
-                <p:childTnLst>
-                  <p:par>
-                    <p:cTn id="3" fill="hold">
-                      <p:stCondLst>
-                        <p:cond delay="indefinite"/>
-                        <p:cond evt="onBegin" delay="0">
-                          <p:tn val="2"/>
-                        </p:cond>
-                      </p:stCondLst>
-                      <p:childTnLst>
-                        <p:par>
-                          <p:cTn id="4" fill="hold">
-                            <p:stCondLst>
-                              <p:cond delay="0"/>
-                            </p:stCondLst>
-                            <p:childTnLst>
-                              <p:par>
-                                <p:cTn id="5" presetID="1" presetClass="entr" presetSubtype="0" fill="hold" grpId="0" nodeType="withEffect">
-                                  <p:stCondLst>
-                                    <p:cond delay="0"/>
-                                  </p:stCondLst>
-                                  <p:childTnLst>
-                                    <p:set>
-                                      <p:cBhvr>
-                                        <p:cTn id="6" dur="1" fill="hold">
-                                          <p:stCondLst>
-                                            <p:cond delay="0"/>
-                                          </p:stCondLst>
-                                        </p:cTn>
-                                        <p:tgtEl>
-                                          <p:spTgt spid="7"/>
-                                        </p:tgtEl>
-                                        <p:attrNameLst>
-                                          <p:attrName>style.visibility</p:attrName>
-                                        </p:attrNameLst>
-                                      </p:cBhvr>
-                                      <p:to>
-                                        <p:strVal val="visible"/>
-                                      </p:to>
-                                    </p:set>
-                                  </p:childTnLst>
-                                </p:cTn>
-                              </p:par>
-                              <p:par>
-                                <p:cTn id="7" presetID="1" presetClass="entr" presetSubtype="0" fill="hold" nodeType="withEffect">
-                                  <p:stCondLst>
-                                    <p:cond delay="0"/>
-                                  </p:stCondLst>
-                                  <p:childTnLst>
-                                    <p:set>
-                                      <p:cBhvr>
-                                        <p:cTn id="8" dur="1" fill="hold">
-                                          <p:stCondLst>
-                                            <p:cond delay="0"/>
-                                          </p:stCondLst>
-                                        </p:cTn>
-                                        <p:tgtEl>
-                                          <p:spTgt spid="9"/>
-                                        </p:tgtEl>
-                                        <p:attrNameLst>
-                                          <p:attrName>style.visibility</p:attrName>
-                                        </p:attrNameLst>
-                                      </p:cBhvr>
-                                      <p:to>
-                                        <p:strVal val="visible"/>
-                                      </p:to>
-                                    </p:set>
-                                  </p:childTnLst>
-                                </p:cTn>
-                              </p:par>
-                            </p:childTnLst>
-                          </p:cTn>
-                        </p:par>
-                      </p:childTnLst>
-                    </p:cTn>
-                  </p:par>
-                </p:childTnLst>
-              </p:cTn>
-              <p:prevCondLst>
-                <p:cond evt="onPrev" delay="0">
-                  <p:tgtEl>
-                    <p:sldTgt/>
-                  </p:tgtEl>
-                </p:cond>
-              </p:prevCondLst>
-              <p:nextCondLst>
-                <p:cond evt="onNext" delay="0">
-                  <p:tgtEl>
-                    <p:sldTgt/>
-                  </p:tgtEl>
-                </p:cond>
-              </p:nextCondLst>
-            </p:seq>
-          </p:childTnLst>
-        </p:cTn>
-      </p:par>
-    </p:tnLst>
-    <p:bldLst>
-      <p:bldP spid="7" grpId="0" animBg="1"/>
-    </p:bldLst>
-  </p:timing>
 </p:sld>
 </file>
 
@@ -24547,114 +23158,6 @@
       <p:transition spd="slow" advClick="0" advTm="5000"/>
     </mc:Fallback>
   </mc:AlternateContent>
-  <p:timing>
-    <p:tnLst>
-      <p:par>
-        <p:cTn id="1" dur="indefinite" restart="never" nodeType="tmRoot">
-          <p:childTnLst>
-            <p:seq concurrent="1" nextAc="seek">
-              <p:cTn id="2" dur="indefinite" nodeType="mainSeq">
-                <p:childTnLst>
-                  <p:par>
-                    <p:cTn id="3" fill="hold">
-                      <p:stCondLst>
-                        <p:cond delay="indefinite"/>
-                        <p:cond evt="onBegin" delay="0">
-                          <p:tn val="2"/>
-                        </p:cond>
-                      </p:stCondLst>
-                      <p:childTnLst>
-                        <p:par>
-                          <p:cTn id="4" fill="hold">
-                            <p:stCondLst>
-                              <p:cond delay="0"/>
-                            </p:stCondLst>
-                            <p:childTnLst>
-                              <p:par>
-                                <p:cTn id="5" presetID="1" presetClass="entr" presetSubtype="0" fill="hold" grpId="0" nodeType="withEffect">
-                                  <p:stCondLst>
-                                    <p:cond delay="0"/>
-                                  </p:stCondLst>
-                                  <p:childTnLst>
-                                    <p:set>
-                                      <p:cBhvr>
-                                        <p:cTn id="6" dur="1" fill="hold">
-                                          <p:stCondLst>
-                                            <p:cond delay="0"/>
-                                          </p:stCondLst>
-                                        </p:cTn>
-                                        <p:tgtEl>
-                                          <p:spTgt spid="7"/>
-                                        </p:tgtEl>
-                                        <p:attrNameLst>
-                                          <p:attrName>style.visibility</p:attrName>
-                                        </p:attrNameLst>
-                                      </p:cBhvr>
-                                      <p:to>
-                                        <p:strVal val="visible"/>
-                                      </p:to>
-                                    </p:set>
-                                  </p:childTnLst>
-                                </p:cTn>
-                              </p:par>
-                              <p:par>
-                                <p:cTn id="7" presetID="1" presetClass="entr" presetSubtype="0" fill="hold" nodeType="withEffect">
-                                  <p:stCondLst>
-                                    <p:cond delay="0"/>
-                                  </p:stCondLst>
-                                  <p:childTnLst>
-                                    <p:set>
-                                      <p:cBhvr>
-                                        <p:cTn id="8" dur="1" fill="hold">
-                                          <p:stCondLst>
-                                            <p:cond delay="0"/>
-                                          </p:stCondLst>
-                                        </p:cTn>
-                                        <p:tgtEl>
-                                          <p:spTgt spid="8"/>
-                                        </p:tgtEl>
-                                        <p:attrNameLst>
-                                          <p:attrName>style.visibility</p:attrName>
-                                        </p:attrNameLst>
-                                      </p:cBhvr>
-                                      <p:to>
-                                        <p:strVal val="visible"/>
-                                      </p:to>
-                                    </p:set>
-                                  </p:childTnLst>
-                                </p:cTn>
-                              </p:par>
-                            </p:childTnLst>
-                          </p:cTn>
-                        </p:par>
-                      </p:childTnLst>
-                    </p:cTn>
-                  </p:par>
-                </p:childTnLst>
-              </p:cTn>
-              <p:prevCondLst>
-                <p:cond evt="onPrev" delay="0">
-                  <p:tgtEl>
-                    <p:sldTgt/>
-                  </p:tgtEl>
-                </p:cond>
-              </p:prevCondLst>
-              <p:nextCondLst>
-                <p:cond evt="onNext" delay="0">
-                  <p:tgtEl>
-                    <p:sldTgt/>
-                  </p:tgtEl>
-                </p:cond>
-              </p:nextCondLst>
-            </p:seq>
-          </p:childTnLst>
-        </p:cTn>
-      </p:par>
-    </p:tnLst>
-    <p:bldLst>
-      <p:bldP spid="7" grpId="0" animBg="1"/>
-    </p:bldLst>
-  </p:timing>
 </p:sld>
 </file>
 
@@ -25250,114 +23753,6 @@
       <p:transition spd="slow" advClick="0" advTm="5000"/>
     </mc:Fallback>
   </mc:AlternateContent>
-  <p:timing>
-    <p:tnLst>
-      <p:par>
-        <p:cTn id="1" dur="indefinite" restart="never" nodeType="tmRoot">
-          <p:childTnLst>
-            <p:seq concurrent="1" nextAc="seek">
-              <p:cTn id="2" dur="indefinite" nodeType="mainSeq">
-                <p:childTnLst>
-                  <p:par>
-                    <p:cTn id="3" fill="hold">
-                      <p:stCondLst>
-                        <p:cond delay="indefinite"/>
-                        <p:cond evt="onBegin" delay="0">
-                          <p:tn val="2"/>
-                        </p:cond>
-                      </p:stCondLst>
-                      <p:childTnLst>
-                        <p:par>
-                          <p:cTn id="4" fill="hold">
-                            <p:stCondLst>
-                              <p:cond delay="0"/>
-                            </p:stCondLst>
-                            <p:childTnLst>
-                              <p:par>
-                                <p:cTn id="5" presetID="1" presetClass="entr" presetSubtype="0" fill="hold" grpId="0" nodeType="withEffect">
-                                  <p:stCondLst>
-                                    <p:cond delay="0"/>
-                                  </p:stCondLst>
-                                  <p:childTnLst>
-                                    <p:set>
-                                      <p:cBhvr>
-                                        <p:cTn id="6" dur="1" fill="hold">
-                                          <p:stCondLst>
-                                            <p:cond delay="0"/>
-                                          </p:stCondLst>
-                                        </p:cTn>
-                                        <p:tgtEl>
-                                          <p:spTgt spid="5"/>
-                                        </p:tgtEl>
-                                        <p:attrNameLst>
-                                          <p:attrName>style.visibility</p:attrName>
-                                        </p:attrNameLst>
-                                      </p:cBhvr>
-                                      <p:to>
-                                        <p:strVal val="visible"/>
-                                      </p:to>
-                                    </p:set>
-                                  </p:childTnLst>
-                                </p:cTn>
-                              </p:par>
-                              <p:par>
-                                <p:cTn id="7" presetID="1" presetClass="entr" presetSubtype="0" fill="hold" nodeType="withEffect">
-                                  <p:stCondLst>
-                                    <p:cond delay="0"/>
-                                  </p:stCondLst>
-                                  <p:childTnLst>
-                                    <p:set>
-                                      <p:cBhvr>
-                                        <p:cTn id="8" dur="1" fill="hold">
-                                          <p:stCondLst>
-                                            <p:cond delay="0"/>
-                                          </p:stCondLst>
-                                        </p:cTn>
-                                        <p:tgtEl>
-                                          <p:spTgt spid="6"/>
-                                        </p:tgtEl>
-                                        <p:attrNameLst>
-                                          <p:attrName>style.visibility</p:attrName>
-                                        </p:attrNameLst>
-                                      </p:cBhvr>
-                                      <p:to>
-                                        <p:strVal val="visible"/>
-                                      </p:to>
-                                    </p:set>
-                                  </p:childTnLst>
-                                </p:cTn>
-                              </p:par>
-                            </p:childTnLst>
-                          </p:cTn>
-                        </p:par>
-                      </p:childTnLst>
-                    </p:cTn>
-                  </p:par>
-                </p:childTnLst>
-              </p:cTn>
-              <p:prevCondLst>
-                <p:cond evt="onPrev" delay="0">
-                  <p:tgtEl>
-                    <p:sldTgt/>
-                  </p:tgtEl>
-                </p:cond>
-              </p:prevCondLst>
-              <p:nextCondLst>
-                <p:cond evt="onNext" delay="0">
-                  <p:tgtEl>
-                    <p:sldTgt/>
-                  </p:tgtEl>
-                </p:cond>
-              </p:nextCondLst>
-            </p:seq>
-          </p:childTnLst>
-        </p:cTn>
-      </p:par>
-    </p:tnLst>
-    <p:bldLst>
-      <p:bldP spid="5" grpId="0" animBg="1"/>
-    </p:bldLst>
-  </p:timing>
 </p:sld>
 </file>
 
@@ -25896,9 +24291,6 @@
                     <p:cTn id="3" fill="hold">
                       <p:stCondLst>
                         <p:cond delay="indefinite"/>
-                        <p:cond evt="onBegin" delay="0">
-                          <p:tn val="2"/>
-                        </p:cond>
                       </p:stCondLst>
                       <p:childTnLst>
                         <p:par>
@@ -25908,7 +24300,7 @@
                             </p:stCondLst>
                             <p:childTnLst>
                               <p:par>
-                                <p:cTn id="5" presetID="1" presetClass="entr" presetSubtype="0" fill="hold" nodeType="withEffect">
+                                <p:cTn id="5" presetID="1" presetClass="entr" presetSubtype="0" fill="hold" nodeType="clickEffect">
                                   <p:stCondLst>
                                     <p:cond delay="0"/>
                                   </p:stCondLst>
@@ -25916,37 +24308,6 @@
                                     <p:set>
                                       <p:cBhvr>
                                         <p:cTn id="6" dur="1" fill="hold">
-                                          <p:stCondLst>
-                                            <p:cond delay="0"/>
-                                          </p:stCondLst>
-                                        </p:cTn>
-                                        <p:tgtEl>
-                                          <p:spTgt spid="3">
-                                            <p:txEl>
-                                              <p:pRg st="0" end="0"/>
-                                            </p:txEl>
-                                          </p:spTgt>
-                                        </p:tgtEl>
-                                        <p:attrNameLst>
-                                          <p:attrName>style.visibility</p:attrName>
-                                        </p:attrNameLst>
-                                      </p:cBhvr>
-                                      <p:to>
-                                        <p:strVal val="visible"/>
-                                      </p:to>
-                                    </p:set>
-                                  </p:childTnLst>
-                                </p:cTn>
-                              </p:par>
-                              <p:par>
-                                <p:cTn id="7" presetID="1" presetClass="entr" presetSubtype="0" fill="hold" nodeType="withEffect">
-                                  <p:stCondLst>
-                                    <p:cond delay="0"/>
-                                  </p:stCondLst>
-                                  <p:childTnLst>
-                                    <p:set>
-                                      <p:cBhvr>
-                                        <p:cTn id="8" dur="1" fill="hold">
                                           <p:stCondLst>
                                             <p:cond delay="0"/>
                                           </p:stCondLst>
@@ -25976,26 +24337,26 @@
                     </p:cTn>
                   </p:par>
                   <p:par>
-                    <p:cTn id="9" fill="hold">
+                    <p:cTn id="7" fill="hold">
                       <p:stCondLst>
                         <p:cond delay="indefinite"/>
                       </p:stCondLst>
                       <p:childTnLst>
                         <p:par>
-                          <p:cTn id="10" fill="hold">
+                          <p:cTn id="8" fill="hold">
                             <p:stCondLst>
                               <p:cond delay="0"/>
                             </p:stCondLst>
                             <p:childTnLst>
                               <p:par>
-                                <p:cTn id="11" presetID="1" presetClass="entr" presetSubtype="0" fill="hold" nodeType="clickEffect">
+                                <p:cTn id="9" presetID="1" presetClass="entr" presetSubtype="0" fill="hold" nodeType="clickEffect">
                                   <p:stCondLst>
                                     <p:cond delay="0"/>
                                   </p:stCondLst>
                                   <p:childTnLst>
                                     <p:set>
                                       <p:cBhvr>
-                                        <p:cTn id="12" dur="1" fill="hold">
+                                        <p:cTn id="10" dur="1" fill="hold">
                                           <p:stCondLst>
                                             <p:cond delay="0"/>
                                           </p:stCondLst>
@@ -26018,8 +24379,26 @@
                                   </p:childTnLst>
                                 </p:cTn>
                               </p:par>
+                            </p:childTnLst>
+                          </p:cTn>
+                        </p:par>
+                      </p:childTnLst>
+                    </p:cTn>
+                  </p:par>
+                  <p:par>
+                    <p:cTn id="11" fill="hold">
+                      <p:stCondLst>
+                        <p:cond delay="indefinite"/>
+                      </p:stCondLst>
+                      <p:childTnLst>
+                        <p:par>
+                          <p:cTn id="12" fill="hold">
+                            <p:stCondLst>
+                              <p:cond delay="0"/>
+                            </p:stCondLst>
+                            <p:childTnLst>
                               <p:par>
-                                <p:cTn id="13" presetID="1" presetClass="entr" presetSubtype="0" fill="hold" nodeType="withEffect">
+                                <p:cTn id="13" presetID="1" presetClass="entr" presetSubtype="0" fill="hold" nodeType="clickEffect">
                                   <p:stCondLst>
                                     <p:cond delay="0"/>
                                   </p:stCondLst>
@@ -26147,15 +24526,33 @@
                                   </p:childTnLst>
                                 </p:cTn>
                               </p:par>
+                            </p:childTnLst>
+                          </p:cTn>
+                        </p:par>
+                      </p:childTnLst>
+                    </p:cTn>
+                  </p:par>
+                  <p:par>
+                    <p:cTn id="23" fill="hold">
+                      <p:stCondLst>
+                        <p:cond delay="indefinite"/>
+                      </p:stCondLst>
+                      <p:childTnLst>
+                        <p:par>
+                          <p:cTn id="24" fill="hold">
+                            <p:stCondLst>
+                              <p:cond delay="0"/>
+                            </p:stCondLst>
+                            <p:childTnLst>
                               <p:par>
-                                <p:cTn id="23" presetID="1" presetClass="entr" presetSubtype="0" fill="hold" nodeType="withEffect">
+                                <p:cTn id="25" presetID="1" presetClass="entr" presetSubtype="0" fill="hold" nodeType="clickEffect">
                                   <p:stCondLst>
                                     <p:cond delay="0"/>
                                   </p:stCondLst>
                                   <p:childTnLst>
                                     <p:set>
                                       <p:cBhvr>
-                                        <p:cTn id="24" dur="1" fill="hold">
+                                        <p:cTn id="26" dur="1" fill="hold">
                                           <p:stCondLst>
                                             <p:cond delay="0"/>
                                           </p:stCondLst>
@@ -26185,50 +24582,19 @@
                     </p:cTn>
                   </p:par>
                   <p:par>
-                    <p:cTn id="25" fill="hold">
+                    <p:cTn id="27" fill="hold">
                       <p:stCondLst>
                         <p:cond delay="indefinite"/>
                       </p:stCondLst>
                       <p:childTnLst>
                         <p:par>
-                          <p:cTn id="26" fill="hold">
+                          <p:cTn id="28" fill="hold">
                             <p:stCondLst>
                               <p:cond delay="0"/>
                             </p:stCondLst>
                             <p:childTnLst>
                               <p:par>
-                                <p:cTn id="27" presetID="1" presetClass="entr" presetSubtype="0" fill="hold" nodeType="clickEffect">
-                                  <p:stCondLst>
-                                    <p:cond delay="0"/>
-                                  </p:stCondLst>
-                                  <p:childTnLst>
-                                    <p:set>
-                                      <p:cBhvr>
-                                        <p:cTn id="28" dur="1" fill="hold">
-                                          <p:stCondLst>
-                                            <p:cond delay="0"/>
-                                          </p:stCondLst>
-                                        </p:cTn>
-                                        <p:tgtEl>
-                                          <p:spTgt spid="3">
-                                            <p:txEl>
-                                              <p:pRg st="7" end="7"/>
-                                            </p:txEl>
-                                          </p:spTgt>
-                                        </p:tgtEl>
-                                        <p:attrNameLst>
-                                          <p:attrName>style.visibility</p:attrName>
-                                        </p:attrNameLst>
-                                      </p:cBhvr>
-                                      <p:to>
-                                        <p:strVal val="visible"/>
-                                      </p:to>
-                                    </p:set>
-                                  </p:childTnLst>
-                                </p:cTn>
-                              </p:par>
-                              <p:par>
-                                <p:cTn id="29" presetID="1" presetClass="entr" presetSubtype="0" fill="hold" nodeType="withEffect">
+                                <p:cTn id="29" presetID="1" presetClass="entr" presetSubtype="0" fill="hold" nodeType="clickEffect">
                                   <p:stCondLst>
                                     <p:cond delay="0"/>
                                   </p:stCondLst>
@@ -26243,7 +24609,7 @@
                                         <p:tgtEl>
                                           <p:spTgt spid="3">
                                             <p:txEl>
-                                              <p:pRg st="8" end="8"/>
+                                              <p:pRg st="7" end="7"/>
                                             </p:txEl>
                                           </p:spTgt>
                                         </p:tgtEl>
@@ -26292,7 +24658,7 @@
                                         <p:tgtEl>
                                           <p:spTgt spid="3">
                                             <p:txEl>
-                                              <p:pRg st="9" end="9"/>
+                                              <p:pRg st="8" end="8"/>
                                             </p:txEl>
                                           </p:spTgt>
                                         </p:tgtEl>
@@ -26334,6 +24700,55 @@
                                     <p:set>
                                       <p:cBhvr>
                                         <p:cTn id="38" dur="1" fill="hold">
+                                          <p:stCondLst>
+                                            <p:cond delay="0"/>
+                                          </p:stCondLst>
+                                        </p:cTn>
+                                        <p:tgtEl>
+                                          <p:spTgt spid="3">
+                                            <p:txEl>
+                                              <p:pRg st="9" end="9"/>
+                                            </p:txEl>
+                                          </p:spTgt>
+                                        </p:tgtEl>
+                                        <p:attrNameLst>
+                                          <p:attrName>style.visibility</p:attrName>
+                                        </p:attrNameLst>
+                                      </p:cBhvr>
+                                      <p:to>
+                                        <p:strVal val="visible"/>
+                                      </p:to>
+                                    </p:set>
+                                  </p:childTnLst>
+                                </p:cTn>
+                              </p:par>
+                            </p:childTnLst>
+                          </p:cTn>
+                        </p:par>
+                      </p:childTnLst>
+                    </p:cTn>
+                  </p:par>
+                  <p:par>
+                    <p:cTn id="39" fill="hold">
+                      <p:stCondLst>
+                        <p:cond delay="indefinite"/>
+                      </p:stCondLst>
+                      <p:childTnLst>
+                        <p:par>
+                          <p:cTn id="40" fill="hold">
+                            <p:stCondLst>
+                              <p:cond delay="0"/>
+                            </p:stCondLst>
+                            <p:childTnLst>
+                              <p:par>
+                                <p:cTn id="41" presetID="1" presetClass="entr" presetSubtype="0" fill="hold" nodeType="clickEffect">
+                                  <p:stCondLst>
+                                    <p:cond delay="0"/>
+                                  </p:stCondLst>
+                                  <p:childTnLst>
+                                    <p:set>
+                                      <p:cBhvr>
+                                        <p:cTn id="42" dur="1" fill="hold">
                                           <p:stCondLst>
                                             <p:cond delay="0"/>
                                           </p:stCondLst>
@@ -27069,114 +25484,6 @@
       <p:transition spd="slow" advClick="0" advTm="5000"/>
     </mc:Fallback>
   </mc:AlternateContent>
-  <p:timing>
-    <p:tnLst>
-      <p:par>
-        <p:cTn id="1" dur="indefinite" restart="never" nodeType="tmRoot">
-          <p:childTnLst>
-            <p:seq concurrent="1" nextAc="seek">
-              <p:cTn id="2" dur="indefinite" nodeType="mainSeq">
-                <p:childTnLst>
-                  <p:par>
-                    <p:cTn id="3" fill="hold">
-                      <p:stCondLst>
-                        <p:cond delay="indefinite"/>
-                        <p:cond evt="onBegin" delay="0">
-                          <p:tn val="2"/>
-                        </p:cond>
-                      </p:stCondLst>
-                      <p:childTnLst>
-                        <p:par>
-                          <p:cTn id="4" fill="hold">
-                            <p:stCondLst>
-                              <p:cond delay="0"/>
-                            </p:stCondLst>
-                            <p:childTnLst>
-                              <p:par>
-                                <p:cTn id="5" presetID="1" presetClass="entr" presetSubtype="0" fill="hold" grpId="0" nodeType="withEffect">
-                                  <p:stCondLst>
-                                    <p:cond delay="0"/>
-                                  </p:stCondLst>
-                                  <p:childTnLst>
-                                    <p:set>
-                                      <p:cBhvr>
-                                        <p:cTn id="6" dur="1" fill="hold">
-                                          <p:stCondLst>
-                                            <p:cond delay="0"/>
-                                          </p:stCondLst>
-                                        </p:cTn>
-                                        <p:tgtEl>
-                                          <p:spTgt spid="5"/>
-                                        </p:tgtEl>
-                                        <p:attrNameLst>
-                                          <p:attrName>style.visibility</p:attrName>
-                                        </p:attrNameLst>
-                                      </p:cBhvr>
-                                      <p:to>
-                                        <p:strVal val="visible"/>
-                                      </p:to>
-                                    </p:set>
-                                  </p:childTnLst>
-                                </p:cTn>
-                              </p:par>
-                              <p:par>
-                                <p:cTn id="7" presetID="1" presetClass="entr" presetSubtype="0" fill="hold" nodeType="withEffect">
-                                  <p:stCondLst>
-                                    <p:cond delay="0"/>
-                                  </p:stCondLst>
-                                  <p:childTnLst>
-                                    <p:set>
-                                      <p:cBhvr>
-                                        <p:cTn id="8" dur="1" fill="hold">
-                                          <p:stCondLst>
-                                            <p:cond delay="0"/>
-                                          </p:stCondLst>
-                                        </p:cTn>
-                                        <p:tgtEl>
-                                          <p:spTgt spid="6"/>
-                                        </p:tgtEl>
-                                        <p:attrNameLst>
-                                          <p:attrName>style.visibility</p:attrName>
-                                        </p:attrNameLst>
-                                      </p:cBhvr>
-                                      <p:to>
-                                        <p:strVal val="visible"/>
-                                      </p:to>
-                                    </p:set>
-                                  </p:childTnLst>
-                                </p:cTn>
-                              </p:par>
-                            </p:childTnLst>
-                          </p:cTn>
-                        </p:par>
-                      </p:childTnLst>
-                    </p:cTn>
-                  </p:par>
-                </p:childTnLst>
-              </p:cTn>
-              <p:prevCondLst>
-                <p:cond evt="onPrev" delay="0">
-                  <p:tgtEl>
-                    <p:sldTgt/>
-                  </p:tgtEl>
-                </p:cond>
-              </p:prevCondLst>
-              <p:nextCondLst>
-                <p:cond evt="onNext" delay="0">
-                  <p:tgtEl>
-                    <p:sldTgt/>
-                  </p:tgtEl>
-                </p:cond>
-              </p:nextCondLst>
-            </p:seq>
-          </p:childTnLst>
-        </p:cTn>
-      </p:par>
-    </p:tnLst>
-    <p:bldLst>
-      <p:bldP spid="5" grpId="0" animBg="1"/>
-    </p:bldLst>
-  </p:timing>
 </p:sld>
 </file>
 
@@ -27272,7 +25579,7 @@
         </p:nvSpPr>
         <p:spPr>
           <a:xfrm>
-            <a:off x="71964" y="1383925"/>
+            <a:off x="190406" y="1392521"/>
             <a:ext cx="11155528" cy="5262979"/>
           </a:xfrm>
           <a:prstGeom prst="rect">
@@ -27836,114 +26143,6 @@
       <p:transition spd="slow" advClick="0" advTm="5000"/>
     </mc:Fallback>
   </mc:AlternateContent>
-  <p:timing>
-    <p:tnLst>
-      <p:par>
-        <p:cTn id="1" dur="indefinite" restart="never" nodeType="tmRoot">
-          <p:childTnLst>
-            <p:seq concurrent="1" nextAc="seek">
-              <p:cTn id="2" dur="indefinite" nodeType="mainSeq">
-                <p:childTnLst>
-                  <p:par>
-                    <p:cTn id="3" fill="hold">
-                      <p:stCondLst>
-                        <p:cond delay="indefinite"/>
-                        <p:cond evt="onBegin" delay="0">
-                          <p:tn val="2"/>
-                        </p:cond>
-                      </p:stCondLst>
-                      <p:childTnLst>
-                        <p:par>
-                          <p:cTn id="4" fill="hold">
-                            <p:stCondLst>
-                              <p:cond delay="0"/>
-                            </p:stCondLst>
-                            <p:childTnLst>
-                              <p:par>
-                                <p:cTn id="5" presetID="1" presetClass="entr" presetSubtype="0" fill="hold" grpId="0" nodeType="withEffect">
-                                  <p:stCondLst>
-                                    <p:cond delay="0"/>
-                                  </p:stCondLst>
-                                  <p:childTnLst>
-                                    <p:set>
-                                      <p:cBhvr>
-                                        <p:cTn id="6" dur="1" fill="hold">
-                                          <p:stCondLst>
-                                            <p:cond delay="0"/>
-                                          </p:stCondLst>
-                                        </p:cTn>
-                                        <p:tgtEl>
-                                          <p:spTgt spid="7"/>
-                                        </p:tgtEl>
-                                        <p:attrNameLst>
-                                          <p:attrName>style.visibility</p:attrName>
-                                        </p:attrNameLst>
-                                      </p:cBhvr>
-                                      <p:to>
-                                        <p:strVal val="visible"/>
-                                      </p:to>
-                                    </p:set>
-                                  </p:childTnLst>
-                                </p:cTn>
-                              </p:par>
-                              <p:par>
-                                <p:cTn id="7" presetID="1" presetClass="entr" presetSubtype="0" fill="hold" nodeType="withEffect">
-                                  <p:stCondLst>
-                                    <p:cond delay="0"/>
-                                  </p:stCondLst>
-                                  <p:childTnLst>
-                                    <p:set>
-                                      <p:cBhvr>
-                                        <p:cTn id="8" dur="1" fill="hold">
-                                          <p:stCondLst>
-                                            <p:cond delay="0"/>
-                                          </p:stCondLst>
-                                        </p:cTn>
-                                        <p:tgtEl>
-                                          <p:spTgt spid="8"/>
-                                        </p:tgtEl>
-                                        <p:attrNameLst>
-                                          <p:attrName>style.visibility</p:attrName>
-                                        </p:attrNameLst>
-                                      </p:cBhvr>
-                                      <p:to>
-                                        <p:strVal val="visible"/>
-                                      </p:to>
-                                    </p:set>
-                                  </p:childTnLst>
-                                </p:cTn>
-                              </p:par>
-                            </p:childTnLst>
-                          </p:cTn>
-                        </p:par>
-                      </p:childTnLst>
-                    </p:cTn>
-                  </p:par>
-                </p:childTnLst>
-              </p:cTn>
-              <p:prevCondLst>
-                <p:cond evt="onPrev" delay="0">
-                  <p:tgtEl>
-                    <p:sldTgt/>
-                  </p:tgtEl>
-                </p:cond>
-              </p:prevCondLst>
-              <p:nextCondLst>
-                <p:cond evt="onNext" delay="0">
-                  <p:tgtEl>
-                    <p:sldTgt/>
-                  </p:tgtEl>
-                </p:cond>
-              </p:nextCondLst>
-            </p:seq>
-          </p:childTnLst>
-        </p:cTn>
-      </p:par>
-    </p:tnLst>
-    <p:bldLst>
-      <p:bldP spid="7" grpId="0" animBg="1"/>
-    </p:bldLst>
-  </p:timing>
 </p:sld>
 </file>
 
@@ -28643,114 +26842,6 @@
       <p:transition spd="slow" advClick="0" advTm="5000"/>
     </mc:Fallback>
   </mc:AlternateContent>
-  <p:timing>
-    <p:tnLst>
-      <p:par>
-        <p:cTn id="1" dur="indefinite" restart="never" nodeType="tmRoot">
-          <p:childTnLst>
-            <p:seq concurrent="1" nextAc="seek">
-              <p:cTn id="2" dur="indefinite" nodeType="mainSeq">
-                <p:childTnLst>
-                  <p:par>
-                    <p:cTn id="3" fill="hold">
-                      <p:stCondLst>
-                        <p:cond delay="indefinite"/>
-                        <p:cond evt="onBegin" delay="0">
-                          <p:tn val="2"/>
-                        </p:cond>
-                      </p:stCondLst>
-                      <p:childTnLst>
-                        <p:par>
-                          <p:cTn id="4" fill="hold">
-                            <p:stCondLst>
-                              <p:cond delay="0"/>
-                            </p:stCondLst>
-                            <p:childTnLst>
-                              <p:par>
-                                <p:cTn id="5" presetID="1" presetClass="entr" presetSubtype="0" fill="hold" grpId="0" nodeType="withEffect">
-                                  <p:stCondLst>
-                                    <p:cond delay="0"/>
-                                  </p:stCondLst>
-                                  <p:childTnLst>
-                                    <p:set>
-                                      <p:cBhvr>
-                                        <p:cTn id="6" dur="1" fill="hold">
-                                          <p:stCondLst>
-                                            <p:cond delay="0"/>
-                                          </p:stCondLst>
-                                        </p:cTn>
-                                        <p:tgtEl>
-                                          <p:spTgt spid="5"/>
-                                        </p:tgtEl>
-                                        <p:attrNameLst>
-                                          <p:attrName>style.visibility</p:attrName>
-                                        </p:attrNameLst>
-                                      </p:cBhvr>
-                                      <p:to>
-                                        <p:strVal val="visible"/>
-                                      </p:to>
-                                    </p:set>
-                                  </p:childTnLst>
-                                </p:cTn>
-                              </p:par>
-                              <p:par>
-                                <p:cTn id="7" presetID="1" presetClass="entr" presetSubtype="0" fill="hold" nodeType="withEffect">
-                                  <p:stCondLst>
-                                    <p:cond delay="0"/>
-                                  </p:stCondLst>
-                                  <p:childTnLst>
-                                    <p:set>
-                                      <p:cBhvr>
-                                        <p:cTn id="8" dur="1" fill="hold">
-                                          <p:stCondLst>
-                                            <p:cond delay="0"/>
-                                          </p:stCondLst>
-                                        </p:cTn>
-                                        <p:tgtEl>
-                                          <p:spTgt spid="6"/>
-                                        </p:tgtEl>
-                                        <p:attrNameLst>
-                                          <p:attrName>style.visibility</p:attrName>
-                                        </p:attrNameLst>
-                                      </p:cBhvr>
-                                      <p:to>
-                                        <p:strVal val="visible"/>
-                                      </p:to>
-                                    </p:set>
-                                  </p:childTnLst>
-                                </p:cTn>
-                              </p:par>
-                            </p:childTnLst>
-                          </p:cTn>
-                        </p:par>
-                      </p:childTnLst>
-                    </p:cTn>
-                  </p:par>
-                </p:childTnLst>
-              </p:cTn>
-              <p:prevCondLst>
-                <p:cond evt="onPrev" delay="0">
-                  <p:tgtEl>
-                    <p:sldTgt/>
-                  </p:tgtEl>
-                </p:cond>
-              </p:prevCondLst>
-              <p:nextCondLst>
-                <p:cond evt="onNext" delay="0">
-                  <p:tgtEl>
-                    <p:sldTgt/>
-                  </p:tgtEl>
-                </p:cond>
-              </p:nextCondLst>
-            </p:seq>
-          </p:childTnLst>
-        </p:cTn>
-      </p:par>
-    </p:tnLst>
-    <p:bldLst>
-      <p:bldP spid="5" grpId="0" animBg="1"/>
-    </p:bldLst>
-  </p:timing>
 </p:sld>
 </file>
 
@@ -28937,9 +27028,6 @@
                     <p:cTn id="3" fill="hold">
                       <p:stCondLst>
                         <p:cond delay="indefinite"/>
-                        <p:cond evt="onBegin" delay="0">
-                          <p:tn val="2"/>
-                        </p:cond>
                       </p:stCondLst>
                       <p:childTnLst>
                         <p:par>
@@ -28949,7 +27037,7 @@
                             </p:stCondLst>
                             <p:childTnLst>
                               <p:par>
-                                <p:cTn id="5" presetID="1" presetClass="entr" presetSubtype="0" fill="hold" nodeType="withEffect">
+                                <p:cTn id="5" presetID="1" presetClass="entr" presetSubtype="0" fill="hold" nodeType="clickEffect">
                                   <p:stCondLst>
                                     <p:cond delay="0"/>
                                   </p:stCondLst>
@@ -28964,7 +27052,7 @@
                                         <p:tgtEl>
                                           <p:spTgt spid="3">
                                             <p:txEl>
-                                              <p:pRg st="0" end="0"/>
+                                              <p:pRg st="1" end="1"/>
                                             </p:txEl>
                                           </p:spTgt>
                                         </p:tgtEl>
@@ -29013,7 +27101,7 @@
                                         <p:tgtEl>
                                           <p:spTgt spid="3">
                                             <p:txEl>
-                                              <p:pRg st="1" end="1"/>
+                                              <p:pRg st="2" end="2"/>
                                             </p:txEl>
                                           </p:spTgt>
                                         </p:tgtEl>
@@ -29055,55 +27143,6 @@
                                     <p:set>
                                       <p:cBhvr>
                                         <p:cTn id="14" dur="1" fill="hold">
-                                          <p:stCondLst>
-                                            <p:cond delay="0"/>
-                                          </p:stCondLst>
-                                        </p:cTn>
-                                        <p:tgtEl>
-                                          <p:spTgt spid="3">
-                                            <p:txEl>
-                                              <p:pRg st="2" end="2"/>
-                                            </p:txEl>
-                                          </p:spTgt>
-                                        </p:tgtEl>
-                                        <p:attrNameLst>
-                                          <p:attrName>style.visibility</p:attrName>
-                                        </p:attrNameLst>
-                                      </p:cBhvr>
-                                      <p:to>
-                                        <p:strVal val="visible"/>
-                                      </p:to>
-                                    </p:set>
-                                  </p:childTnLst>
-                                </p:cTn>
-                              </p:par>
-                            </p:childTnLst>
-                          </p:cTn>
-                        </p:par>
-                      </p:childTnLst>
-                    </p:cTn>
-                  </p:par>
-                  <p:par>
-                    <p:cTn id="15" fill="hold">
-                      <p:stCondLst>
-                        <p:cond delay="indefinite"/>
-                      </p:stCondLst>
-                      <p:childTnLst>
-                        <p:par>
-                          <p:cTn id="16" fill="hold">
-                            <p:stCondLst>
-                              <p:cond delay="0"/>
-                            </p:stCondLst>
-                            <p:childTnLst>
-                              <p:par>
-                                <p:cTn id="17" presetID="1" presetClass="entr" presetSubtype="0" fill="hold" nodeType="clickEffect">
-                                  <p:stCondLst>
-                                    <p:cond delay="0"/>
-                                  </p:stCondLst>
-                                  <p:childTnLst>
-                                    <p:set>
-                                      <p:cBhvr>
-                                        <p:cTn id="18" dur="1" fill="hold">
                                           <p:stCondLst>
                                             <p:cond delay="0"/>
                                           </p:stCondLst>
@@ -29775,9 +27814,6 @@
                     <p:cTn id="3" fill="hold">
                       <p:stCondLst>
                         <p:cond delay="indefinite"/>
-                        <p:cond evt="onBegin" delay="0">
-                          <p:tn val="2"/>
-                        </p:cond>
                       </p:stCondLst>
                       <p:childTnLst>
                         <p:par>
@@ -29787,7 +27823,7 @@
                             </p:stCondLst>
                             <p:childTnLst>
                               <p:par>
-                                <p:cTn id="5" presetID="1" presetClass="entr" presetSubtype="0" fill="hold" nodeType="withEffect">
+                                <p:cTn id="5" presetID="1" presetClass="entr" presetSubtype="0" fill="hold" nodeType="clickEffect">
                                   <p:stCondLst>
                                     <p:cond delay="0"/>
                                   </p:stCondLst>
@@ -29802,7 +27838,7 @@
                                         <p:tgtEl>
                                           <p:spTgt spid="14">
                                             <p:txEl>
-                                              <p:pRg st="0" end="0"/>
+                                              <p:pRg st="1" end="1"/>
                                             </p:txEl>
                                           </p:spTgt>
                                         </p:tgtEl>
@@ -29851,7 +27887,7 @@
                                         <p:tgtEl>
                                           <p:spTgt spid="14">
                                             <p:txEl>
-                                              <p:pRg st="1" end="1"/>
+                                              <p:pRg st="2" end="2"/>
                                             </p:txEl>
                                           </p:spTgt>
                                         </p:tgtEl>
@@ -29893,55 +27929,6 @@
                                     <p:set>
                                       <p:cBhvr>
                                         <p:cTn id="14" dur="1" fill="hold">
-                                          <p:stCondLst>
-                                            <p:cond delay="0"/>
-                                          </p:stCondLst>
-                                        </p:cTn>
-                                        <p:tgtEl>
-                                          <p:spTgt spid="14">
-                                            <p:txEl>
-                                              <p:pRg st="2" end="2"/>
-                                            </p:txEl>
-                                          </p:spTgt>
-                                        </p:tgtEl>
-                                        <p:attrNameLst>
-                                          <p:attrName>style.visibility</p:attrName>
-                                        </p:attrNameLst>
-                                      </p:cBhvr>
-                                      <p:to>
-                                        <p:strVal val="visible"/>
-                                      </p:to>
-                                    </p:set>
-                                  </p:childTnLst>
-                                </p:cTn>
-                              </p:par>
-                            </p:childTnLst>
-                          </p:cTn>
-                        </p:par>
-                      </p:childTnLst>
-                    </p:cTn>
-                  </p:par>
-                  <p:par>
-                    <p:cTn id="15" fill="hold">
-                      <p:stCondLst>
-                        <p:cond delay="indefinite"/>
-                      </p:stCondLst>
-                      <p:childTnLst>
-                        <p:par>
-                          <p:cTn id="16" fill="hold">
-                            <p:stCondLst>
-                              <p:cond delay="0"/>
-                            </p:stCondLst>
-                            <p:childTnLst>
-                              <p:par>
-                                <p:cTn id="17" presetID="1" presetClass="entr" presetSubtype="0" fill="hold" nodeType="clickEffect">
-                                  <p:stCondLst>
-                                    <p:cond delay="0"/>
-                                  </p:stCondLst>
-                                  <p:childTnLst>
-                                    <p:set>
-                                      <p:cBhvr>
-                                        <p:cTn id="18" dur="1" fill="hold">
                                           <p:stCondLst>
                                             <p:cond delay="0"/>
                                           </p:stCondLst>
@@ -30467,9 +28454,6 @@
                     <p:cTn id="3" fill="hold">
                       <p:stCondLst>
                         <p:cond delay="indefinite"/>
-                        <p:cond evt="onBegin" delay="0">
-                          <p:tn val="2"/>
-                        </p:cond>
                       </p:stCondLst>
                       <p:childTnLst>
                         <p:par>
@@ -30479,7 +28463,7 @@
                             </p:stCondLst>
                             <p:childTnLst>
                               <p:par>
-                                <p:cTn id="5" presetID="1" presetClass="entr" presetSubtype="0" fill="hold" nodeType="withEffect">
+                                <p:cTn id="5" presetID="1" presetClass="entr" presetSubtype="0" fill="hold" nodeType="clickEffect">
                                   <p:stCondLst>
                                     <p:cond delay="0"/>
                                   </p:stCondLst>
@@ -30487,82 +28471,6 @@
                                     <p:set>
                                       <p:cBhvr>
                                         <p:cTn id="6" dur="1" fill="hold">
-                                          <p:stCondLst>
-                                            <p:cond delay="0"/>
-                                          </p:stCondLst>
-                                        </p:cTn>
-                                        <p:tgtEl>
-                                          <p:spTgt spid="3">
-                                            <p:txEl>
-                                              <p:pRg st="0" end="0"/>
-                                            </p:txEl>
-                                          </p:spTgt>
-                                        </p:tgtEl>
-                                        <p:attrNameLst>
-                                          <p:attrName>style.visibility</p:attrName>
-                                        </p:attrNameLst>
-                                      </p:cBhvr>
-                                      <p:to>
-                                        <p:strVal val="visible"/>
-                                      </p:to>
-                                    </p:set>
-                                  </p:childTnLst>
-                                </p:cTn>
-                              </p:par>
-                              <p:par>
-                                <p:cTn id="7" presetID="1" presetClass="entr" presetSubtype="0" fill="hold" nodeType="withEffect">
-                                  <p:stCondLst>
-                                    <p:cond delay="0"/>
-                                  </p:stCondLst>
-                                  <p:childTnLst>
-                                    <p:set>
-                                      <p:cBhvr>
-                                        <p:cTn id="8" dur="1" fill="hold">
-                                          <p:stCondLst>
-                                            <p:cond delay="0"/>
-                                          </p:stCondLst>
-                                        </p:cTn>
-                                        <p:tgtEl>
-                                          <p:spTgt spid="6"/>
-                                        </p:tgtEl>
-                                        <p:attrNameLst>
-                                          <p:attrName>style.visibility</p:attrName>
-                                        </p:attrNameLst>
-                                      </p:cBhvr>
-                                      <p:to>
-                                        <p:strVal val="visible"/>
-                                      </p:to>
-                                    </p:set>
-                                  </p:childTnLst>
-                                </p:cTn>
-                              </p:par>
-                            </p:childTnLst>
-                          </p:cTn>
-                        </p:par>
-                      </p:childTnLst>
-                    </p:cTn>
-                  </p:par>
-                  <p:par>
-                    <p:cTn id="9" fill="hold">
-                      <p:stCondLst>
-                        <p:cond delay="indefinite"/>
-                      </p:stCondLst>
-                      <p:childTnLst>
-                        <p:par>
-                          <p:cTn id="10" fill="hold">
-                            <p:stCondLst>
-                              <p:cond delay="0"/>
-                            </p:stCondLst>
-                            <p:childTnLst>
-                              <p:par>
-                                <p:cTn id="11" presetID="1" presetClass="entr" presetSubtype="0" fill="hold" nodeType="clickEffect">
-                                  <p:stCondLst>
-                                    <p:cond delay="0"/>
-                                  </p:stCondLst>
-                                  <p:childTnLst>
-                                    <p:set>
-                                      <p:cBhvr>
-                                        <p:cTn id="12" dur="1" fill="hold">
                                           <p:stCondLst>
                                             <p:cond delay="0"/>
                                           </p:stCondLst>
@@ -30585,8 +28493,75 @@
                                   </p:childTnLst>
                                 </p:cTn>
                               </p:par>
+                            </p:childTnLst>
+                          </p:cTn>
+                        </p:par>
+                      </p:childTnLst>
+                    </p:cTn>
+                  </p:par>
+                  <p:par>
+                    <p:cTn id="7" fill="hold">
+                      <p:stCondLst>
+                        <p:cond delay="indefinite"/>
+                      </p:stCondLst>
+                      <p:childTnLst>
+                        <p:par>
+                          <p:cTn id="8" fill="hold">
+                            <p:stCondLst>
+                              <p:cond delay="0"/>
+                            </p:stCondLst>
+                            <p:childTnLst>
                               <p:par>
-                                <p:cTn id="13" presetID="1" presetClass="entr" presetSubtype="0" fill="hold" nodeType="withEffect">
+                                <p:cTn id="9" presetID="1" presetClass="entr" presetSubtype="0" fill="hold" nodeType="clickEffect">
+                                  <p:stCondLst>
+                                    <p:cond delay="0"/>
+                                  </p:stCondLst>
+                                  <p:childTnLst>
+                                    <p:set>
+                                      <p:cBhvr>
+                                        <p:cTn id="10" dur="1" fill="hold">
+                                          <p:stCondLst>
+                                            <p:cond delay="0"/>
+                                          </p:stCondLst>
+                                        </p:cTn>
+                                        <p:tgtEl>
+                                          <p:spTgt spid="3">
+                                            <p:txEl>
+                                              <p:pRg st="2" end="2"/>
+                                            </p:txEl>
+                                          </p:spTgt>
+                                        </p:tgtEl>
+                                        <p:attrNameLst>
+                                          <p:attrName>style.visibility</p:attrName>
+                                        </p:attrNameLst>
+                                      </p:cBhvr>
+                                      <p:to>
+                                        <p:strVal val="visible"/>
+                                      </p:to>
+                                    </p:set>
+                                  </p:childTnLst>
+                                </p:cTn>
+                              </p:par>
+                            </p:childTnLst>
+                          </p:cTn>
+                        </p:par>
+                      </p:childTnLst>
+                    </p:cTn>
+                  </p:par>
+                  <p:par>
+                    <p:cTn id="11" fill="hold">
+                      <p:stCondLst>
+                        <p:cond delay="indefinite"/>
+                      </p:stCondLst>
+                      <p:childTnLst>
+                        <p:par>
+                          <p:cTn id="12" fill="hold">
+                            <p:stCondLst>
+                              <p:cond delay="0"/>
+                            </p:stCondLst>
+                            <p:childTnLst>
+                              <p:par>
+                                <p:cTn id="13" presetID="1" presetClass="entr" presetSubtype="0" fill="hold" nodeType="clickEffect">
                                   <p:stCondLst>
                                     <p:cond delay="0"/>
                                   </p:stCondLst>
@@ -30601,7 +28576,7 @@
                                         <p:tgtEl>
                                           <p:spTgt spid="3">
                                             <p:txEl>
-                                              <p:pRg st="2" end="2"/>
+                                              <p:pRg st="3" end="3"/>
                                             </p:txEl>
                                           </p:spTgt>
                                         </p:tgtEl>
@@ -30643,55 +28618,6 @@
                                     <p:set>
                                       <p:cBhvr>
                                         <p:cTn id="18" dur="1" fill="hold">
-                                          <p:stCondLst>
-                                            <p:cond delay="0"/>
-                                          </p:stCondLst>
-                                        </p:cTn>
-                                        <p:tgtEl>
-                                          <p:spTgt spid="3">
-                                            <p:txEl>
-                                              <p:pRg st="3" end="3"/>
-                                            </p:txEl>
-                                          </p:spTgt>
-                                        </p:tgtEl>
-                                        <p:attrNameLst>
-                                          <p:attrName>style.visibility</p:attrName>
-                                        </p:attrNameLst>
-                                      </p:cBhvr>
-                                      <p:to>
-                                        <p:strVal val="visible"/>
-                                      </p:to>
-                                    </p:set>
-                                  </p:childTnLst>
-                                </p:cTn>
-                              </p:par>
-                            </p:childTnLst>
-                          </p:cTn>
-                        </p:par>
-                      </p:childTnLst>
-                    </p:cTn>
-                  </p:par>
-                  <p:par>
-                    <p:cTn id="19" fill="hold">
-                      <p:stCondLst>
-                        <p:cond delay="indefinite"/>
-                      </p:stCondLst>
-                      <p:childTnLst>
-                        <p:par>
-                          <p:cTn id="20" fill="hold">
-                            <p:stCondLst>
-                              <p:cond delay="0"/>
-                            </p:stCondLst>
-                            <p:childTnLst>
-                              <p:par>
-                                <p:cTn id="21" presetID="1" presetClass="entr" presetSubtype="0" fill="hold" nodeType="clickEffect">
-                                  <p:stCondLst>
-                                    <p:cond delay="0"/>
-                                  </p:stCondLst>
-                                  <p:childTnLst>
-                                    <p:set>
-                                      <p:cBhvr>
-                                        <p:cTn id="22" dur="1" fill="hold">
                                           <p:stCondLst>
                                             <p:cond delay="0"/>
                                           </p:stCondLst>
@@ -30746,7 +28672,7 @@
 </file>
 
 <file path=ppt/slides/slide40.xml><?xml version="1.0" encoding="utf-8"?>
-<p:sld xmlns:a="http://schemas.openxmlformats.org/drawingml/2006/main" xmlns:r="http://schemas.openxmlformats.org/officeDocument/2006/relationships" xmlns:p="http://schemas.openxmlformats.org/presentationml/2006/main">
+<p:sld xmlns:a="http://schemas.openxmlformats.org/drawingml/2006/main" xmlns:r="http://schemas.openxmlformats.org/officeDocument/2006/relationships" xmlns:p="http://schemas.openxmlformats.org/presentationml/2006/main" show="0">
   <p:cSld>
     <p:spTree>
       <p:nvGrpSpPr>
@@ -31117,11 +29043,11 @@
   <p:clrMapOvr>
     <a:masterClrMapping/>
   </p:clrMapOvr>
-  <mc:AlternateContent xmlns:mc="http://schemas.openxmlformats.org/markup-compatibility/2006" xmlns:p14="http://schemas.microsoft.com/office/powerpoint/2010/main">
-    <mc:Choice Requires="p14">
+  <mc:AlternateContent xmlns:mc="http://schemas.openxmlformats.org/markup-compatibility/2006">
+    <mc:Choice xmlns:p14="http://schemas.microsoft.com/office/powerpoint/2010/main" Requires="p14">
       <p:transition spd="slow" p14:dur="2000" advClick="0" advTm="5000"/>
     </mc:Choice>
-    <mc:Fallback xmlns="">
+    <mc:Fallback>
       <p:transition spd="slow" advClick="0" advTm="5000"/>
     </mc:Fallback>
   </mc:AlternateContent>
@@ -31858,9 +29784,6 @@
                     <p:cTn id="3" fill="hold">
                       <p:stCondLst>
                         <p:cond delay="indefinite"/>
-                        <p:cond evt="onBegin" delay="0">
-                          <p:tn val="2"/>
-                        </p:cond>
                       </p:stCondLst>
                       <p:childTnLst>
                         <p:par>
@@ -31870,7 +29793,7 @@
                             </p:stCondLst>
                             <p:childTnLst>
                               <p:par>
-                                <p:cTn id="5" presetID="1" presetClass="entr" presetSubtype="0" fill="hold" nodeType="withEffect">
+                                <p:cTn id="5" presetID="1" presetClass="entr" presetSubtype="0" fill="hold" nodeType="clickEffect">
                                   <p:stCondLst>
                                     <p:cond delay="0"/>
                                   </p:stCondLst>
@@ -31878,82 +29801,6 @@
                                     <p:set>
                                       <p:cBhvr>
                                         <p:cTn id="6" dur="1" fill="hold">
-                                          <p:stCondLst>
-                                            <p:cond delay="0"/>
-                                          </p:stCondLst>
-                                        </p:cTn>
-                                        <p:tgtEl>
-                                          <p:spTgt spid="3">
-                                            <p:txEl>
-                                              <p:pRg st="0" end="0"/>
-                                            </p:txEl>
-                                          </p:spTgt>
-                                        </p:tgtEl>
-                                        <p:attrNameLst>
-                                          <p:attrName>style.visibility</p:attrName>
-                                        </p:attrNameLst>
-                                      </p:cBhvr>
-                                      <p:to>
-                                        <p:strVal val="visible"/>
-                                      </p:to>
-                                    </p:set>
-                                  </p:childTnLst>
-                                </p:cTn>
-                              </p:par>
-                              <p:par>
-                                <p:cTn id="7" presetID="1" presetClass="entr" presetSubtype="0" fill="hold" nodeType="withEffect">
-                                  <p:stCondLst>
-                                    <p:cond delay="0"/>
-                                  </p:stCondLst>
-                                  <p:childTnLst>
-                                    <p:set>
-                                      <p:cBhvr>
-                                        <p:cTn id="8" dur="1" fill="hold">
-                                          <p:stCondLst>
-                                            <p:cond delay="0"/>
-                                          </p:stCondLst>
-                                        </p:cTn>
-                                        <p:tgtEl>
-                                          <p:spTgt spid="9"/>
-                                        </p:tgtEl>
-                                        <p:attrNameLst>
-                                          <p:attrName>style.visibility</p:attrName>
-                                        </p:attrNameLst>
-                                      </p:cBhvr>
-                                      <p:to>
-                                        <p:strVal val="visible"/>
-                                      </p:to>
-                                    </p:set>
-                                  </p:childTnLst>
-                                </p:cTn>
-                              </p:par>
-                            </p:childTnLst>
-                          </p:cTn>
-                        </p:par>
-                      </p:childTnLst>
-                    </p:cTn>
-                  </p:par>
-                  <p:par>
-                    <p:cTn id="9" fill="hold">
-                      <p:stCondLst>
-                        <p:cond delay="indefinite"/>
-                      </p:stCondLst>
-                      <p:childTnLst>
-                        <p:par>
-                          <p:cTn id="10" fill="hold">
-                            <p:stCondLst>
-                              <p:cond delay="0"/>
-                            </p:stCondLst>
-                            <p:childTnLst>
-                              <p:par>
-                                <p:cTn id="11" presetID="1" presetClass="entr" presetSubtype="0" fill="hold" nodeType="clickEffect">
-                                  <p:stCondLst>
-                                    <p:cond delay="0"/>
-                                  </p:stCondLst>
-                                  <p:childTnLst>
-                                    <p:set>
-                                      <p:cBhvr>
-                                        <p:cTn id="12" dur="1" fill="hold">
                                           <p:stCondLst>
                                             <p:cond delay="0"/>
                                           </p:stCondLst>
@@ -31983,26 +29830,26 @@
                     </p:cTn>
                   </p:par>
                   <p:par>
-                    <p:cTn id="13" fill="hold">
+                    <p:cTn id="7" fill="hold">
                       <p:stCondLst>
                         <p:cond delay="indefinite"/>
                       </p:stCondLst>
                       <p:childTnLst>
                         <p:par>
-                          <p:cTn id="14" fill="hold">
+                          <p:cTn id="8" fill="hold">
                             <p:stCondLst>
                               <p:cond delay="0"/>
                             </p:stCondLst>
                             <p:childTnLst>
                               <p:par>
-                                <p:cTn id="15" presetID="1" presetClass="entr" presetSubtype="0" fill="hold" grpId="0" nodeType="clickEffect">
+                                <p:cTn id="9" presetID="1" presetClass="entr" presetSubtype="0" fill="hold" grpId="0" nodeType="clickEffect">
                                   <p:stCondLst>
                                     <p:cond delay="0"/>
                                   </p:stCondLst>
                                   <p:childTnLst>
                                     <p:set>
                                       <p:cBhvr>
-                                        <p:cTn id="16" dur="1" fill="hold">
+                                        <p:cTn id="10" dur="1" fill="hold">
                                           <p:stCondLst>
                                             <p:cond delay="0"/>
                                           </p:stCondLst>
@@ -32028,26 +29875,26 @@
                     </p:cTn>
                   </p:par>
                   <p:par>
-                    <p:cTn id="17" fill="hold">
+                    <p:cTn id="11" fill="hold">
                       <p:stCondLst>
                         <p:cond delay="indefinite"/>
                       </p:stCondLst>
                       <p:childTnLst>
                         <p:par>
-                          <p:cTn id="18" fill="hold">
+                          <p:cTn id="12" fill="hold">
                             <p:stCondLst>
                               <p:cond delay="0"/>
                             </p:stCondLst>
                             <p:childTnLst>
                               <p:par>
-                                <p:cTn id="19" presetID="1" presetClass="entr" presetSubtype="0" fill="hold" grpId="0" nodeType="clickEffect">
+                                <p:cTn id="13" presetID="1" presetClass="entr" presetSubtype="0" fill="hold" grpId="0" nodeType="clickEffect">
                                   <p:stCondLst>
                                     <p:cond delay="0"/>
                                   </p:stCondLst>
                                   <p:childTnLst>
                                     <p:set>
                                       <p:cBhvr>
-                                        <p:cTn id="20" dur="1" fill="hold">
+                                        <p:cTn id="14" dur="1" fill="hold">
                                           <p:stCondLst>
                                             <p:cond delay="0"/>
                                           </p:stCondLst>
@@ -32073,26 +29920,26 @@
                     </p:cTn>
                   </p:par>
                   <p:par>
-                    <p:cTn id="21" fill="hold">
+                    <p:cTn id="15" fill="hold">
                       <p:stCondLst>
                         <p:cond delay="indefinite"/>
                       </p:stCondLst>
                       <p:childTnLst>
                         <p:par>
-                          <p:cTn id="22" fill="hold">
+                          <p:cTn id="16" fill="hold">
                             <p:stCondLst>
                               <p:cond delay="0"/>
                             </p:stCondLst>
                             <p:childTnLst>
                               <p:par>
-                                <p:cTn id="23" presetID="1" presetClass="entr" presetSubtype="0" fill="hold" nodeType="clickEffect">
+                                <p:cTn id="17" presetID="1" presetClass="entr" presetSubtype="0" fill="hold" nodeType="clickEffect">
                                   <p:stCondLst>
                                     <p:cond delay="0"/>
                                   </p:stCondLst>
                                   <p:childTnLst>
                                     <p:set>
                                       <p:cBhvr>
-                                        <p:cTn id="24" dur="1" fill="hold">
+                                        <p:cTn id="18" dur="1" fill="hold">
                                           <p:stCondLst>
                                             <p:cond delay="0"/>
                                           </p:stCondLst>
@@ -32122,26 +29969,26 @@
                     </p:cTn>
                   </p:par>
                   <p:par>
-                    <p:cTn id="25" fill="hold">
+                    <p:cTn id="19" fill="hold">
                       <p:stCondLst>
                         <p:cond delay="indefinite"/>
                       </p:stCondLst>
                       <p:childTnLst>
                         <p:par>
-                          <p:cTn id="26" fill="hold">
+                          <p:cTn id="20" fill="hold">
                             <p:stCondLst>
                               <p:cond delay="0"/>
                             </p:stCondLst>
                             <p:childTnLst>
                               <p:par>
-                                <p:cTn id="27" presetID="1" presetClass="entr" presetSubtype="0" fill="hold" grpId="0" nodeType="clickEffect">
+                                <p:cTn id="21" presetID="1" presetClass="entr" presetSubtype="0" fill="hold" grpId="0" nodeType="clickEffect">
                                   <p:stCondLst>
                                     <p:cond delay="0"/>
                                   </p:stCondLst>
                                   <p:childTnLst>
                                     <p:set>
                                       <p:cBhvr>
-                                        <p:cTn id="28" dur="1" fill="hold">
+                                        <p:cTn id="22" dur="1" fill="hold">
                                           <p:stCondLst>
                                             <p:cond delay="0"/>
                                           </p:stCondLst>
@@ -32167,26 +30014,26 @@
                     </p:cTn>
                   </p:par>
                   <p:par>
-                    <p:cTn id="29" fill="hold">
+                    <p:cTn id="23" fill="hold">
                       <p:stCondLst>
                         <p:cond delay="indefinite"/>
                       </p:stCondLst>
                       <p:childTnLst>
                         <p:par>
-                          <p:cTn id="30" fill="hold">
+                          <p:cTn id="24" fill="hold">
                             <p:stCondLst>
                               <p:cond delay="0"/>
                             </p:stCondLst>
                             <p:childTnLst>
                               <p:par>
-                                <p:cTn id="31" presetID="1" presetClass="entr" presetSubtype="0" fill="hold" nodeType="clickEffect">
+                                <p:cTn id="25" presetID="1" presetClass="entr" presetSubtype="0" fill="hold" nodeType="clickEffect">
                                   <p:stCondLst>
                                     <p:cond delay="0"/>
                                   </p:stCondLst>
                                   <p:childTnLst>
                                     <p:set>
                                       <p:cBhvr>
-                                        <p:cTn id="32" dur="1" fill="hold">
+                                        <p:cTn id="26" dur="1" fill="hold">
                                           <p:stCondLst>
                                             <p:cond delay="0"/>
                                           </p:stCondLst>
@@ -32216,26 +30063,26 @@
                     </p:cTn>
                   </p:par>
                   <p:par>
-                    <p:cTn id="33" fill="hold">
+                    <p:cTn id="27" fill="hold">
                       <p:stCondLst>
                         <p:cond delay="indefinite"/>
                       </p:stCondLst>
                       <p:childTnLst>
                         <p:par>
-                          <p:cTn id="34" fill="hold">
+                          <p:cTn id="28" fill="hold">
                             <p:stCondLst>
                               <p:cond delay="0"/>
                             </p:stCondLst>
                             <p:childTnLst>
                               <p:par>
-                                <p:cTn id="35" presetID="1" presetClass="entr" presetSubtype="0" fill="hold" grpId="0" nodeType="clickEffect">
+                                <p:cTn id="29" presetID="1" presetClass="entr" presetSubtype="0" fill="hold" grpId="0" nodeType="clickEffect">
                                   <p:stCondLst>
                                     <p:cond delay="0"/>
                                   </p:stCondLst>
                                   <p:childTnLst>
                                     <p:set>
                                       <p:cBhvr>
-                                        <p:cTn id="36" dur="1" fill="hold">
+                                        <p:cTn id="30" dur="1" fill="hold">
                                           <p:stCondLst>
                                             <p:cond delay="0"/>
                                           </p:stCondLst>
@@ -32535,9 +30382,6 @@
                     <p:cTn id="3" fill="hold">
                       <p:stCondLst>
                         <p:cond delay="indefinite"/>
-                        <p:cond evt="onBegin" delay="0">
-                          <p:tn val="2"/>
-                        </p:cond>
                       </p:stCondLst>
                       <p:childTnLst>
                         <p:par>
@@ -32547,7 +30391,7 @@
                             </p:stCondLst>
                             <p:childTnLst>
                               <p:par>
-                                <p:cTn id="5" presetID="1" presetClass="entr" presetSubtype="0" fill="hold" nodeType="withEffect">
+                                <p:cTn id="5" presetID="1" presetClass="entr" presetSubtype="0" fill="hold" grpId="0" nodeType="clickEffect">
                                   <p:stCondLst>
                                     <p:cond delay="0"/>
                                   </p:stCondLst>
@@ -32560,7 +30404,7 @@
                                           </p:stCondLst>
                                         </p:cTn>
                                         <p:tgtEl>
-                                          <p:spTgt spid="6"/>
+                                          <p:spTgt spid="7"/>
                                         </p:tgtEl>
                                         <p:attrNameLst>
                                           <p:attrName>style.visibility</p:attrName>
@@ -32592,7 +30436,7 @@
                             </p:stCondLst>
                             <p:childTnLst>
                               <p:par>
-                                <p:cTn id="9" presetID="1" presetClass="entr" presetSubtype="0" fill="hold" grpId="0" nodeType="clickEffect">
+                                <p:cTn id="9" presetID="1" presetClass="entr" presetSubtype="0" fill="hold" nodeType="clickEffect">
                                   <p:stCondLst>
                                     <p:cond delay="0"/>
                                   </p:stCondLst>
@@ -32600,33 +30444,6 @@
                                     <p:set>
                                       <p:cBhvr>
                                         <p:cTn id="10" dur="1" fill="hold">
-                                          <p:stCondLst>
-                                            <p:cond delay="0"/>
-                                          </p:stCondLst>
-                                        </p:cTn>
-                                        <p:tgtEl>
-                                          <p:spTgt spid="7"/>
-                                        </p:tgtEl>
-                                        <p:attrNameLst>
-                                          <p:attrName>style.visibility</p:attrName>
-                                        </p:attrNameLst>
-                                      </p:cBhvr>
-                                      <p:to>
-                                        <p:strVal val="visible"/>
-                                      </p:to>
-                                    </p:set>
-                                  </p:childTnLst>
-                                </p:cTn>
-                              </p:par>
-                              <p:par>
-                                <p:cTn id="11" presetID="1" presetClass="entr" presetSubtype="0" fill="hold" nodeType="withEffect">
-                                  <p:stCondLst>
-                                    <p:cond delay="0"/>
-                                  </p:stCondLst>
-                                  <p:childTnLst>
-                                    <p:set>
-                                      <p:cBhvr>
-                                        <p:cTn id="12" dur="1" fill="hold">
                                           <p:stCondLst>
                                             <p:cond delay="0"/>
                                           </p:stCondLst>
@@ -32924,9 +30741,6 @@
                     <p:cTn id="3" fill="hold">
                       <p:stCondLst>
                         <p:cond delay="indefinite"/>
-                        <p:cond evt="onBegin" delay="0">
-                          <p:tn val="2"/>
-                        </p:cond>
                       </p:stCondLst>
                       <p:childTnLst>
                         <p:par>
@@ -32936,7 +30750,7 @@
                             </p:stCondLst>
                             <p:childTnLst>
                               <p:par>
-                                <p:cTn id="5" presetID="1" presetClass="entr" presetSubtype="0" fill="hold" nodeType="withEffect">
+                                <p:cTn id="5" presetID="1" presetClass="entr" presetSubtype="0" fill="hold" grpId="0" nodeType="clickEffect">
                                   <p:stCondLst>
                                     <p:cond delay="0"/>
                                   </p:stCondLst>
@@ -32949,7 +30763,7 @@
                                           </p:stCondLst>
                                         </p:cTn>
                                         <p:tgtEl>
-                                          <p:spTgt spid="6"/>
+                                          <p:spTgt spid="7"/>
                                         </p:tgtEl>
                                         <p:attrNameLst>
                                           <p:attrName>style.visibility</p:attrName>
@@ -32981,7 +30795,7 @@
                             </p:stCondLst>
                             <p:childTnLst>
                               <p:par>
-                                <p:cTn id="9" presetID="1" presetClass="entr" presetSubtype="0" fill="hold" grpId="0" nodeType="clickEffect">
+                                <p:cTn id="9" presetID="1" presetClass="entr" presetSubtype="0" fill="hold" nodeType="clickEffect">
                                   <p:stCondLst>
                                     <p:cond delay="0"/>
                                   </p:stCondLst>
@@ -32989,33 +30803,6 @@
                                     <p:set>
                                       <p:cBhvr>
                                         <p:cTn id="10" dur="1" fill="hold">
-                                          <p:stCondLst>
-                                            <p:cond delay="0"/>
-                                          </p:stCondLst>
-                                        </p:cTn>
-                                        <p:tgtEl>
-                                          <p:spTgt spid="7"/>
-                                        </p:tgtEl>
-                                        <p:attrNameLst>
-                                          <p:attrName>style.visibility</p:attrName>
-                                        </p:attrNameLst>
-                                      </p:cBhvr>
-                                      <p:to>
-                                        <p:strVal val="visible"/>
-                                      </p:to>
-                                    </p:set>
-                                  </p:childTnLst>
-                                </p:cTn>
-                              </p:par>
-                              <p:par>
-                                <p:cTn id="11" presetID="1" presetClass="entr" presetSubtype="0" fill="hold" nodeType="withEffect">
-                                  <p:stCondLst>
-                                    <p:cond delay="0"/>
-                                  </p:stCondLst>
-                                  <p:childTnLst>
-                                    <p:set>
-                                      <p:cBhvr>
-                                        <p:cTn id="12" dur="1" fill="hold">
                                           <p:stCondLst>
                                             <p:cond delay="0"/>
                                           </p:stCondLst>
@@ -33712,9 +31499,6 @@
                     <p:cTn id="3" fill="hold">
                       <p:stCondLst>
                         <p:cond delay="indefinite"/>
-                        <p:cond evt="onBegin" delay="0">
-                          <p:tn val="2"/>
-                        </p:cond>
                       </p:stCondLst>
                       <p:childTnLst>
                         <p:par>
@@ -33724,7 +31508,7 @@
                             </p:stCondLst>
                             <p:childTnLst>
                               <p:par>
-                                <p:cTn id="5" presetID="1" presetClass="entr" presetSubtype="0" fill="hold" nodeType="withEffect">
+                                <p:cTn id="5" presetID="1" presetClass="entr" presetSubtype="0" fill="hold" nodeType="clickEffect">
                                   <p:stCondLst>
                                     <p:cond delay="0"/>
                                   </p:stCondLst>
@@ -33732,82 +31516,6 @@
                                     <p:set>
                                       <p:cBhvr>
                                         <p:cTn id="6" dur="1" fill="hold">
-                                          <p:stCondLst>
-                                            <p:cond delay="0"/>
-                                          </p:stCondLst>
-                                        </p:cTn>
-                                        <p:tgtEl>
-                                          <p:spTgt spid="3">
-                                            <p:txEl>
-                                              <p:pRg st="0" end="0"/>
-                                            </p:txEl>
-                                          </p:spTgt>
-                                        </p:tgtEl>
-                                        <p:attrNameLst>
-                                          <p:attrName>style.visibility</p:attrName>
-                                        </p:attrNameLst>
-                                      </p:cBhvr>
-                                      <p:to>
-                                        <p:strVal val="visible"/>
-                                      </p:to>
-                                    </p:set>
-                                  </p:childTnLst>
-                                </p:cTn>
-                              </p:par>
-                              <p:par>
-                                <p:cTn id="7" presetID="1" presetClass="entr" presetSubtype="0" fill="hold" nodeType="withEffect">
-                                  <p:stCondLst>
-                                    <p:cond delay="0"/>
-                                  </p:stCondLst>
-                                  <p:childTnLst>
-                                    <p:set>
-                                      <p:cBhvr>
-                                        <p:cTn id="8" dur="1" fill="hold">
-                                          <p:stCondLst>
-                                            <p:cond delay="0"/>
-                                          </p:stCondLst>
-                                        </p:cTn>
-                                        <p:tgtEl>
-                                          <p:spTgt spid="5"/>
-                                        </p:tgtEl>
-                                        <p:attrNameLst>
-                                          <p:attrName>style.visibility</p:attrName>
-                                        </p:attrNameLst>
-                                      </p:cBhvr>
-                                      <p:to>
-                                        <p:strVal val="visible"/>
-                                      </p:to>
-                                    </p:set>
-                                  </p:childTnLst>
-                                </p:cTn>
-                              </p:par>
-                            </p:childTnLst>
-                          </p:cTn>
-                        </p:par>
-                      </p:childTnLst>
-                    </p:cTn>
-                  </p:par>
-                  <p:par>
-                    <p:cTn id="9" fill="hold">
-                      <p:stCondLst>
-                        <p:cond delay="indefinite"/>
-                      </p:stCondLst>
-                      <p:childTnLst>
-                        <p:par>
-                          <p:cTn id="10" fill="hold">
-                            <p:stCondLst>
-                              <p:cond delay="0"/>
-                            </p:stCondLst>
-                            <p:childTnLst>
-                              <p:par>
-                                <p:cTn id="11" presetID="1" presetClass="entr" presetSubtype="0" fill="hold" nodeType="clickEffect">
-                                  <p:stCondLst>
-                                    <p:cond delay="0"/>
-                                  </p:stCondLst>
-                                  <p:childTnLst>
-                                    <p:set>
-                                      <p:cBhvr>
-                                        <p:cTn id="12" dur="1" fill="hold">
                                           <p:stCondLst>
                                             <p:cond delay="0"/>
                                           </p:stCondLst>
@@ -33837,26 +31545,26 @@
                     </p:cTn>
                   </p:par>
                   <p:par>
-                    <p:cTn id="13" fill="hold">
+                    <p:cTn id="7" fill="hold">
                       <p:stCondLst>
                         <p:cond delay="indefinite"/>
                       </p:stCondLst>
                       <p:childTnLst>
                         <p:par>
-                          <p:cTn id="14" fill="hold">
+                          <p:cTn id="8" fill="hold">
                             <p:stCondLst>
                               <p:cond delay="0"/>
                             </p:stCondLst>
                             <p:childTnLst>
                               <p:par>
-                                <p:cTn id="15" presetID="1" presetClass="entr" presetSubtype="0" fill="hold" nodeType="clickEffect">
+                                <p:cTn id="9" presetID="1" presetClass="entr" presetSubtype="0" fill="hold" nodeType="clickEffect">
                                   <p:stCondLst>
                                     <p:cond delay="0"/>
                                   </p:stCondLst>
                                   <p:childTnLst>
                                     <p:set>
                                       <p:cBhvr>
-                                        <p:cTn id="16" dur="1" fill="hold">
+                                        <p:cTn id="10" dur="1" fill="hold">
                                           <p:stCondLst>
                                             <p:cond delay="0"/>
                                           </p:stCondLst>
@@ -33879,8 +31587,75 @@
                                   </p:childTnLst>
                                 </p:cTn>
                               </p:par>
+                            </p:childTnLst>
+                          </p:cTn>
+                        </p:par>
+                      </p:childTnLst>
+                    </p:cTn>
+                  </p:par>
+                  <p:par>
+                    <p:cTn id="11" fill="hold">
+                      <p:stCondLst>
+                        <p:cond delay="indefinite"/>
+                      </p:stCondLst>
+                      <p:childTnLst>
+                        <p:par>
+                          <p:cTn id="12" fill="hold">
+                            <p:stCondLst>
+                              <p:cond delay="0"/>
+                            </p:stCondLst>
+                            <p:childTnLst>
                               <p:par>
-                                <p:cTn id="17" presetID="1" presetClass="entr" presetSubtype="0" fill="hold" nodeType="withEffect">
+                                <p:cTn id="13" presetID="1" presetClass="entr" presetSubtype="0" fill="hold" nodeType="clickEffect">
+                                  <p:stCondLst>
+                                    <p:cond delay="0"/>
+                                  </p:stCondLst>
+                                  <p:childTnLst>
+                                    <p:set>
+                                      <p:cBhvr>
+                                        <p:cTn id="14" dur="1" fill="hold">
+                                          <p:stCondLst>
+                                            <p:cond delay="0"/>
+                                          </p:stCondLst>
+                                        </p:cTn>
+                                        <p:tgtEl>
+                                          <p:spTgt spid="3">
+                                            <p:txEl>
+                                              <p:pRg st="3" end="3"/>
+                                            </p:txEl>
+                                          </p:spTgt>
+                                        </p:tgtEl>
+                                        <p:attrNameLst>
+                                          <p:attrName>style.visibility</p:attrName>
+                                        </p:attrNameLst>
+                                      </p:cBhvr>
+                                      <p:to>
+                                        <p:strVal val="visible"/>
+                                      </p:to>
+                                    </p:set>
+                                  </p:childTnLst>
+                                </p:cTn>
+                              </p:par>
+                            </p:childTnLst>
+                          </p:cTn>
+                        </p:par>
+                      </p:childTnLst>
+                    </p:cTn>
+                  </p:par>
+                  <p:par>
+                    <p:cTn id="15" fill="hold">
+                      <p:stCondLst>
+                        <p:cond delay="indefinite"/>
+                      </p:stCondLst>
+                      <p:childTnLst>
+                        <p:par>
+                          <p:cTn id="16" fill="hold">
+                            <p:stCondLst>
+                              <p:cond delay="0"/>
+                            </p:stCondLst>
+                            <p:childTnLst>
+                              <p:par>
+                                <p:cTn id="17" presetID="1" presetClass="entr" presetSubtype="0" fill="hold" nodeType="clickEffect">
                                   <p:stCondLst>
                                     <p:cond delay="0"/>
                                   </p:stCondLst>
@@ -33895,7 +31670,7 @@
                                         <p:tgtEl>
                                           <p:spTgt spid="3">
                                             <p:txEl>
-                                              <p:pRg st="3" end="3"/>
+                                              <p:pRg st="4" end="4"/>
                                             </p:txEl>
                                           </p:spTgt>
                                         </p:tgtEl>
@@ -33944,7 +31719,7 @@
                                         <p:tgtEl>
                                           <p:spTgt spid="3">
                                             <p:txEl>
-                                              <p:pRg st="4" end="4"/>
+                                              <p:pRg st="5" end="5"/>
                                             </p:txEl>
                                           </p:spTgt>
                                         </p:tgtEl>
@@ -33993,7 +31768,7 @@
                                         <p:tgtEl>
                                           <p:spTgt spid="3">
                                             <p:txEl>
-                                              <p:pRg st="5" end="5"/>
+                                              <p:pRg st="6" end="6"/>
                                             </p:txEl>
                                           </p:spTgt>
                                         </p:tgtEl>
@@ -34042,7 +31817,7 @@
                                         <p:tgtEl>
                                           <p:spTgt spid="3">
                                             <p:txEl>
-                                              <p:pRg st="6" end="6"/>
+                                              <p:pRg st="7" end="7"/>
                                             </p:txEl>
                                           </p:spTgt>
                                         </p:tgtEl>
@@ -34084,55 +31859,6 @@
                                     <p:set>
                                       <p:cBhvr>
                                         <p:cTn id="34" dur="1" fill="hold">
-                                          <p:stCondLst>
-                                            <p:cond delay="0"/>
-                                          </p:stCondLst>
-                                        </p:cTn>
-                                        <p:tgtEl>
-                                          <p:spTgt spid="3">
-                                            <p:txEl>
-                                              <p:pRg st="7" end="7"/>
-                                            </p:txEl>
-                                          </p:spTgt>
-                                        </p:tgtEl>
-                                        <p:attrNameLst>
-                                          <p:attrName>style.visibility</p:attrName>
-                                        </p:attrNameLst>
-                                      </p:cBhvr>
-                                      <p:to>
-                                        <p:strVal val="visible"/>
-                                      </p:to>
-                                    </p:set>
-                                  </p:childTnLst>
-                                </p:cTn>
-                              </p:par>
-                            </p:childTnLst>
-                          </p:cTn>
-                        </p:par>
-                      </p:childTnLst>
-                    </p:cTn>
-                  </p:par>
-                  <p:par>
-                    <p:cTn id="35" fill="hold">
-                      <p:stCondLst>
-                        <p:cond delay="indefinite"/>
-                      </p:stCondLst>
-                      <p:childTnLst>
-                        <p:par>
-                          <p:cTn id="36" fill="hold">
-                            <p:stCondLst>
-                              <p:cond delay="0"/>
-                            </p:stCondLst>
-                            <p:childTnLst>
-                              <p:par>
-                                <p:cTn id="37" presetID="1" presetClass="entr" presetSubtype="0" fill="hold" nodeType="clickEffect">
-                                  <p:stCondLst>
-                                    <p:cond delay="0"/>
-                                  </p:stCondLst>
-                                  <p:childTnLst>
-                                    <p:set>
-                                      <p:cBhvr>
-                                        <p:cTn id="38" dur="1" fill="hold">
                                           <p:stCondLst>
                                             <p:cond delay="0"/>
                                           </p:stCondLst>

--- a/Courses/Software-Sciences/Module-4-Information-Systems-New/12-Implementation-of-Information-System/12-Implementation-of-Information-System.pptx
+++ b/Courses/Software-Sciences/Module-4-Information-Systems-New/12-Implementation-of-Information-System/12-Implementation-of-Information-System.pptx
@@ -235,6 +235,33 @@
 </p:presentation>
 </file>
 
+<file path=ppt/commentAuthors.xml><?xml version="1.0" encoding="utf-8"?>
+<p:cmAuthorLst xmlns:a="http://schemas.openxmlformats.org/drawingml/2006/main" xmlns:r="http://schemas.openxmlformats.org/officeDocument/2006/relationships" xmlns:p="http://schemas.openxmlformats.org/presentationml/2006/main">
+  <p:cmAuthor id="1" name="PC" initials="P" lastIdx="2" clrIdx="0">
+    <p:extLst>
+      <p:ext uri="{19B8F6BF-5375-455C-9EA6-DF929625EA0E}">
+        <p15:presenceInfo xmlns:p15="http://schemas.microsoft.com/office/powerpoint/2012/main" userId="PC" providerId="None"/>
+      </p:ext>
+    </p:extLst>
+  </p:cmAuthor>
+</p:cmAuthorLst>
+</file>
+
+<file path=ppt/comments/comment1.xml><?xml version="1.0" encoding="utf-8"?>
+<p:cmLst xmlns:a="http://schemas.openxmlformats.org/drawingml/2006/main" xmlns:r="http://schemas.openxmlformats.org/officeDocument/2006/relationships" xmlns:p="http://schemas.openxmlformats.org/presentationml/2006/main">
+  <p:cm authorId="1" dt="2024-10-12T16:05:32.300" idx="2">
+    <p:pos x="10" y="10"/>
+    <p:text>Направи подобни иконки за всеки метод. Самите иконки, които съм ти показал са две отделни, които съм групирал. По същия начин може да направиш и за всички останали методи.
+Можеш да намериш отделните иконки от https://www.flaticon.com/ или други подобни сайтове.</p:text>
+    <p:extLst>
+      <p:ext uri="{C676402C-5697-4E1C-873F-D02D1690AC5C}">
+        <p15:threadingInfo xmlns:p15="http://schemas.microsoft.com/office/powerpoint/2012/main" timeZoneBias="-180"/>
+      </p:ext>
+    </p:extLst>
+  </p:cm>
+</p:cmLst>
+</file>
+
 <file path=ppt/handoutMasters/handoutMaster1.xml><?xml version="1.0" encoding="utf-8"?>
 <p:handoutMaster xmlns:a="http://schemas.openxmlformats.org/drawingml/2006/main" xmlns:r="http://schemas.openxmlformats.org/officeDocument/2006/relationships" xmlns:p="http://schemas.openxmlformats.org/presentationml/2006/main">
   <p:cSld>
@@ -329,7 +356,7 @@
           <a:p>
             <a:fld id="{4E087215-0C8F-4762-A664-737A353EC9A4}" type="datetimeFigureOut">
               <a:rPr lang="bg-BG" smtClean="0"/>
-              <a:t>10.09.24 г.</a:t>
+              <a:t>12.10.2024 г.</a:t>
             </a:fld>
             <a:endParaRPr lang="bg-BG"/>
           </a:p>
@@ -525,7 +552,7 @@
           <a:p>
             <a:fld id="{72D84649-876A-46C9-8472-14CB09C070D8}" type="datetimeFigureOut">
               <a:rPr lang="en-US" smtClean="0"/>
-              <a:t>9/10/24</a:t>
+              <a:t>10/12/2024</a:t>
             </a:fld>
             <a:endParaRPr lang="en-US"/>
           </a:p>
@@ -9162,6 +9189,13 @@
       <p:transition spd="slow" advClick="0" advTm="5000"/>
     </mc:Fallback>
   </mc:AlternateContent>
+  <p:timing>
+    <p:tnLst>
+      <p:par>
+        <p:cTn id="1" dur="indefinite" restart="never" nodeType="tmRoot"/>
+      </p:par>
+    </p:tnLst>
+  </p:timing>
 </p:sld>
 </file>
 
@@ -10198,6 +10232,13 @@
       <p:transition spd="slow" advClick="0" advTm="5000"/>
     </mc:Fallback>
   </mc:AlternateContent>
+  <p:timing>
+    <p:tnLst>
+      <p:par>
+        <p:cTn id="1" dur="indefinite" restart="never" nodeType="tmRoot"/>
+      </p:par>
+    </p:tnLst>
+  </p:timing>
 </p:sld>
 </file>
 
@@ -11136,6 +11177,13 @@
       <p:transition spd="slow" advClick="0" advTm="5000"/>
     </mc:Fallback>
   </mc:AlternateContent>
+  <p:timing>
+    <p:tnLst>
+      <p:par>
+        <p:cTn id="1" dur="indefinite" restart="never" nodeType="tmRoot"/>
+      </p:par>
+    </p:tnLst>
+  </p:timing>
 </p:sld>
 </file>
 
@@ -12903,14 +12951,13 @@
             <a:pPr lvl="1"/>
             <a:r>
               <a:rPr lang="bg-BG" b="1" dirty="0"/>
-              <a:t>Изтриване на лекар</a:t>
-            </a:r>
-          </a:p>
-          <a:p>
-            <a:endParaRPr lang="bg-BG" dirty="0"/>
-          </a:p>
-          <a:p>
-            <a:endParaRPr lang="en-BG" dirty="0"/>
+              <a:t>Изтриване на </a:t>
+            </a:r>
+            <a:r>
+              <a:rPr lang="bg-BG" b="1" dirty="0" smtClean="0"/>
+              <a:t>лекар</a:t>
+            </a:r>
+            <a:endParaRPr lang="bg-BG" b="1" dirty="0"/>
           </a:p>
         </p:txBody>
       </p:sp>
@@ -12943,6 +12990,200 @@
           </a:p>
         </p:txBody>
       </p:sp>
+      <p:grpSp>
+        <p:nvGrpSpPr>
+          <p:cNvPr id="5" name="Group 4"/>
+          <p:cNvGrpSpPr/>
+          <p:nvPr/>
+        </p:nvGrpSpPr>
+        <p:grpSpPr>
+          <a:xfrm>
+            <a:off x="6276000" y="2079000"/>
+            <a:ext cx="1009169" cy="1033093"/>
+            <a:chOff x="6099450" y="2079000"/>
+            <a:chExt cx="1668538" cy="1708093"/>
+          </a:xfrm>
+        </p:grpSpPr>
+        <p:pic>
+          <p:nvPicPr>
+            <p:cNvPr id="1026" name="Picture 2" descr="Patient Generic Outline Color icon | Freepik"/>
+            <p:cNvPicPr>
+              <a:picLocks noChangeAspect="1" noChangeArrowheads="1"/>
+            </p:cNvPicPr>
+            <p:nvPr/>
+          </p:nvPicPr>
+          <p:blipFill>
+            <a:blip r:embed="rId2" cstate="hqprint">
+              <a:extLst>
+                <a:ext uri="{28A0092B-C50C-407E-A947-70E740481C1C}">
+                  <a14:useLocalDpi xmlns:a14="http://schemas.microsoft.com/office/drawing/2010/main" val="0"/>
+                </a:ext>
+              </a:extLst>
+            </a:blip>
+            <a:srcRect/>
+            <a:stretch>
+              <a:fillRect/>
+            </a:stretch>
+          </p:blipFill>
+          <p:spPr bwMode="auto">
+            <a:xfrm>
+              <a:off x="6099450" y="2079000"/>
+              <a:ext cx="1668538" cy="1668538"/>
+            </a:xfrm>
+            <a:prstGeom prst="rect">
+              <a:avLst/>
+            </a:prstGeom>
+            <a:noFill/>
+            <a:extLst>
+              <a:ext uri="{909E8E84-426E-40DD-AFC4-6F175D3DCCD1}">
+                <a14:hiddenFill xmlns:a14="http://schemas.microsoft.com/office/drawing/2010/main">
+                  <a:solidFill>
+                    <a:srgbClr val="FFFFFF"/>
+                  </a:solidFill>
+                </a14:hiddenFill>
+              </a:ext>
+            </a:extLst>
+          </p:spPr>
+        </p:pic>
+        <p:pic>
+          <p:nvPicPr>
+            <p:cNvPr id="1028" name="Picture 4" descr="Add - Free ui icons"/>
+            <p:cNvPicPr>
+              <a:picLocks noChangeAspect="1" noChangeArrowheads="1"/>
+            </p:cNvPicPr>
+            <p:nvPr/>
+          </p:nvPicPr>
+          <p:blipFill>
+            <a:blip r:embed="rId3" cstate="hqprint">
+              <a:extLst>
+                <a:ext uri="{28A0092B-C50C-407E-A947-70E740481C1C}">
+                  <a14:useLocalDpi xmlns:a14="http://schemas.microsoft.com/office/drawing/2010/main" val="0"/>
+                </a:ext>
+              </a:extLst>
+            </a:blip>
+            <a:srcRect/>
+            <a:stretch>
+              <a:fillRect/>
+            </a:stretch>
+          </p:blipFill>
+          <p:spPr bwMode="auto">
+            <a:xfrm>
+              <a:off x="6942214" y="3157093"/>
+              <a:ext cx="630000" cy="630000"/>
+            </a:xfrm>
+            <a:prstGeom prst="rect">
+              <a:avLst/>
+            </a:prstGeom>
+            <a:noFill/>
+            <a:extLst>
+              <a:ext uri="{909E8E84-426E-40DD-AFC4-6F175D3DCCD1}">
+                <a14:hiddenFill xmlns:a14="http://schemas.microsoft.com/office/drawing/2010/main">
+                  <a:solidFill>
+                    <a:srgbClr val="FFFFFF"/>
+                  </a:solidFill>
+                </a14:hiddenFill>
+              </a:ext>
+            </a:extLst>
+          </p:spPr>
+        </p:pic>
+      </p:grpSp>
+      <p:grpSp>
+        <p:nvGrpSpPr>
+          <p:cNvPr id="6" name="Group 5"/>
+          <p:cNvGrpSpPr/>
+          <p:nvPr/>
+        </p:nvGrpSpPr>
+        <p:grpSpPr>
+          <a:xfrm>
+            <a:off x="7676482" y="2079000"/>
+            <a:ext cx="1073886" cy="1122185"/>
+            <a:chOff x="6972799" y="2929968"/>
+            <a:chExt cx="2374174" cy="2480955"/>
+          </a:xfrm>
+        </p:grpSpPr>
+        <p:pic>
+          <p:nvPicPr>
+            <p:cNvPr id="9" name="Picture 2" descr="Patient Generic Outline Color icon | Freepik"/>
+            <p:cNvPicPr>
+              <a:picLocks noChangeAspect="1" noChangeArrowheads="1"/>
+            </p:cNvPicPr>
+            <p:nvPr/>
+          </p:nvPicPr>
+          <p:blipFill>
+            <a:blip r:embed="rId4" cstate="hqprint">
+              <a:extLst>
+                <a:ext uri="{28A0092B-C50C-407E-A947-70E740481C1C}">
+                  <a14:useLocalDpi xmlns:a14="http://schemas.microsoft.com/office/drawing/2010/main" val="0"/>
+                </a:ext>
+              </a:extLst>
+            </a:blip>
+            <a:srcRect/>
+            <a:stretch>
+              <a:fillRect/>
+            </a:stretch>
+          </p:blipFill>
+          <p:spPr bwMode="auto">
+            <a:xfrm>
+              <a:off x="6972799" y="2929968"/>
+              <a:ext cx="2318201" cy="2318201"/>
+            </a:xfrm>
+            <a:prstGeom prst="rect">
+              <a:avLst/>
+            </a:prstGeom>
+            <a:noFill/>
+            <a:extLst>
+              <a:ext uri="{909E8E84-426E-40DD-AFC4-6F175D3DCCD1}">
+                <a14:hiddenFill xmlns:a14="http://schemas.microsoft.com/office/drawing/2010/main">
+                  <a:solidFill>
+                    <a:srgbClr val="FFFFFF"/>
+                  </a:solidFill>
+                </a14:hiddenFill>
+              </a:ext>
+            </a:extLst>
+          </p:spPr>
+        </p:pic>
+        <p:pic>
+          <p:nvPicPr>
+            <p:cNvPr id="1030" name="Picture 6" descr="Edit - Free edit tools icons"/>
+            <p:cNvPicPr>
+              <a:picLocks noChangeAspect="1" noChangeArrowheads="1"/>
+            </p:cNvPicPr>
+            <p:nvPr/>
+          </p:nvPicPr>
+          <p:blipFill>
+            <a:blip r:embed="rId5" cstate="hqprint">
+              <a:extLst>
+                <a:ext uri="{28A0092B-C50C-407E-A947-70E740481C1C}">
+                  <a14:useLocalDpi xmlns:a14="http://schemas.microsoft.com/office/drawing/2010/main" val="0"/>
+                </a:ext>
+              </a:extLst>
+            </a:blip>
+            <a:srcRect/>
+            <a:stretch>
+              <a:fillRect/>
+            </a:stretch>
+          </p:blipFill>
+          <p:spPr bwMode="auto">
+            <a:xfrm>
+              <a:off x="8214896" y="4278846"/>
+              <a:ext cx="1132077" cy="1132077"/>
+            </a:xfrm>
+            <a:prstGeom prst="rect">
+              <a:avLst/>
+            </a:prstGeom>
+            <a:noFill/>
+            <a:extLst>
+              <a:ext uri="{909E8E84-426E-40DD-AFC4-6F175D3DCCD1}">
+                <a14:hiddenFill xmlns:a14="http://schemas.microsoft.com/office/drawing/2010/main">
+                  <a:solidFill>
+                    <a:srgbClr val="FFFFFF"/>
+                  </a:solidFill>
+                </a14:hiddenFill>
+              </a:ext>
+            </a:extLst>
+          </p:spPr>
+        </p:pic>
+      </p:grpSp>
     </p:spTree>
     <p:extLst>
       <p:ext uri="{BB962C8B-B14F-4D97-AF65-F5344CB8AC3E}">
@@ -13012,6 +13253,33 @@
                                   </p:childTnLst>
                                 </p:cTn>
                               </p:par>
+                              <p:par>
+                                <p:cTn id="7" presetID="1" presetClass="entr" presetSubtype="0" fill="hold" nodeType="withEffect">
+                                  <p:stCondLst>
+                                    <p:cond delay="0"/>
+                                  </p:stCondLst>
+                                  <p:childTnLst>
+                                    <p:set>
+                                      <p:cBhvr>
+                                        <p:cTn id="8" dur="1" fill="hold">
+                                          <p:stCondLst>
+                                            <p:cond delay="0"/>
+                                          </p:stCondLst>
+                                        </p:cTn>
+                                        <p:tgtEl>
+                                          <p:spTgt spid="5"/>
+                                        </p:tgtEl>
+                                        <p:attrNameLst>
+                                          <p:attrName>style.visibility</p:attrName>
+                                        </p:attrNameLst>
+                                      </p:cBhvr>
+                                      <p:to>
+                                        <p:strVal val="visible"/>
+                                      </p:to>
+                                    </p:set>
+                                  </p:childTnLst>
+                                </p:cTn>
+                              </p:par>
                             </p:childTnLst>
                           </p:cTn>
                         </p:par>
@@ -13019,26 +13287,26 @@
                     </p:cTn>
                   </p:par>
                   <p:par>
-                    <p:cTn id="7" fill="hold">
+                    <p:cTn id="9" fill="hold">
                       <p:stCondLst>
                         <p:cond delay="indefinite"/>
                       </p:stCondLst>
                       <p:childTnLst>
                         <p:par>
-                          <p:cTn id="8" fill="hold">
+                          <p:cTn id="10" fill="hold">
                             <p:stCondLst>
                               <p:cond delay="0"/>
                             </p:stCondLst>
                             <p:childTnLst>
                               <p:par>
-                                <p:cTn id="9" presetID="1" presetClass="entr" presetSubtype="0" fill="hold" nodeType="clickEffect">
+                                <p:cTn id="11" presetID="1" presetClass="entr" presetSubtype="0" fill="hold" nodeType="clickEffect">
                                   <p:stCondLst>
                                     <p:cond delay="0"/>
                                   </p:stCondLst>
                                   <p:childTnLst>
                                     <p:set>
                                       <p:cBhvr>
-                                        <p:cTn id="10" dur="1" fill="hold">
+                                        <p:cTn id="12" dur="1" fill="hold">
                                           <p:stCondLst>
                                             <p:cond delay="0"/>
                                           </p:stCondLst>
@@ -13061,26 +13329,8 @@
                                   </p:childTnLst>
                                 </p:cTn>
                               </p:par>
-                            </p:childTnLst>
-                          </p:cTn>
-                        </p:par>
-                      </p:childTnLst>
-                    </p:cTn>
-                  </p:par>
-                  <p:par>
-                    <p:cTn id="11" fill="hold">
-                      <p:stCondLst>
-                        <p:cond delay="indefinite"/>
-                      </p:stCondLst>
-                      <p:childTnLst>
-                        <p:par>
-                          <p:cTn id="12" fill="hold">
-                            <p:stCondLst>
-                              <p:cond delay="0"/>
-                            </p:stCondLst>
-                            <p:childTnLst>
                               <p:par>
-                                <p:cTn id="13" presetID="1" presetClass="entr" presetSubtype="0" fill="hold" nodeType="clickEffect">
+                                <p:cTn id="13" presetID="1" presetClass="entr" presetSubtype="0" fill="hold" nodeType="withEffect">
                                   <p:stCondLst>
                                     <p:cond delay="0"/>
                                   </p:stCondLst>
@@ -13093,11 +13343,7 @@
                                           </p:stCondLst>
                                         </p:cTn>
                                         <p:tgtEl>
-                                          <p:spTgt spid="3">
-                                            <p:txEl>
-                                              <p:pRg st="3" end="3"/>
-                                            </p:txEl>
-                                          </p:spTgt>
+                                          <p:spTgt spid="6"/>
                                         </p:tgtEl>
                                         <p:attrNameLst>
                                           <p:attrName>style.visibility</p:attrName>
@@ -13144,7 +13390,7 @@
                                         <p:tgtEl>
                                           <p:spTgt spid="3">
                                             <p:txEl>
-                                              <p:pRg st="4" end="4"/>
+                                              <p:pRg st="3" end="3"/>
                                             </p:txEl>
                                           </p:spTgt>
                                         </p:tgtEl>
@@ -13193,7 +13439,7 @@
                                         <p:tgtEl>
                                           <p:spTgt spid="3">
                                             <p:txEl>
-                                              <p:pRg st="5" end="5"/>
+                                              <p:pRg st="4" end="4"/>
                                             </p:txEl>
                                           </p:spTgt>
                                         </p:tgtEl>
@@ -13242,7 +13488,7 @@
                                         <p:tgtEl>
                                           <p:spTgt spid="3">
                                             <p:txEl>
-                                              <p:pRg st="6" end="6"/>
+                                              <p:pRg st="5" end="5"/>
                                             </p:txEl>
                                           </p:spTgt>
                                         </p:tgtEl>
@@ -13291,7 +13537,7 @@
                                         <p:tgtEl>
                                           <p:spTgt spid="3">
                                             <p:txEl>
-                                              <p:pRg st="7" end="7"/>
+                                              <p:pRg st="6" end="6"/>
                                             </p:txEl>
                                           </p:spTgt>
                                         </p:tgtEl>
@@ -13340,7 +13586,7 @@
                                         <p:tgtEl>
                                           <p:spTgt spid="3">
                                             <p:txEl>
-                                              <p:pRg st="8" end="8"/>
+                                              <p:pRg st="7" end="7"/>
                                             </p:txEl>
                                           </p:spTgt>
                                         </p:tgtEl>
@@ -13382,6 +13628,55 @@
                                     <p:set>
                                       <p:cBhvr>
                                         <p:cTn id="38" dur="1" fill="hold">
+                                          <p:stCondLst>
+                                            <p:cond delay="0"/>
+                                          </p:stCondLst>
+                                        </p:cTn>
+                                        <p:tgtEl>
+                                          <p:spTgt spid="3">
+                                            <p:txEl>
+                                              <p:pRg st="8" end="8"/>
+                                            </p:txEl>
+                                          </p:spTgt>
+                                        </p:tgtEl>
+                                        <p:attrNameLst>
+                                          <p:attrName>style.visibility</p:attrName>
+                                        </p:attrNameLst>
+                                      </p:cBhvr>
+                                      <p:to>
+                                        <p:strVal val="visible"/>
+                                      </p:to>
+                                    </p:set>
+                                  </p:childTnLst>
+                                </p:cTn>
+                              </p:par>
+                            </p:childTnLst>
+                          </p:cTn>
+                        </p:par>
+                      </p:childTnLst>
+                    </p:cTn>
+                  </p:par>
+                  <p:par>
+                    <p:cTn id="39" fill="hold">
+                      <p:stCondLst>
+                        <p:cond delay="indefinite"/>
+                      </p:stCondLst>
+                      <p:childTnLst>
+                        <p:par>
+                          <p:cTn id="40" fill="hold">
+                            <p:stCondLst>
+                              <p:cond delay="0"/>
+                            </p:stCondLst>
+                            <p:childTnLst>
+                              <p:par>
+                                <p:cTn id="41" presetID="1" presetClass="entr" presetSubtype="0" fill="hold" nodeType="clickEffect">
+                                  <p:stCondLst>
+                                    <p:cond delay="0"/>
+                                  </p:stCondLst>
+                                  <p:childTnLst>
+                                    <p:set>
+                                      <p:cBhvr>
+                                        <p:cTn id="42" dur="1" fill="hold">
                                           <p:stCondLst>
                                             <p:cond delay="0"/>
                                           </p:stCondLst>
@@ -14157,6 +14452,13 @@
       <p:transition spd="slow" advClick="0" advTm="5000"/>
     </mc:Fallback>
   </mc:AlternateContent>
+  <p:timing>
+    <p:tnLst>
+      <p:par>
+        <p:cTn id="1" dur="indefinite" restart="never" nodeType="tmRoot"/>
+      </p:par>
+    </p:tnLst>
+  </p:timing>
 </p:sld>
 </file>
 
@@ -15608,48 +15910,6 @@
       </p:sp>
       <p:pic>
         <p:nvPicPr>
-          <p:cNvPr id="7" name="Picture 6">
-            <a:extLst>
-              <a:ext uri="{FF2B5EF4-FFF2-40B4-BE49-F238E27FC236}">
-                <a16:creationId xmlns:a16="http://schemas.microsoft.com/office/drawing/2014/main" id="{B1F1CDC7-D53B-90D9-DDBB-F0011D2AEE8E}"/>
-              </a:ext>
-            </a:extLst>
-          </p:cNvPr>
-          <p:cNvPicPr>
-            <a:picLocks noChangeAspect="1"/>
-          </p:cNvPicPr>
-          <p:nvPr/>
-        </p:nvPicPr>
-        <p:blipFill>
-          <a:blip r:embed="rId2">
-            <a:extLst>
-              <a:ext uri="{28A0092B-C50C-407E-A947-70E740481C1C}">
-                <a14:useLocalDpi xmlns:a14="http://schemas.microsoft.com/office/drawing/2010/main" val="0"/>
-              </a:ext>
-            </a:extLst>
-          </a:blip>
-          <a:srcRect/>
-          <a:stretch/>
-        </p:blipFill>
-        <p:spPr>
-          <a:xfrm>
-            <a:off x="693097" y="2641051"/>
-            <a:ext cx="3645000" cy="2638914"/>
-          </a:xfrm>
-          <a:prstGeom prst="rect">
-            <a:avLst/>
-          </a:prstGeom>
-          <a:ln>
-            <a:solidFill>
-              <a:schemeClr val="bg2">
-                <a:lumMod val="75000"/>
-              </a:schemeClr>
-            </a:solidFill>
-          </a:ln>
-        </p:spPr>
-      </p:pic>
-      <p:pic>
-        <p:nvPicPr>
           <p:cNvPr id="9" name="Picture 8">
             <a:extLst>
               <a:ext uri="{FF2B5EF4-FFF2-40B4-BE49-F238E27FC236}">
@@ -15663,7 +15923,7 @@
           <p:nvPr/>
         </p:nvPicPr>
         <p:blipFill>
-          <a:blip r:embed="rId3">
+          <a:blip r:embed="rId2">
             <a:extLst>
               <a:ext uri="{28A0092B-C50C-407E-A947-70E740481C1C}">
                 <a14:useLocalDpi xmlns:a14="http://schemas.microsoft.com/office/drawing/2010/main" val="0"/>
@@ -15744,6 +16004,48 @@
           </a:p>
         </p:txBody>
       </p:sp>
+      <p:pic>
+        <p:nvPicPr>
+          <p:cNvPr id="8" name="Picture 7">
+            <a:extLst>
+              <a:ext uri="{FF2B5EF4-FFF2-40B4-BE49-F238E27FC236}">
+                <a16:creationId xmlns:a16="http://schemas.microsoft.com/office/drawing/2014/main" id="{B1F1CDC7-D53B-90D9-DDBB-F0011D2AEE8E}"/>
+              </a:ext>
+            </a:extLst>
+          </p:cNvPr>
+          <p:cNvPicPr>
+            <a:picLocks noChangeAspect="1"/>
+          </p:cNvPicPr>
+          <p:nvPr/>
+        </p:nvPicPr>
+        <p:blipFill>
+          <a:blip r:embed="rId3">
+            <a:extLst>
+              <a:ext uri="{28A0092B-C50C-407E-A947-70E740481C1C}">
+                <a14:useLocalDpi xmlns:a14="http://schemas.microsoft.com/office/drawing/2010/main" val="0"/>
+              </a:ext>
+            </a:extLst>
+          </a:blip>
+          <a:srcRect/>
+          <a:stretch/>
+        </p:blipFill>
+        <p:spPr>
+          <a:xfrm>
+            <a:off x="732118" y="2550870"/>
+            <a:ext cx="3667987" cy="2655556"/>
+          </a:xfrm>
+          <a:prstGeom prst="rect">
+            <a:avLst/>
+          </a:prstGeom>
+          <a:ln>
+            <a:solidFill>
+              <a:schemeClr val="bg2">
+                <a:lumMod val="75000"/>
+              </a:schemeClr>
+            </a:solidFill>
+          </a:ln>
+        </p:spPr>
+      </p:pic>
     </p:spTree>
     <p:extLst>
       <p:ext uri="{BB962C8B-B14F-4D97-AF65-F5344CB8AC3E}">
@@ -16029,6 +16331,13 @@
       <p:transition spd="slow" advClick="0" advTm="5000"/>
     </mc:Fallback>
   </mc:AlternateContent>
+  <p:timing>
+    <p:tnLst>
+      <p:par>
+        <p:cTn id="1" dur="indefinite" restart="never" nodeType="tmRoot"/>
+      </p:par>
+    </p:tnLst>
+  </p:timing>
 </p:sld>
 </file>
 
@@ -17661,6 +17970,13 @@
       <p:transition spd="slow" advClick="0" advTm="5000"/>
     </mc:Fallback>
   </mc:AlternateContent>
+  <p:timing>
+    <p:tnLst>
+      <p:par>
+        <p:cTn id="1" dur="indefinite" restart="never" nodeType="tmRoot"/>
+      </p:par>
+    </p:tnLst>
+  </p:timing>
 </p:sld>
 </file>
 
@@ -18250,6 +18566,13 @@
       <p:transition spd="slow" advClick="0" advTm="5000"/>
     </mc:Fallback>
   </mc:AlternateContent>
+  <p:timing>
+    <p:tnLst>
+      <p:par>
+        <p:cTn id="1" dur="indefinite" restart="never" nodeType="tmRoot"/>
+      </p:par>
+    </p:tnLst>
+  </p:timing>
 </p:sld>
 </file>
 
@@ -18851,6 +19174,13 @@
       <p:transition spd="slow" advClick="0" advTm="5000"/>
     </mc:Fallback>
   </mc:AlternateContent>
+  <p:timing>
+    <p:tnLst>
+      <p:par>
+        <p:cTn id="1" dur="indefinite" restart="never" nodeType="tmRoot"/>
+      </p:par>
+    </p:tnLst>
+  </p:timing>
 </p:sld>
 </file>
 
@@ -20428,6 +20758,13 @@
       <p:transition spd="slow" advClick="0" advTm="5000"/>
     </mc:Fallback>
   </mc:AlternateContent>
+  <p:timing>
+    <p:tnLst>
+      <p:par>
+        <p:cTn id="1" dur="indefinite" restart="never" nodeType="tmRoot"/>
+      </p:par>
+    </p:tnLst>
+  </p:timing>
 </p:sld>
 </file>
 
@@ -20819,6 +21156,13 @@
       <p:transition spd="slow" advClick="0" advTm="5000"/>
     </mc:Fallback>
   </mc:AlternateContent>
+  <p:timing>
+    <p:tnLst>
+      <p:par>
+        <p:cTn id="1" dur="indefinite" restart="never" nodeType="tmRoot"/>
+      </p:par>
+    </p:tnLst>
+  </p:timing>
 </p:sld>
 </file>
 
@@ -21533,6 +21877,13 @@
       <p:transition spd="slow" advClick="0" advTm="5000"/>
     </mc:Fallback>
   </mc:AlternateContent>
+  <p:timing>
+    <p:tnLst>
+      <p:par>
+        <p:cTn id="1" dur="indefinite" restart="never" nodeType="tmRoot"/>
+      </p:par>
+    </p:tnLst>
+  </p:timing>
 </p:sld>
 </file>
 
@@ -21674,6 +22025,13 @@
       <p:transition spd="slow" advClick="0" advTm="5000"/>
     </mc:Fallback>
   </mc:AlternateContent>
+  <p:timing>
+    <p:tnLst>
+      <p:par>
+        <p:cTn id="1" dur="indefinite" restart="never" nodeType="tmRoot"/>
+      </p:par>
+    </p:tnLst>
+  </p:timing>
 </p:sld>
 </file>
 
@@ -22310,6 +22668,13 @@
       <p:transition spd="slow" advClick="0" advTm="5000"/>
     </mc:Fallback>
   </mc:AlternateContent>
+  <p:timing>
+    <p:tnLst>
+      <p:par>
+        <p:cTn id="1" dur="indefinite" restart="never" nodeType="tmRoot"/>
+      </p:par>
+    </p:tnLst>
+  </p:timing>
 </p:sld>
 </file>
 
@@ -23158,6 +23523,13 @@
       <p:transition spd="slow" advClick="0" advTm="5000"/>
     </mc:Fallback>
   </mc:AlternateContent>
+  <p:timing>
+    <p:tnLst>
+      <p:par>
+        <p:cTn id="1" dur="indefinite" restart="never" nodeType="tmRoot"/>
+      </p:par>
+    </p:tnLst>
+  </p:timing>
 </p:sld>
 </file>
 
@@ -23753,6 +24125,13 @@
       <p:transition spd="slow" advClick="0" advTm="5000"/>
     </mc:Fallback>
   </mc:AlternateContent>
+  <p:timing>
+    <p:tnLst>
+      <p:par>
+        <p:cTn id="1" dur="indefinite" restart="never" nodeType="tmRoot"/>
+      </p:par>
+    </p:tnLst>
+  </p:timing>
 </p:sld>
 </file>
 
@@ -25484,6 +25863,13 @@
       <p:transition spd="slow" advClick="0" advTm="5000"/>
     </mc:Fallback>
   </mc:AlternateContent>
+  <p:timing>
+    <p:tnLst>
+      <p:par>
+        <p:cTn id="1" dur="indefinite" restart="never" nodeType="tmRoot"/>
+      </p:par>
+    </p:tnLst>
+  </p:timing>
 </p:sld>
 </file>
 
@@ -26143,6 +26529,13 @@
       <p:transition spd="slow" advClick="0" advTm="5000"/>
     </mc:Fallback>
   </mc:AlternateContent>
+  <p:timing>
+    <p:tnLst>
+      <p:par>
+        <p:cTn id="1" dur="indefinite" restart="never" nodeType="tmRoot"/>
+      </p:par>
+    </p:tnLst>
+  </p:timing>
 </p:sld>
 </file>
 
@@ -26842,6 +27235,13 @@
       <p:transition spd="slow" advClick="0" advTm="5000"/>
     </mc:Fallback>
   </mc:AlternateContent>
+  <p:timing>
+    <p:tnLst>
+      <p:par>
+        <p:cTn id="1" dur="indefinite" restart="never" nodeType="tmRoot"/>
+      </p:par>
+    </p:tnLst>
+  </p:timing>
 </p:sld>
 </file>
 
@@ -28096,7 +28496,7 @@
                 <a:hlinkClick r:id="rId3">
                   <a:extLst>
                     <a:ext uri="{A12FA001-AC4F-418D-AE19-62706E023703}">
-                      <ahyp:hlinkClr xmlns:ahyp="http://schemas.microsoft.com/office/drawing/2018/hyperlinkcolor" val="tx"/>
+                      <ahyp:hlinkClr xmlns:ahyp="http://schemas.microsoft.com/office/drawing/2018/hyperlinkcolor" xmlns="" val="tx"/>
                     </a:ext>
                   </a:extLst>
                 </a:hlinkClick>
@@ -28169,6 +28569,13 @@
       <p:transition spd="slow" advClick="0" advTm="5000"/>
     </mc:Fallback>
   </mc:AlternateContent>
+  <p:timing>
+    <p:tnLst>
+      <p:par>
+        <p:cTn id="1" dur="indefinite" restart="never" nodeType="tmRoot"/>
+      </p:par>
+    </p:tnLst>
+  </p:timing>
 </p:sld>
 </file>
 
@@ -29043,14 +29450,21 @@
   <p:clrMapOvr>
     <a:masterClrMapping/>
   </p:clrMapOvr>
-  <mc:AlternateContent xmlns:mc="http://schemas.openxmlformats.org/markup-compatibility/2006">
-    <mc:Choice xmlns:p14="http://schemas.microsoft.com/office/powerpoint/2010/main" Requires="p14">
+  <mc:AlternateContent xmlns:mc="http://schemas.openxmlformats.org/markup-compatibility/2006" xmlns:p14="http://schemas.microsoft.com/office/powerpoint/2010/main">
+    <mc:Choice Requires="p14">
       <p:transition spd="slow" p14:dur="2000" advClick="0" advTm="5000"/>
     </mc:Choice>
-    <mc:Fallback>
+    <mc:Fallback xmlns="">
       <p:transition spd="slow" advClick="0" advTm="5000"/>
     </mc:Fallback>
   </mc:AlternateContent>
+  <p:timing>
+    <p:tnLst>
+      <p:par>
+        <p:cTn id="1" dur="indefinite" restart="never" nodeType="tmRoot"/>
+      </p:par>
+    </p:tnLst>
+  </p:timing>
 </p:sld>
 </file>
 
@@ -30957,8 +31371,8 @@
         </p:blipFill>
         <p:spPr>
           <a:xfrm>
-            <a:off x="3527007" y="99000"/>
-            <a:ext cx="5137985" cy="4782351"/>
+            <a:off x="3776504" y="273921"/>
+            <a:ext cx="4638992" cy="4317897"/>
           </a:xfrm>
           <a:prstGeom prst="rect">
             <a:avLst/>
@@ -30997,6 +31411,13 @@
       <p:transition spd="slow" advClick="0" advTm="5000"/>
     </mc:Fallback>
   </mc:AlternateContent>
+  <p:timing>
+    <p:tnLst>
+      <p:par>
+        <p:cTn id="1" dur="indefinite" restart="never" nodeType="tmRoot"/>
+      </p:par>
+    </p:tnLst>
+  </p:timing>
 </p:sld>
 </file>
 

--- a/Courses/Software-Sciences/Module-4-Information-Systems-New/12-Implementation-of-Information-System/12-Implementation-of-Information-System.pptx
+++ b/Courses/Software-Sciences/Module-4-Information-Systems-New/12-Implementation-of-Information-System/12-Implementation-of-Information-System.pptx
@@ -244,10 +244,211 @@
       </p:ext>
     </p:extLst>
   </p:cmAuthor>
+  <p:cmAuthor id="2" name="Mirela Damyanova" initials="MD" lastIdx="18" clrIdx="1">
+    <p:extLst>
+      <p:ext uri="{19B8F6BF-5375-455C-9EA6-DF929625EA0E}">
+        <p15:presenceInfo xmlns:p15="http://schemas.microsoft.com/office/powerpoint/2012/main" userId="Mirela Damyanova" providerId="None"/>
+      </p:ext>
+    </p:extLst>
+  </p:cmAuthor>
 </p:cmAuthorLst>
 </file>
 
 <file path=ppt/comments/comment1.xml><?xml version="1.0" encoding="utf-8"?>
+<p:cmLst xmlns:a="http://schemas.openxmlformats.org/drawingml/2006/main" xmlns:r="http://schemas.openxmlformats.org/officeDocument/2006/relationships" xmlns:p="http://schemas.openxmlformats.org/presentationml/2006/main">
+  <p:cm authorId="2" dt="2024-10-13T10:16:17.645" idx="2">
+    <p:pos x="7298" y="1262"/>
+    <p:text>Скрийншотът ще се промени</p:text>
+    <p:extLst>
+      <p:ext uri="{C676402C-5697-4E1C-873F-D02D1690AC5C}">
+        <p15:threadingInfo xmlns:p15="http://schemas.microsoft.com/office/powerpoint/2012/main" timeZoneBias="-180"/>
+      </p:ext>
+    </p:extLst>
+  </p:cm>
+</p:cmLst>
+</file>
+
+<file path=ppt/comments/comment10.xml><?xml version="1.0" encoding="utf-8"?>
+<p:cmLst xmlns:a="http://schemas.openxmlformats.org/drawingml/2006/main" xmlns:r="http://schemas.openxmlformats.org/officeDocument/2006/relationships" xmlns:p="http://schemas.openxmlformats.org/presentationml/2006/main">
+  <p:cm authorId="2" dt="2024-10-13T10:20:01.206" idx="16">
+    <p:pos x="5786" y="544"/>
+    <p:text>Ще се промени</p:text>
+    <p:extLst>
+      <p:ext uri="{C676402C-5697-4E1C-873F-D02D1690AC5C}">
+        <p15:threadingInfo xmlns:p15="http://schemas.microsoft.com/office/powerpoint/2012/main" timeZoneBias="-180"/>
+      </p:ext>
+    </p:extLst>
+  </p:cm>
+  <p:cm authorId="2" dt="2024-10-13T10:20:40.852" idx="18">
+    <p:pos x="7086" y="3010"/>
+    <p:text>Ще се редактира всичко от тази секция</p:text>
+    <p:extLst>
+      <p:ext uri="{C676402C-5697-4E1C-873F-D02D1690AC5C}">
+        <p15:threadingInfo xmlns:p15="http://schemas.microsoft.com/office/powerpoint/2012/main" timeZoneBias="-180"/>
+      </p:ext>
+    </p:extLst>
+  </p:cm>
+</p:cmLst>
+</file>
+
+<file path=ppt/comments/comment11.xml><?xml version="1.0" encoding="utf-8"?>
+<p:cmLst xmlns:a="http://schemas.openxmlformats.org/drawingml/2006/main" xmlns:r="http://schemas.openxmlformats.org/officeDocument/2006/relationships" xmlns:p="http://schemas.openxmlformats.org/presentationml/2006/main">
+  <p:cm authorId="2" dt="2024-10-13T10:20:19.489" idx="17">
+    <p:pos x="5271" y="772"/>
+    <p:text>Ще се добавят още проверки и обяснения</p:text>
+    <p:extLst>
+      <p:ext uri="{C676402C-5697-4E1C-873F-D02D1690AC5C}">
+        <p15:threadingInfo xmlns:p15="http://schemas.microsoft.com/office/powerpoint/2012/main" timeZoneBias="-180"/>
+      </p:ext>
+    </p:extLst>
+  </p:cm>
+</p:cmLst>
+</file>
+
+<file path=ppt/comments/comment2.xml><?xml version="1.0" encoding="utf-8"?>
+<p:cmLst xmlns:a="http://schemas.openxmlformats.org/drawingml/2006/main" xmlns:r="http://schemas.openxmlformats.org/officeDocument/2006/relationships" xmlns:p="http://schemas.openxmlformats.org/presentationml/2006/main">
+  <p:cm authorId="2" dt="2024-10-13T10:16:30.112" idx="3">
+    <p:pos x="3706" y="1152"/>
+    <p:text>Ще се добави криптиране на парола</p:text>
+    <p:extLst>
+      <p:ext uri="{C676402C-5697-4E1C-873F-D02D1690AC5C}">
+        <p15:threadingInfo xmlns:p15="http://schemas.microsoft.com/office/powerpoint/2012/main" timeZoneBias="-180"/>
+      </p:ext>
+    </p:extLst>
+  </p:cm>
+  <p:cm authorId="2" dt="2024-10-13T10:16:46.312" idx="4">
+    <p:pos x="4684" y="1435"/>
+    <p:text>Ще се промени на две главни форми</p:text>
+    <p:extLst>
+      <p:ext uri="{C676402C-5697-4E1C-873F-D02D1690AC5C}">
+        <p15:threadingInfo xmlns:p15="http://schemas.microsoft.com/office/powerpoint/2012/main" timeZoneBias="-180"/>
+      </p:ext>
+    </p:extLst>
+  </p:cm>
+  <p:cm authorId="2" dt="2024-10-13T10:16:56.490" idx="5">
+    <p:pos x="4369" y="2043"/>
+    <p:text>Ще се махне</p:text>
+    <p:extLst>
+      <p:ext uri="{C676402C-5697-4E1C-873F-D02D1690AC5C}">
+        <p15:threadingInfo xmlns:p15="http://schemas.microsoft.com/office/powerpoint/2012/main" timeZoneBias="-180"/>
+      </p:ext>
+    </p:extLst>
+  </p:cm>
+  <p:cm authorId="2" dt="2024-10-13T10:17:08.283" idx="6">
+    <p:pos x="4706" y="2619"/>
+    <p:text>Ще се добави CRUD за администратора</p:text>
+    <p:extLst>
+      <p:ext uri="{C676402C-5697-4E1C-873F-D02D1690AC5C}">
+        <p15:threadingInfo xmlns:p15="http://schemas.microsoft.com/office/powerpoint/2012/main" timeZoneBias="-180"/>
+      </p:ext>
+    </p:extLst>
+  </p:cm>
+  <p:cm authorId="2" dt="2024-10-13T10:17:22.458" idx="7">
+    <p:pos x="4749" y="2934"/>
+    <p:text>Ще се добави пълен CRUD навсякъде</p:text>
+    <p:extLst>
+      <p:ext uri="{C676402C-5697-4E1C-873F-D02D1690AC5C}">
+        <p15:threadingInfo xmlns:p15="http://schemas.microsoft.com/office/powerpoint/2012/main" timeZoneBias="-180"/>
+      </p:ext>
+    </p:extLst>
+  </p:cm>
+</p:cmLst>
+</file>
+
+<file path=ppt/comments/comment3.xml><?xml version="1.0" encoding="utf-8"?>
+<p:cmLst xmlns:a="http://schemas.openxmlformats.org/drawingml/2006/main" xmlns:r="http://schemas.openxmlformats.org/officeDocument/2006/relationships" xmlns:p="http://schemas.openxmlformats.org/presentationml/2006/main">
+  <p:cm authorId="2" dt="2024-10-13T10:17:45.113" idx="8">
+    <p:pos x="5697" y="328"/>
+    <p:text>Ще се промени</p:text>
+    <p:extLst>
+      <p:ext uri="{C676402C-5697-4E1C-873F-D02D1690AC5C}">
+        <p15:threadingInfo xmlns:p15="http://schemas.microsoft.com/office/powerpoint/2012/main" timeZoneBias="-180"/>
+      </p:ext>
+    </p:extLst>
+  </p:cm>
+</p:cmLst>
+</file>
+
+<file path=ppt/comments/comment4.xml><?xml version="1.0" encoding="utf-8"?>
+<p:cmLst xmlns:a="http://schemas.openxmlformats.org/drawingml/2006/main" xmlns:r="http://schemas.openxmlformats.org/officeDocument/2006/relationships" xmlns:p="http://schemas.openxmlformats.org/presentationml/2006/main">
+  <p:cm authorId="2" dt="2024-10-13T10:17:55.655" idx="9">
+    <p:pos x="7283" y="884"/>
+    <p:text>Ще се промени</p:text>
+    <p:extLst>
+      <p:ext uri="{C676402C-5697-4E1C-873F-D02D1690AC5C}">
+        <p15:threadingInfo xmlns:p15="http://schemas.microsoft.com/office/powerpoint/2012/main" timeZoneBias="-180"/>
+      </p:ext>
+    </p:extLst>
+  </p:cm>
+</p:cmLst>
+</file>
+
+<file path=ppt/comments/comment5.xml><?xml version="1.0" encoding="utf-8"?>
+<p:cmLst xmlns:a="http://schemas.openxmlformats.org/drawingml/2006/main" xmlns:r="http://schemas.openxmlformats.org/officeDocument/2006/relationships" xmlns:p="http://schemas.openxmlformats.org/presentationml/2006/main">
+  <p:cm authorId="2" dt="2024-10-13T10:18:17.223" idx="11">
+    <p:pos x="5301" y="173"/>
+    <p:text>Ще се промени</p:text>
+    <p:extLst>
+      <p:ext uri="{C676402C-5697-4E1C-873F-D02D1690AC5C}">
+        <p15:threadingInfo xmlns:p15="http://schemas.microsoft.com/office/powerpoint/2012/main" timeZoneBias="-180"/>
+      </p:ext>
+    </p:extLst>
+  </p:cm>
+  <p:cm authorId="2" dt="2024-10-13T10:18:25.615" idx="12">
+    <p:pos x="7021" y="2945"/>
+    <p:text>Ще се опишат двете главни форми</p:text>
+    <p:extLst>
+      <p:ext uri="{C676402C-5697-4E1C-873F-D02D1690AC5C}">
+        <p15:threadingInfo xmlns:p15="http://schemas.microsoft.com/office/powerpoint/2012/main" timeZoneBias="-180"/>
+      </p:ext>
+    </p:extLst>
+  </p:cm>
+</p:cmLst>
+</file>
+
+<file path=ppt/comments/comment6.xml><?xml version="1.0" encoding="utf-8"?>
+<p:cmLst xmlns:a="http://schemas.openxmlformats.org/drawingml/2006/main" xmlns:r="http://schemas.openxmlformats.org/officeDocument/2006/relationships" xmlns:p="http://schemas.openxmlformats.org/presentationml/2006/main">
+  <p:cm authorId="2" dt="2024-10-13T10:18:42.503" idx="13">
+    <p:pos x="6130" y="772"/>
+    <p:text>Всичко това ще се промени по проекта, това е стара негова версия</p:text>
+    <p:extLst>
+      <p:ext uri="{C676402C-5697-4E1C-873F-D02D1690AC5C}">
+        <p15:threadingInfo xmlns:p15="http://schemas.microsoft.com/office/powerpoint/2012/main" timeZoneBias="-180"/>
+      </p:ext>
+    </p:extLst>
+  </p:cm>
+</p:cmLst>
+</file>
+
+<file path=ppt/comments/comment7.xml><?xml version="1.0" encoding="utf-8"?>
+<p:cmLst xmlns:a="http://schemas.openxmlformats.org/drawingml/2006/main" xmlns:r="http://schemas.openxmlformats.org/officeDocument/2006/relationships" xmlns:p="http://schemas.openxmlformats.org/presentationml/2006/main">
+  <p:cm authorId="2" dt="2024-10-13T10:19:39.676" idx="14">
+    <p:pos x="4304" y="772"/>
+    <p:text>Ще обясняваме функционалността на двете основни форми, всичко останало ще е по разделени форми</p:text>
+    <p:extLst>
+      <p:ext uri="{C676402C-5697-4E1C-873F-D02D1690AC5C}">
+        <p15:threadingInfo xmlns:p15="http://schemas.microsoft.com/office/powerpoint/2012/main" timeZoneBias="-180"/>
+      </p:ext>
+    </p:extLst>
+  </p:cm>
+</p:cmLst>
+</file>
+
+<file path=ppt/comments/comment8.xml><?xml version="1.0" encoding="utf-8"?>
+<p:cmLst xmlns:a="http://schemas.openxmlformats.org/drawingml/2006/main" xmlns:r="http://schemas.openxmlformats.org/officeDocument/2006/relationships" xmlns:p="http://schemas.openxmlformats.org/presentationml/2006/main">
+  <p:cm authorId="2" dt="2024-10-13T10:19:50.182" idx="15">
+    <p:pos x="7010" y="772"/>
+    <p:text>Няма да има мастър-детайл</p:text>
+    <p:extLst>
+      <p:ext uri="{C676402C-5697-4E1C-873F-D02D1690AC5C}">
+        <p15:threadingInfo xmlns:p15="http://schemas.microsoft.com/office/powerpoint/2012/main" timeZoneBias="-180"/>
+      </p:ext>
+    </p:extLst>
+  </p:cm>
+</p:cmLst>
+</file>
+
+<file path=ppt/comments/comment9.xml><?xml version="1.0" encoding="utf-8"?>
 <p:cmLst xmlns:a="http://schemas.openxmlformats.org/drawingml/2006/main" xmlns:r="http://schemas.openxmlformats.org/officeDocument/2006/relationships" xmlns:p="http://schemas.openxmlformats.org/presentationml/2006/main">
   <p:cm authorId="1" dt="2024-10-12T16:05:32.300" idx="2">
     <p:pos x="10" y="10"/>
@@ -256,6 +457,17 @@
     <p:extLst>
       <p:ext uri="{C676402C-5697-4E1C-873F-D02D1690AC5C}">
         <p15:threadingInfo xmlns:p15="http://schemas.microsoft.com/office/powerpoint/2012/main" timeZoneBias="-180"/>
+      </p:ext>
+    </p:extLst>
+  </p:cm>
+  <p:cm authorId="2" dt="2024-10-13T10:15:38.782" idx="1">
+    <p:pos x="10" y="123"/>
+    <p:text>Презентацията в момента я оправям. Когато стигна до тук, ще може да добавя иконките, които се ползват в самия практически проект. :)</p:text>
+    <p:extLst>
+      <p:ext uri="{C676402C-5697-4E1C-873F-D02D1690AC5C}">
+        <p15:threadingInfo xmlns:p15="http://schemas.microsoft.com/office/powerpoint/2012/main" timeZoneBias="-180">
+          <p15:parentCm authorId="1" idx="2"/>
+        </p15:threadingInfo>
       </p:ext>
     </p:extLst>
   </p:cm>
@@ -356,7 +568,7 @@
           <a:p>
             <a:fld id="{4E087215-0C8F-4762-A664-737A353EC9A4}" type="datetimeFigureOut">
               <a:rPr lang="bg-BG" smtClean="0"/>
-              <a:t>12.10.2024 г.</a:t>
+              <a:t>13.10.24 г.</a:t>
             </a:fld>
             <a:endParaRPr lang="bg-BG"/>
           </a:p>
@@ -552,7 +764,7 @@
           <a:p>
             <a:fld id="{72D84649-876A-46C9-8472-14CB09C070D8}" type="datetimeFigureOut">
               <a:rPr lang="en-US" smtClean="0"/>
-              <a:t>10/12/2024</a:t>
+              <a:t>10/13/24</a:t>
             </a:fld>
             <a:endParaRPr lang="en-US"/>
           </a:p>
@@ -9189,13 +9401,6 @@
       <p:transition spd="slow" advClick="0" advTm="5000"/>
     </mc:Fallback>
   </mc:AlternateContent>
-  <p:timing>
-    <p:tnLst>
-      <p:par>
-        <p:cTn id="1" dur="indefinite" restart="never" nodeType="tmRoot"/>
-      </p:par>
-    </p:tnLst>
-  </p:timing>
 </p:sld>
 </file>
 
@@ -10232,13 +10437,6 @@
       <p:transition spd="slow" advClick="0" advTm="5000"/>
     </mc:Fallback>
   </mc:AlternateContent>
-  <p:timing>
-    <p:tnLst>
-      <p:par>
-        <p:cTn id="1" dur="indefinite" restart="never" nodeType="tmRoot"/>
-      </p:par>
-    </p:tnLst>
-  </p:timing>
 </p:sld>
 </file>
 
@@ -11177,13 +11375,6 @@
       <p:transition spd="slow" advClick="0" advTm="5000"/>
     </mc:Fallback>
   </mc:AlternateContent>
-  <p:timing>
-    <p:tnLst>
-      <p:par>
-        <p:cTn id="1" dur="indefinite" restart="never" nodeType="tmRoot"/>
-      </p:par>
-    </p:tnLst>
-  </p:timing>
 </p:sld>
 </file>
 
@@ -12951,13 +13142,8 @@
             <a:pPr lvl="1"/>
             <a:r>
               <a:rPr lang="bg-BG" b="1" dirty="0"/>
-              <a:t>Изтриване на </a:t>
-            </a:r>
-            <a:r>
-              <a:rPr lang="bg-BG" b="1" dirty="0" smtClean="0"/>
-              <a:t>лекар</a:t>
-            </a:r>
-            <a:endParaRPr lang="bg-BG" b="1" dirty="0"/>
+              <a:t>Изтриване на лекар</a:t>
+            </a:r>
           </a:p>
         </p:txBody>
       </p:sp>
@@ -14452,13 +14638,6 @@
       <p:transition spd="slow" advClick="0" advTm="5000"/>
     </mc:Fallback>
   </mc:AlternateContent>
-  <p:timing>
-    <p:tnLst>
-      <p:par>
-        <p:cTn id="1" dur="indefinite" restart="never" nodeType="tmRoot"/>
-      </p:par>
-    </p:tnLst>
-  </p:timing>
 </p:sld>
 </file>
 
@@ -16331,13 +16510,6 @@
       <p:transition spd="slow" advClick="0" advTm="5000"/>
     </mc:Fallback>
   </mc:AlternateContent>
-  <p:timing>
-    <p:tnLst>
-      <p:par>
-        <p:cTn id="1" dur="indefinite" restart="never" nodeType="tmRoot"/>
-      </p:par>
-    </p:tnLst>
-  </p:timing>
 </p:sld>
 </file>
 
@@ -17970,13 +18142,6 @@
       <p:transition spd="slow" advClick="0" advTm="5000"/>
     </mc:Fallback>
   </mc:AlternateContent>
-  <p:timing>
-    <p:tnLst>
-      <p:par>
-        <p:cTn id="1" dur="indefinite" restart="never" nodeType="tmRoot"/>
-      </p:par>
-    </p:tnLst>
-  </p:timing>
 </p:sld>
 </file>
 
@@ -18566,13 +18731,6 @@
       <p:transition spd="slow" advClick="0" advTm="5000"/>
     </mc:Fallback>
   </mc:AlternateContent>
-  <p:timing>
-    <p:tnLst>
-      <p:par>
-        <p:cTn id="1" dur="indefinite" restart="never" nodeType="tmRoot"/>
-      </p:par>
-    </p:tnLst>
-  </p:timing>
 </p:sld>
 </file>
 
@@ -19174,13 +19332,6 @@
       <p:transition spd="slow" advClick="0" advTm="5000"/>
     </mc:Fallback>
   </mc:AlternateContent>
-  <p:timing>
-    <p:tnLst>
-      <p:par>
-        <p:cTn id="1" dur="indefinite" restart="never" nodeType="tmRoot"/>
-      </p:par>
-    </p:tnLst>
-  </p:timing>
 </p:sld>
 </file>
 
@@ -20758,13 +20909,6 @@
       <p:transition spd="slow" advClick="0" advTm="5000"/>
     </mc:Fallback>
   </mc:AlternateContent>
-  <p:timing>
-    <p:tnLst>
-      <p:par>
-        <p:cTn id="1" dur="indefinite" restart="never" nodeType="tmRoot"/>
-      </p:par>
-    </p:tnLst>
-  </p:timing>
 </p:sld>
 </file>
 
@@ -21156,13 +21300,6 @@
       <p:transition spd="slow" advClick="0" advTm="5000"/>
     </mc:Fallback>
   </mc:AlternateContent>
-  <p:timing>
-    <p:tnLst>
-      <p:par>
-        <p:cTn id="1" dur="indefinite" restart="never" nodeType="tmRoot"/>
-      </p:par>
-    </p:tnLst>
-  </p:timing>
 </p:sld>
 </file>
 
@@ -21877,13 +22014,6 @@
       <p:transition spd="slow" advClick="0" advTm="5000"/>
     </mc:Fallback>
   </mc:AlternateContent>
-  <p:timing>
-    <p:tnLst>
-      <p:par>
-        <p:cTn id="1" dur="indefinite" restart="never" nodeType="tmRoot"/>
-      </p:par>
-    </p:tnLst>
-  </p:timing>
 </p:sld>
 </file>
 
@@ -22025,13 +22155,6 @@
       <p:transition spd="slow" advClick="0" advTm="5000"/>
     </mc:Fallback>
   </mc:AlternateContent>
-  <p:timing>
-    <p:tnLst>
-      <p:par>
-        <p:cTn id="1" dur="indefinite" restart="never" nodeType="tmRoot"/>
-      </p:par>
-    </p:tnLst>
-  </p:timing>
 </p:sld>
 </file>
 
@@ -22668,13 +22791,6 @@
       <p:transition spd="slow" advClick="0" advTm="5000"/>
     </mc:Fallback>
   </mc:AlternateContent>
-  <p:timing>
-    <p:tnLst>
-      <p:par>
-        <p:cTn id="1" dur="indefinite" restart="never" nodeType="tmRoot"/>
-      </p:par>
-    </p:tnLst>
-  </p:timing>
 </p:sld>
 </file>
 
@@ -23523,13 +23639,6 @@
       <p:transition spd="slow" advClick="0" advTm="5000"/>
     </mc:Fallback>
   </mc:AlternateContent>
-  <p:timing>
-    <p:tnLst>
-      <p:par>
-        <p:cTn id="1" dur="indefinite" restart="never" nodeType="tmRoot"/>
-      </p:par>
-    </p:tnLst>
-  </p:timing>
 </p:sld>
 </file>
 
@@ -24125,13 +24234,6 @@
       <p:transition spd="slow" advClick="0" advTm="5000"/>
     </mc:Fallback>
   </mc:AlternateContent>
-  <p:timing>
-    <p:tnLst>
-      <p:par>
-        <p:cTn id="1" dur="indefinite" restart="never" nodeType="tmRoot"/>
-      </p:par>
-    </p:tnLst>
-  </p:timing>
 </p:sld>
 </file>
 
@@ -25863,13 +25965,6 @@
       <p:transition spd="slow" advClick="0" advTm="5000"/>
     </mc:Fallback>
   </mc:AlternateContent>
-  <p:timing>
-    <p:tnLst>
-      <p:par>
-        <p:cTn id="1" dur="indefinite" restart="never" nodeType="tmRoot"/>
-      </p:par>
-    </p:tnLst>
-  </p:timing>
 </p:sld>
 </file>
 
@@ -26529,13 +26624,6 @@
       <p:transition spd="slow" advClick="0" advTm="5000"/>
     </mc:Fallback>
   </mc:AlternateContent>
-  <p:timing>
-    <p:tnLst>
-      <p:par>
-        <p:cTn id="1" dur="indefinite" restart="never" nodeType="tmRoot"/>
-      </p:par>
-    </p:tnLst>
-  </p:timing>
 </p:sld>
 </file>
 
@@ -27235,13 +27323,6 @@
       <p:transition spd="slow" advClick="0" advTm="5000"/>
     </mc:Fallback>
   </mc:AlternateContent>
-  <p:timing>
-    <p:tnLst>
-      <p:par>
-        <p:cTn id="1" dur="indefinite" restart="never" nodeType="tmRoot"/>
-      </p:par>
-    </p:tnLst>
-  </p:timing>
 </p:sld>
 </file>
 
@@ -28496,7 +28577,7 @@
                 <a:hlinkClick r:id="rId3">
                   <a:extLst>
                     <a:ext uri="{A12FA001-AC4F-418D-AE19-62706E023703}">
-                      <ahyp:hlinkClr xmlns:ahyp="http://schemas.microsoft.com/office/drawing/2018/hyperlinkcolor" xmlns="" val="tx"/>
+                      <ahyp:hlinkClr xmlns:ahyp="http://schemas.microsoft.com/office/drawing/2018/hyperlinkcolor" val="tx"/>
                     </a:ext>
                   </a:extLst>
                 </a:hlinkClick>
@@ -28569,13 +28650,6 @@
       <p:transition spd="slow" advClick="0" advTm="5000"/>
     </mc:Fallback>
   </mc:AlternateContent>
-  <p:timing>
-    <p:tnLst>
-      <p:par>
-        <p:cTn id="1" dur="indefinite" restart="never" nodeType="tmRoot"/>
-      </p:par>
-    </p:tnLst>
-  </p:timing>
 </p:sld>
 </file>
 
@@ -29458,13 +29532,6 @@
       <p:transition spd="slow" advClick="0" advTm="5000"/>
     </mc:Fallback>
   </mc:AlternateContent>
-  <p:timing>
-    <p:tnLst>
-      <p:par>
-        <p:cTn id="1" dur="indefinite" restart="never" nodeType="tmRoot"/>
-      </p:par>
-    </p:tnLst>
-  </p:timing>
 </p:sld>
 </file>
 
@@ -31411,13 +31478,6 @@
       <p:transition spd="slow" advClick="0" advTm="5000"/>
     </mc:Fallback>
   </mc:AlternateContent>
-  <p:timing>
-    <p:tnLst>
-      <p:par>
-        <p:cTn id="1" dur="indefinite" restart="never" nodeType="tmRoot"/>
-      </p:par>
-    </p:tnLst>
-  </p:timing>
 </p:sld>
 </file>
 
